--- a/CP_Online Shopper Purchase Prediction.pptx
+++ b/CP_Online Shopper Purchase Prediction.pptx
@@ -9,18 +9,18 @@
   </p:notesMasterIdLst>
   <p:sldIdLst>
     <p:sldId id="256" r:id="rId2"/>
-    <p:sldId id="257" r:id="rId3"/>
-    <p:sldId id="274" r:id="rId4"/>
-    <p:sldId id="275" r:id="rId5"/>
-    <p:sldId id="271" r:id="rId6"/>
-    <p:sldId id="272" r:id="rId7"/>
-    <p:sldId id="273" r:id="rId8"/>
-    <p:sldId id="278" r:id="rId9"/>
-    <p:sldId id="279" r:id="rId10"/>
-    <p:sldId id="265" r:id="rId11"/>
-    <p:sldId id="267" r:id="rId12"/>
-    <p:sldId id="280" r:id="rId13"/>
-    <p:sldId id="268" r:id="rId14"/>
+    <p:sldId id="282" r:id="rId3"/>
+    <p:sldId id="283" r:id="rId4"/>
+    <p:sldId id="284" r:id="rId5"/>
+    <p:sldId id="285" r:id="rId6"/>
+    <p:sldId id="286" r:id="rId7"/>
+    <p:sldId id="271" r:id="rId8"/>
+    <p:sldId id="273" r:id="rId9"/>
+    <p:sldId id="278" r:id="rId10"/>
+    <p:sldId id="279" r:id="rId11"/>
+    <p:sldId id="265" r:id="rId12"/>
+    <p:sldId id="267" r:id="rId13"/>
+    <p:sldId id="280" r:id="rId14"/>
     <p:sldId id="269" r:id="rId15"/>
     <p:sldId id="260" r:id="rId16"/>
   </p:sldIdLst>
@@ -132,10 +132,3576 @@
 <file path=ppt/revisionInfo.xml><?xml version="1.0" encoding="utf-8"?>
 <p1510:revInfo xmlns:a="http://schemas.openxmlformats.org/drawingml/2006/main" xmlns:r="http://schemas.openxmlformats.org/officeDocument/2006/relationships" xmlns:p1510="http://schemas.microsoft.com/office/powerpoint/2015/10/main">
   <p1510:revLst>
-    <p1510:client id="{22FEBEC7-FEEB-411B-999A-3AA2A09F3127}" v="1613" dt="2024-03-22T15:30:01.459"/>
-    <p1510:client id="{AE9E2325-B191-429B-BB1A-8E5FED0E925A}" v="40" dt="2024-03-22T15:35:07.729"/>
+    <p1510:client id="{61ECA9FE-25D2-4B10-8B62-951FBDA1EBA5}" v="128" dt="2024-03-25T17:08:27.529"/>
+    <p1510:client id="{8A41A102-664F-4274-B36E-13CBA8E2A2D9}" v="1117" dt="2024-03-23T18:35:35.219"/>
+    <p1510:client id="{D4581F29-1081-4912-87BE-45022EF8D7C6}" v="2" dt="2024-03-24T03:34:15.031"/>
   </p1510:revLst>
 </p1510:revInfo>
+</file>
+
+<file path=ppt/diagrams/colors1.xml><?xml version="1.0" encoding="utf-8"?>
+<dgm:colorsDef xmlns:dgm="http://schemas.openxmlformats.org/drawingml/2006/diagram" xmlns:a="http://schemas.openxmlformats.org/drawingml/2006/main" uniqueId="urn:microsoft.com/office/officeart/2005/8/colors/accent1_2">
+  <dgm:title val=""/>
+  <dgm:desc val=""/>
+  <dgm:catLst>
+    <dgm:cat type="accent1" pri="11200"/>
+  </dgm:catLst>
+  <dgm:styleLbl name="node0">
+    <dgm:fillClrLst meth="repeat">
+      <a:schemeClr val="accent1"/>
+    </dgm:fillClrLst>
+    <dgm:linClrLst meth="repeat">
+      <a:schemeClr val="lt1"/>
+    </dgm:linClrLst>
+    <dgm:effectClrLst/>
+    <dgm:txLinClrLst/>
+    <dgm:txFillClrLst/>
+    <dgm:txEffectClrLst/>
+  </dgm:styleLbl>
+  <dgm:styleLbl name="alignNode1">
+    <dgm:fillClrLst meth="repeat">
+      <a:schemeClr val="accent1"/>
+    </dgm:fillClrLst>
+    <dgm:linClrLst meth="repeat">
+      <a:schemeClr val="accent1"/>
+    </dgm:linClrLst>
+    <dgm:effectClrLst/>
+    <dgm:txLinClrLst/>
+    <dgm:txFillClrLst/>
+    <dgm:txEffectClrLst/>
+  </dgm:styleLbl>
+  <dgm:styleLbl name="node1">
+    <dgm:fillClrLst meth="repeat">
+      <a:schemeClr val="accent1"/>
+    </dgm:fillClrLst>
+    <dgm:linClrLst meth="repeat">
+      <a:schemeClr val="lt1"/>
+    </dgm:linClrLst>
+    <dgm:effectClrLst/>
+    <dgm:txLinClrLst/>
+    <dgm:txFillClrLst/>
+    <dgm:txEffectClrLst/>
+  </dgm:styleLbl>
+  <dgm:styleLbl name="lnNode1">
+    <dgm:fillClrLst meth="repeat">
+      <a:schemeClr val="accent1"/>
+    </dgm:fillClrLst>
+    <dgm:linClrLst meth="repeat">
+      <a:schemeClr val="lt1"/>
+    </dgm:linClrLst>
+    <dgm:effectClrLst/>
+    <dgm:txLinClrLst/>
+    <dgm:txFillClrLst/>
+    <dgm:txEffectClrLst/>
+  </dgm:styleLbl>
+  <dgm:styleLbl name="vennNode1">
+    <dgm:fillClrLst meth="repeat">
+      <a:schemeClr val="accent1">
+        <a:alpha val="50000"/>
+      </a:schemeClr>
+    </dgm:fillClrLst>
+    <dgm:linClrLst meth="repeat">
+      <a:schemeClr val="lt1"/>
+    </dgm:linClrLst>
+    <dgm:effectClrLst/>
+    <dgm:txLinClrLst/>
+    <dgm:txFillClrLst/>
+    <dgm:txEffectClrLst/>
+  </dgm:styleLbl>
+  <dgm:styleLbl name="node2">
+    <dgm:fillClrLst meth="repeat">
+      <a:schemeClr val="accent1"/>
+    </dgm:fillClrLst>
+    <dgm:linClrLst meth="repeat">
+      <a:schemeClr val="lt1"/>
+    </dgm:linClrLst>
+    <dgm:effectClrLst/>
+    <dgm:txLinClrLst/>
+    <dgm:txFillClrLst/>
+    <dgm:txEffectClrLst/>
+  </dgm:styleLbl>
+  <dgm:styleLbl name="node3">
+    <dgm:fillClrLst meth="repeat">
+      <a:schemeClr val="accent1"/>
+    </dgm:fillClrLst>
+    <dgm:linClrLst meth="repeat">
+      <a:schemeClr val="lt1"/>
+    </dgm:linClrLst>
+    <dgm:effectClrLst/>
+    <dgm:txLinClrLst/>
+    <dgm:txFillClrLst/>
+    <dgm:txEffectClrLst/>
+  </dgm:styleLbl>
+  <dgm:styleLbl name="node4">
+    <dgm:fillClrLst meth="repeat">
+      <a:schemeClr val="accent1"/>
+    </dgm:fillClrLst>
+    <dgm:linClrLst meth="repeat">
+      <a:schemeClr val="lt1"/>
+    </dgm:linClrLst>
+    <dgm:effectClrLst/>
+    <dgm:txLinClrLst/>
+    <dgm:txFillClrLst/>
+    <dgm:txEffectClrLst/>
+  </dgm:styleLbl>
+  <dgm:styleLbl name="fgImgPlace1">
+    <dgm:fillClrLst meth="repeat">
+      <a:schemeClr val="accent1">
+        <a:tint val="50000"/>
+      </a:schemeClr>
+    </dgm:fillClrLst>
+    <dgm:linClrLst meth="repeat">
+      <a:schemeClr val="lt1"/>
+    </dgm:linClrLst>
+    <dgm:effectClrLst/>
+    <dgm:txLinClrLst/>
+    <dgm:txFillClrLst meth="repeat">
+      <a:schemeClr val="lt1"/>
+    </dgm:txFillClrLst>
+    <dgm:txEffectClrLst/>
+  </dgm:styleLbl>
+  <dgm:styleLbl name="alignImgPlace1">
+    <dgm:fillClrLst meth="repeat">
+      <a:schemeClr val="accent1">
+        <a:tint val="50000"/>
+      </a:schemeClr>
+    </dgm:fillClrLst>
+    <dgm:linClrLst meth="repeat">
+      <a:schemeClr val="lt1"/>
+    </dgm:linClrLst>
+    <dgm:effectClrLst/>
+    <dgm:txLinClrLst/>
+    <dgm:txFillClrLst meth="repeat">
+      <a:schemeClr val="lt1"/>
+    </dgm:txFillClrLst>
+    <dgm:txEffectClrLst/>
+  </dgm:styleLbl>
+  <dgm:styleLbl name="bgImgPlace1">
+    <dgm:fillClrLst meth="repeat">
+      <a:schemeClr val="accent1">
+        <a:tint val="50000"/>
+      </a:schemeClr>
+    </dgm:fillClrLst>
+    <dgm:linClrLst meth="repeat">
+      <a:schemeClr val="lt1"/>
+    </dgm:linClrLst>
+    <dgm:effectClrLst/>
+    <dgm:txLinClrLst/>
+    <dgm:txFillClrLst meth="repeat">
+      <a:schemeClr val="lt1"/>
+    </dgm:txFillClrLst>
+    <dgm:txEffectClrLst/>
+  </dgm:styleLbl>
+  <dgm:styleLbl name="sibTrans2D1">
+    <dgm:fillClrLst meth="repeat">
+      <a:schemeClr val="accent1">
+        <a:tint val="60000"/>
+      </a:schemeClr>
+    </dgm:fillClrLst>
+    <dgm:linClrLst meth="repeat">
+      <a:schemeClr val="accent1">
+        <a:tint val="60000"/>
+      </a:schemeClr>
+    </dgm:linClrLst>
+    <dgm:effectClrLst/>
+    <dgm:txLinClrLst/>
+    <dgm:txFillClrLst/>
+    <dgm:txEffectClrLst/>
+  </dgm:styleLbl>
+  <dgm:styleLbl name="fgSibTrans2D1">
+    <dgm:fillClrLst meth="repeat">
+      <a:schemeClr val="accent1">
+        <a:tint val="60000"/>
+      </a:schemeClr>
+    </dgm:fillClrLst>
+    <dgm:linClrLst meth="repeat">
+      <a:schemeClr val="accent1">
+        <a:tint val="60000"/>
+      </a:schemeClr>
+    </dgm:linClrLst>
+    <dgm:effectClrLst/>
+    <dgm:txLinClrLst/>
+    <dgm:txFillClrLst/>
+    <dgm:txEffectClrLst/>
+  </dgm:styleLbl>
+  <dgm:styleLbl name="bgSibTrans2D1">
+    <dgm:fillClrLst meth="repeat">
+      <a:schemeClr val="accent1">
+        <a:tint val="60000"/>
+      </a:schemeClr>
+    </dgm:fillClrLst>
+    <dgm:linClrLst meth="repeat">
+      <a:schemeClr val="accent1">
+        <a:tint val="60000"/>
+      </a:schemeClr>
+    </dgm:linClrLst>
+    <dgm:effectClrLst/>
+    <dgm:txLinClrLst/>
+    <dgm:txFillClrLst/>
+    <dgm:txEffectClrLst/>
+  </dgm:styleLbl>
+  <dgm:styleLbl name="sibTrans1D1">
+    <dgm:fillClrLst meth="repeat">
+      <a:schemeClr val="accent1"/>
+    </dgm:fillClrLst>
+    <dgm:linClrLst meth="repeat">
+      <a:schemeClr val="accent1"/>
+    </dgm:linClrLst>
+    <dgm:effectClrLst/>
+    <dgm:txLinClrLst/>
+    <dgm:txFillClrLst meth="repeat">
+      <a:schemeClr val="tx1"/>
+    </dgm:txFillClrLst>
+    <dgm:txEffectClrLst/>
+  </dgm:styleLbl>
+  <dgm:styleLbl name="callout">
+    <dgm:fillClrLst meth="repeat">
+      <a:schemeClr val="accent1"/>
+    </dgm:fillClrLst>
+    <dgm:linClrLst meth="repeat">
+      <a:schemeClr val="accent1">
+        <a:tint val="50000"/>
+      </a:schemeClr>
+    </dgm:linClrLst>
+    <dgm:effectClrLst/>
+    <dgm:txLinClrLst/>
+    <dgm:txFillClrLst meth="repeat">
+      <a:schemeClr val="tx1"/>
+    </dgm:txFillClrLst>
+    <dgm:txEffectClrLst/>
+  </dgm:styleLbl>
+  <dgm:styleLbl name="asst0">
+    <dgm:fillClrLst meth="repeat">
+      <a:schemeClr val="accent1"/>
+    </dgm:fillClrLst>
+    <dgm:linClrLst meth="repeat">
+      <a:schemeClr val="lt1"/>
+    </dgm:linClrLst>
+    <dgm:effectClrLst/>
+    <dgm:txLinClrLst/>
+    <dgm:txFillClrLst/>
+    <dgm:txEffectClrLst/>
+  </dgm:styleLbl>
+  <dgm:styleLbl name="asst1">
+    <dgm:fillClrLst meth="repeat">
+      <a:schemeClr val="accent1"/>
+    </dgm:fillClrLst>
+    <dgm:linClrLst meth="repeat">
+      <a:schemeClr val="lt1"/>
+    </dgm:linClrLst>
+    <dgm:effectClrLst/>
+    <dgm:txLinClrLst/>
+    <dgm:txFillClrLst/>
+    <dgm:txEffectClrLst/>
+  </dgm:styleLbl>
+  <dgm:styleLbl name="asst2">
+    <dgm:fillClrLst meth="repeat">
+      <a:schemeClr val="accent1"/>
+    </dgm:fillClrLst>
+    <dgm:linClrLst meth="repeat">
+      <a:schemeClr val="lt1"/>
+    </dgm:linClrLst>
+    <dgm:effectClrLst/>
+    <dgm:txLinClrLst/>
+    <dgm:txFillClrLst/>
+    <dgm:txEffectClrLst/>
+  </dgm:styleLbl>
+  <dgm:styleLbl name="asst3">
+    <dgm:fillClrLst meth="repeat">
+      <a:schemeClr val="accent1"/>
+    </dgm:fillClrLst>
+    <dgm:linClrLst meth="repeat">
+      <a:schemeClr val="lt1"/>
+    </dgm:linClrLst>
+    <dgm:effectClrLst/>
+    <dgm:txLinClrLst/>
+    <dgm:txFillClrLst/>
+    <dgm:txEffectClrLst/>
+  </dgm:styleLbl>
+  <dgm:styleLbl name="asst4">
+    <dgm:fillClrLst meth="repeat">
+      <a:schemeClr val="accent1"/>
+    </dgm:fillClrLst>
+    <dgm:linClrLst meth="repeat">
+      <a:schemeClr val="lt1"/>
+    </dgm:linClrLst>
+    <dgm:effectClrLst/>
+    <dgm:txLinClrLst/>
+    <dgm:txFillClrLst/>
+    <dgm:txEffectClrLst/>
+  </dgm:styleLbl>
+  <dgm:styleLbl name="parChTrans2D1">
+    <dgm:fillClrLst meth="repeat">
+      <a:schemeClr val="accent1">
+        <a:tint val="60000"/>
+      </a:schemeClr>
+    </dgm:fillClrLst>
+    <dgm:linClrLst meth="repeat">
+      <a:schemeClr val="accent1">
+        <a:tint val="60000"/>
+      </a:schemeClr>
+    </dgm:linClrLst>
+    <dgm:effectClrLst/>
+    <dgm:txLinClrLst/>
+    <dgm:txFillClrLst meth="repeat">
+      <a:schemeClr val="lt1"/>
+    </dgm:txFillClrLst>
+    <dgm:txEffectClrLst/>
+  </dgm:styleLbl>
+  <dgm:styleLbl name="parChTrans2D2">
+    <dgm:fillClrLst meth="repeat">
+      <a:schemeClr val="accent1"/>
+    </dgm:fillClrLst>
+    <dgm:linClrLst meth="repeat">
+      <a:schemeClr val="accent1"/>
+    </dgm:linClrLst>
+    <dgm:effectClrLst/>
+    <dgm:txLinClrLst/>
+    <dgm:txFillClrLst meth="repeat">
+      <a:schemeClr val="lt1"/>
+    </dgm:txFillClrLst>
+    <dgm:txEffectClrLst/>
+  </dgm:styleLbl>
+  <dgm:styleLbl name="parChTrans2D3">
+    <dgm:fillClrLst meth="repeat">
+      <a:schemeClr val="accent1"/>
+    </dgm:fillClrLst>
+    <dgm:linClrLst meth="repeat">
+      <a:schemeClr val="accent1"/>
+    </dgm:linClrLst>
+    <dgm:effectClrLst/>
+    <dgm:txLinClrLst/>
+    <dgm:txFillClrLst meth="repeat">
+      <a:schemeClr val="lt1"/>
+    </dgm:txFillClrLst>
+    <dgm:txEffectClrLst/>
+  </dgm:styleLbl>
+  <dgm:styleLbl name="parChTrans2D4">
+    <dgm:fillClrLst meth="repeat">
+      <a:schemeClr val="accent1"/>
+    </dgm:fillClrLst>
+    <dgm:linClrLst meth="repeat">
+      <a:schemeClr val="accent1"/>
+    </dgm:linClrLst>
+    <dgm:effectClrLst/>
+    <dgm:txLinClrLst/>
+    <dgm:txFillClrLst meth="repeat">
+      <a:schemeClr val="lt1"/>
+    </dgm:txFillClrLst>
+    <dgm:txEffectClrLst/>
+  </dgm:styleLbl>
+  <dgm:styleLbl name="parChTrans1D1">
+    <dgm:fillClrLst meth="repeat">
+      <a:schemeClr val="accent1"/>
+    </dgm:fillClrLst>
+    <dgm:linClrLst meth="repeat">
+      <a:schemeClr val="accent1">
+        <a:shade val="60000"/>
+      </a:schemeClr>
+    </dgm:linClrLst>
+    <dgm:effectClrLst/>
+    <dgm:txLinClrLst/>
+    <dgm:txFillClrLst meth="repeat">
+      <a:schemeClr val="tx1"/>
+    </dgm:txFillClrLst>
+    <dgm:txEffectClrLst/>
+  </dgm:styleLbl>
+  <dgm:styleLbl name="parChTrans1D2">
+    <dgm:fillClrLst meth="repeat">
+      <a:schemeClr val="accent1"/>
+    </dgm:fillClrLst>
+    <dgm:linClrLst meth="repeat">
+      <a:schemeClr val="accent1">
+        <a:shade val="60000"/>
+      </a:schemeClr>
+    </dgm:linClrLst>
+    <dgm:effectClrLst/>
+    <dgm:txLinClrLst/>
+    <dgm:txFillClrLst meth="repeat">
+      <a:schemeClr val="tx1"/>
+    </dgm:txFillClrLst>
+    <dgm:txEffectClrLst/>
+  </dgm:styleLbl>
+  <dgm:styleLbl name="parChTrans1D3">
+    <dgm:fillClrLst meth="repeat">
+      <a:schemeClr val="accent1"/>
+    </dgm:fillClrLst>
+    <dgm:linClrLst meth="repeat">
+      <a:schemeClr val="accent1">
+        <a:shade val="80000"/>
+      </a:schemeClr>
+    </dgm:linClrLst>
+    <dgm:effectClrLst/>
+    <dgm:txLinClrLst/>
+    <dgm:txFillClrLst meth="repeat">
+      <a:schemeClr val="tx1"/>
+    </dgm:txFillClrLst>
+    <dgm:txEffectClrLst/>
+  </dgm:styleLbl>
+  <dgm:styleLbl name="parChTrans1D4">
+    <dgm:fillClrLst meth="repeat">
+      <a:schemeClr val="accent1"/>
+    </dgm:fillClrLst>
+    <dgm:linClrLst meth="repeat">
+      <a:schemeClr val="accent1">
+        <a:shade val="80000"/>
+      </a:schemeClr>
+    </dgm:linClrLst>
+    <dgm:effectClrLst/>
+    <dgm:txLinClrLst/>
+    <dgm:txFillClrLst meth="repeat">
+      <a:schemeClr val="tx1"/>
+    </dgm:txFillClrLst>
+    <dgm:txEffectClrLst/>
+  </dgm:styleLbl>
+  <dgm:styleLbl name="fgAcc1">
+    <dgm:fillClrLst meth="repeat">
+      <a:schemeClr val="lt1">
+        <a:alpha val="90000"/>
+      </a:schemeClr>
+    </dgm:fillClrLst>
+    <dgm:linClrLst meth="repeat">
+      <a:schemeClr val="accent1"/>
+    </dgm:linClrLst>
+    <dgm:effectClrLst/>
+    <dgm:txLinClrLst/>
+    <dgm:txFillClrLst meth="repeat">
+      <a:schemeClr val="dk1"/>
+    </dgm:txFillClrLst>
+    <dgm:txEffectClrLst/>
+  </dgm:styleLbl>
+  <dgm:styleLbl name="conFgAcc1">
+    <dgm:fillClrLst meth="repeat">
+      <a:schemeClr val="lt1">
+        <a:alpha val="90000"/>
+      </a:schemeClr>
+    </dgm:fillClrLst>
+    <dgm:linClrLst meth="repeat">
+      <a:schemeClr val="accent1"/>
+    </dgm:linClrLst>
+    <dgm:effectClrLst/>
+    <dgm:txLinClrLst/>
+    <dgm:txFillClrLst meth="repeat">
+      <a:schemeClr val="dk1"/>
+    </dgm:txFillClrLst>
+    <dgm:txEffectClrLst/>
+  </dgm:styleLbl>
+  <dgm:styleLbl name="alignAcc1">
+    <dgm:fillClrLst meth="repeat">
+      <a:schemeClr val="lt1">
+        <a:alpha val="90000"/>
+      </a:schemeClr>
+    </dgm:fillClrLst>
+    <dgm:linClrLst meth="repeat">
+      <a:schemeClr val="accent1"/>
+    </dgm:linClrLst>
+    <dgm:effectClrLst/>
+    <dgm:txLinClrLst/>
+    <dgm:txFillClrLst meth="repeat">
+      <a:schemeClr val="dk1"/>
+    </dgm:txFillClrLst>
+    <dgm:txEffectClrLst/>
+  </dgm:styleLbl>
+  <dgm:styleLbl name="trAlignAcc1">
+    <dgm:fillClrLst meth="repeat">
+      <a:schemeClr val="lt1">
+        <a:alpha val="40000"/>
+      </a:schemeClr>
+    </dgm:fillClrLst>
+    <dgm:linClrLst meth="repeat">
+      <a:schemeClr val="accent1"/>
+    </dgm:linClrLst>
+    <dgm:effectClrLst/>
+    <dgm:txLinClrLst/>
+    <dgm:txFillClrLst meth="repeat">
+      <a:schemeClr val="dk1"/>
+    </dgm:txFillClrLst>
+    <dgm:txEffectClrLst/>
+  </dgm:styleLbl>
+  <dgm:styleLbl name="bgAcc1">
+    <dgm:fillClrLst meth="repeat">
+      <a:schemeClr val="lt1">
+        <a:alpha val="90000"/>
+      </a:schemeClr>
+    </dgm:fillClrLst>
+    <dgm:linClrLst meth="repeat">
+      <a:schemeClr val="accent1"/>
+    </dgm:linClrLst>
+    <dgm:effectClrLst/>
+    <dgm:txLinClrLst/>
+    <dgm:txFillClrLst meth="repeat">
+      <a:schemeClr val="dk1"/>
+    </dgm:txFillClrLst>
+    <dgm:txEffectClrLst/>
+  </dgm:styleLbl>
+  <dgm:styleLbl name="solidFgAcc1">
+    <dgm:fillClrLst meth="repeat">
+      <a:schemeClr val="lt1"/>
+    </dgm:fillClrLst>
+    <dgm:linClrLst meth="repeat">
+      <a:schemeClr val="accent1"/>
+    </dgm:linClrLst>
+    <dgm:effectClrLst/>
+    <dgm:txLinClrLst/>
+    <dgm:txFillClrLst meth="repeat">
+      <a:schemeClr val="dk1"/>
+    </dgm:txFillClrLst>
+    <dgm:txEffectClrLst/>
+  </dgm:styleLbl>
+  <dgm:styleLbl name="solidAlignAcc1">
+    <dgm:fillClrLst meth="repeat">
+      <a:schemeClr val="lt1"/>
+    </dgm:fillClrLst>
+    <dgm:linClrLst meth="repeat">
+      <a:schemeClr val="accent1"/>
+    </dgm:linClrLst>
+    <dgm:effectClrLst/>
+    <dgm:txLinClrLst/>
+    <dgm:txFillClrLst meth="repeat">
+      <a:schemeClr val="dk1"/>
+    </dgm:txFillClrLst>
+    <dgm:txEffectClrLst/>
+  </dgm:styleLbl>
+  <dgm:styleLbl name="solidBgAcc1">
+    <dgm:fillClrLst meth="repeat">
+      <a:schemeClr val="lt1"/>
+    </dgm:fillClrLst>
+    <dgm:linClrLst meth="repeat">
+      <a:schemeClr val="accent1"/>
+    </dgm:linClrLst>
+    <dgm:effectClrLst/>
+    <dgm:txLinClrLst/>
+    <dgm:txFillClrLst meth="repeat">
+      <a:schemeClr val="dk1"/>
+    </dgm:txFillClrLst>
+    <dgm:txEffectClrLst/>
+  </dgm:styleLbl>
+  <dgm:styleLbl name="fgAccFollowNode1">
+    <dgm:fillClrLst meth="repeat">
+      <a:schemeClr val="accent1">
+        <a:alpha val="90000"/>
+        <a:tint val="40000"/>
+      </a:schemeClr>
+    </dgm:fillClrLst>
+    <dgm:linClrLst meth="repeat">
+      <a:schemeClr val="accent1">
+        <a:alpha val="90000"/>
+        <a:tint val="40000"/>
+      </a:schemeClr>
+    </dgm:linClrLst>
+    <dgm:effectClrLst/>
+    <dgm:txLinClrLst/>
+    <dgm:txFillClrLst meth="repeat">
+      <a:schemeClr val="dk1"/>
+    </dgm:txFillClrLst>
+    <dgm:txEffectClrLst/>
+  </dgm:styleLbl>
+  <dgm:styleLbl name="alignAccFollowNode1">
+    <dgm:fillClrLst meth="repeat">
+      <a:schemeClr val="accent1">
+        <a:alpha val="90000"/>
+        <a:tint val="40000"/>
+      </a:schemeClr>
+    </dgm:fillClrLst>
+    <dgm:linClrLst meth="repeat">
+      <a:schemeClr val="accent1">
+        <a:alpha val="90000"/>
+        <a:tint val="40000"/>
+      </a:schemeClr>
+    </dgm:linClrLst>
+    <dgm:effectClrLst/>
+    <dgm:txLinClrLst/>
+    <dgm:txFillClrLst meth="repeat">
+      <a:schemeClr val="dk1"/>
+    </dgm:txFillClrLst>
+    <dgm:txEffectClrLst/>
+  </dgm:styleLbl>
+  <dgm:styleLbl name="bgAccFollowNode1">
+    <dgm:fillClrLst meth="repeat">
+      <a:schemeClr val="accent1">
+        <a:alpha val="90000"/>
+        <a:tint val="40000"/>
+      </a:schemeClr>
+    </dgm:fillClrLst>
+    <dgm:linClrLst meth="repeat">
+      <a:schemeClr val="accent1">
+        <a:alpha val="90000"/>
+        <a:tint val="40000"/>
+      </a:schemeClr>
+    </dgm:linClrLst>
+    <dgm:effectClrLst/>
+    <dgm:txLinClrLst/>
+    <dgm:txFillClrLst meth="repeat">
+      <a:schemeClr val="dk1"/>
+    </dgm:txFillClrLst>
+    <dgm:txEffectClrLst/>
+  </dgm:styleLbl>
+  <dgm:styleLbl name="fgAcc0">
+    <dgm:fillClrLst meth="repeat">
+      <a:schemeClr val="lt1">
+        <a:alpha val="90000"/>
+      </a:schemeClr>
+    </dgm:fillClrLst>
+    <dgm:linClrLst meth="repeat">
+      <a:schemeClr val="accent1"/>
+    </dgm:linClrLst>
+    <dgm:effectClrLst/>
+    <dgm:txLinClrLst/>
+    <dgm:txFillClrLst meth="repeat">
+      <a:schemeClr val="dk1"/>
+    </dgm:txFillClrLst>
+    <dgm:txEffectClrLst/>
+  </dgm:styleLbl>
+  <dgm:styleLbl name="fgAcc2">
+    <dgm:fillClrLst meth="repeat">
+      <a:schemeClr val="lt1">
+        <a:alpha val="90000"/>
+      </a:schemeClr>
+    </dgm:fillClrLst>
+    <dgm:linClrLst meth="repeat">
+      <a:schemeClr val="accent1"/>
+    </dgm:linClrLst>
+    <dgm:effectClrLst/>
+    <dgm:txLinClrLst/>
+    <dgm:txFillClrLst meth="repeat">
+      <a:schemeClr val="dk1"/>
+    </dgm:txFillClrLst>
+    <dgm:txEffectClrLst/>
+  </dgm:styleLbl>
+  <dgm:styleLbl name="fgAcc3">
+    <dgm:fillClrLst meth="repeat">
+      <a:schemeClr val="lt1">
+        <a:alpha val="90000"/>
+      </a:schemeClr>
+    </dgm:fillClrLst>
+    <dgm:linClrLst meth="repeat">
+      <a:schemeClr val="accent1"/>
+    </dgm:linClrLst>
+    <dgm:effectClrLst/>
+    <dgm:txLinClrLst/>
+    <dgm:txFillClrLst meth="repeat">
+      <a:schemeClr val="dk1"/>
+    </dgm:txFillClrLst>
+    <dgm:txEffectClrLst/>
+  </dgm:styleLbl>
+  <dgm:styleLbl name="fgAcc4">
+    <dgm:fillClrLst meth="repeat">
+      <a:schemeClr val="lt1">
+        <a:alpha val="90000"/>
+      </a:schemeClr>
+    </dgm:fillClrLst>
+    <dgm:linClrLst meth="repeat">
+      <a:schemeClr val="accent1"/>
+    </dgm:linClrLst>
+    <dgm:effectClrLst/>
+    <dgm:txLinClrLst/>
+    <dgm:txFillClrLst meth="repeat">
+      <a:schemeClr val="dk1"/>
+    </dgm:txFillClrLst>
+    <dgm:txEffectClrLst/>
+  </dgm:styleLbl>
+  <dgm:styleLbl name="bgShp">
+    <dgm:fillClrLst meth="repeat">
+      <a:schemeClr val="accent1">
+        <a:tint val="40000"/>
+      </a:schemeClr>
+    </dgm:fillClrLst>
+    <dgm:linClrLst meth="repeat">
+      <a:schemeClr val="accent1"/>
+    </dgm:linClrLst>
+    <dgm:effectClrLst/>
+    <dgm:txLinClrLst/>
+    <dgm:txFillClrLst meth="repeat">
+      <a:schemeClr val="dk1"/>
+    </dgm:txFillClrLst>
+    <dgm:txEffectClrLst/>
+  </dgm:styleLbl>
+  <dgm:styleLbl name="dkBgShp">
+    <dgm:fillClrLst meth="repeat">
+      <a:schemeClr val="accent1">
+        <a:shade val="80000"/>
+      </a:schemeClr>
+    </dgm:fillClrLst>
+    <dgm:linClrLst meth="repeat">
+      <a:schemeClr val="accent1"/>
+    </dgm:linClrLst>
+    <dgm:effectClrLst/>
+    <dgm:txLinClrLst/>
+    <dgm:txFillClrLst meth="repeat">
+      <a:schemeClr val="lt1"/>
+    </dgm:txFillClrLst>
+    <dgm:txEffectClrLst/>
+  </dgm:styleLbl>
+  <dgm:styleLbl name="trBgShp">
+    <dgm:fillClrLst meth="repeat">
+      <a:schemeClr val="accent1">
+        <a:tint val="50000"/>
+        <a:alpha val="40000"/>
+      </a:schemeClr>
+    </dgm:fillClrLst>
+    <dgm:linClrLst meth="repeat">
+      <a:schemeClr val="accent1"/>
+    </dgm:linClrLst>
+    <dgm:effectClrLst/>
+    <dgm:txLinClrLst/>
+    <dgm:txFillClrLst meth="repeat">
+      <a:schemeClr val="lt1"/>
+    </dgm:txFillClrLst>
+    <dgm:txEffectClrLst/>
+  </dgm:styleLbl>
+  <dgm:styleLbl name="fgShp">
+    <dgm:fillClrLst meth="repeat">
+      <a:schemeClr val="accent1">
+        <a:tint val="60000"/>
+      </a:schemeClr>
+    </dgm:fillClrLst>
+    <dgm:linClrLst meth="repeat">
+      <a:schemeClr val="lt1"/>
+    </dgm:linClrLst>
+    <dgm:effectClrLst/>
+    <dgm:txLinClrLst/>
+    <dgm:txFillClrLst meth="repeat">
+      <a:schemeClr val="dk1"/>
+    </dgm:txFillClrLst>
+    <dgm:txEffectClrLst/>
+  </dgm:styleLbl>
+  <dgm:styleLbl name="revTx">
+    <dgm:fillClrLst meth="repeat">
+      <a:schemeClr val="lt1">
+        <a:alpha val="0"/>
+      </a:schemeClr>
+    </dgm:fillClrLst>
+    <dgm:linClrLst meth="repeat">
+      <a:schemeClr val="dk1">
+        <a:alpha val="0"/>
+      </a:schemeClr>
+    </dgm:linClrLst>
+    <dgm:effectClrLst/>
+    <dgm:txLinClrLst/>
+    <dgm:txFillClrLst meth="repeat">
+      <a:schemeClr val="tx1"/>
+    </dgm:txFillClrLst>
+    <dgm:txEffectClrLst/>
+  </dgm:styleLbl>
+</dgm:colorsDef>
+</file>
+
+<file path=ppt/diagrams/data1.xml><?xml version="1.0" encoding="utf-8"?>
+<dgm:dataModel xmlns:dgm="http://schemas.openxmlformats.org/drawingml/2006/diagram" xmlns:a="http://schemas.openxmlformats.org/drawingml/2006/main">
+  <dgm:ptLst>
+    <dgm:pt modelId="{5C765BB5-88AA-465B-8709-20A7EE57306D}" type="doc">
+      <dgm:prSet loTypeId="urn:microsoft.com/office/officeart/2005/8/layout/list1" loCatId="list" qsTypeId="urn:microsoft.com/office/officeart/2005/8/quickstyle/simple1" qsCatId="simple" csTypeId="urn:microsoft.com/office/officeart/2005/8/colors/accent1_2" csCatId="accent1" phldr="1"/>
+      <dgm:spPr/>
+      <dgm:t>
+        <a:bodyPr/>
+        <a:lstStyle/>
+        <a:p>
+          <a:endParaRPr lang="en-US"/>
+        </a:p>
+      </dgm:t>
+    </dgm:pt>
+    <dgm:pt modelId="{CDE1DC21-B431-4C40-9F87-3FA1855C5D84}">
+      <dgm:prSet phldrT="[Text]" phldr="0"/>
+      <dgm:spPr/>
+      <dgm:t>
+        <a:bodyPr/>
+        <a:lstStyle/>
+        <a:p>
+          <a:r>
+            <a:rPr lang="en-US">
+              <a:latin typeface="Aptos Display" panose="02110004020202020204"/>
+            </a:rPr>
+            <a:t>EDA</a:t>
+          </a:r>
+          <a:endParaRPr lang="en-US"/>
+        </a:p>
+      </dgm:t>
+    </dgm:pt>
+    <dgm:pt modelId="{48678B1D-3CBE-4278-91A5-CEC3826587A7}" type="parTrans" cxnId="{C11E295F-7273-4EB1-AC04-D0BC7FDB9127}">
+      <dgm:prSet/>
+      <dgm:spPr/>
+      <dgm:t>
+        <a:bodyPr/>
+        <a:lstStyle/>
+        <a:p>
+          <a:endParaRPr lang="en-US"/>
+        </a:p>
+      </dgm:t>
+    </dgm:pt>
+    <dgm:pt modelId="{612B9D52-C114-4CD9-95FB-20169A19C0BE}" type="sibTrans" cxnId="{C11E295F-7273-4EB1-AC04-D0BC7FDB9127}">
+      <dgm:prSet/>
+      <dgm:spPr/>
+      <dgm:t>
+        <a:bodyPr/>
+        <a:lstStyle/>
+        <a:p>
+          <a:endParaRPr lang="en-US"/>
+        </a:p>
+      </dgm:t>
+    </dgm:pt>
+    <dgm:pt modelId="{D34DBB32-E2D1-4D85-BC9A-32DAA996964F}">
+      <dgm:prSet phldrT="[Text]" phldr="0"/>
+      <dgm:spPr/>
+      <dgm:t>
+        <a:bodyPr/>
+        <a:lstStyle/>
+        <a:p>
+          <a:pPr rtl="0"/>
+          <a:r>
+            <a:rPr lang="en-US">
+              <a:latin typeface="Aptos Display" panose="02110004020202020204"/>
+            </a:rPr>
+            <a:t> </a:t>
+          </a:r>
+          <a:r>
+            <a:rPr lang="en-US"/>
+            <a:t>Identify </a:t>
+          </a:r>
+          <a:r>
+            <a:rPr lang="en-US">
+              <a:latin typeface="Aptos Display" panose="02110004020202020204"/>
+            </a:rPr>
+            <a:t>pattern, outliers</a:t>
+          </a:r>
+          <a:r>
+            <a:rPr lang="en-US"/>
+            <a:t>, skewness &amp; imbalance.</a:t>
+          </a:r>
+          <a:r>
+            <a:rPr lang="en-US">
+              <a:latin typeface="Aptos Display" panose="02110004020202020204"/>
+            </a:rPr>
+            <a:t> </a:t>
+          </a:r>
+          <a:endParaRPr lang="en-US"/>
+        </a:p>
+      </dgm:t>
+    </dgm:pt>
+    <dgm:pt modelId="{4C023241-6C26-4FCC-B9BB-AC49E0F6B1A1}" type="parTrans" cxnId="{7419C12D-C07D-451D-9B5D-5E24D4B1E545}">
+      <dgm:prSet/>
+      <dgm:spPr/>
+      <dgm:t>
+        <a:bodyPr/>
+        <a:lstStyle/>
+        <a:p>
+          <a:endParaRPr lang="en-US"/>
+        </a:p>
+      </dgm:t>
+    </dgm:pt>
+    <dgm:pt modelId="{F40CF00B-32EE-42C8-9855-6C6121991C22}" type="sibTrans" cxnId="{7419C12D-C07D-451D-9B5D-5E24D4B1E545}">
+      <dgm:prSet/>
+      <dgm:spPr/>
+      <dgm:t>
+        <a:bodyPr/>
+        <a:lstStyle/>
+        <a:p>
+          <a:endParaRPr lang="en-US"/>
+        </a:p>
+      </dgm:t>
+    </dgm:pt>
+    <dgm:pt modelId="{9BE9AEA3-B616-4327-95E1-0F92D30036EF}">
+      <dgm:prSet phldrT="[Text]" phldr="0"/>
+      <dgm:spPr/>
+      <dgm:t>
+        <a:bodyPr/>
+        <a:lstStyle/>
+        <a:p>
+          <a:pPr rtl="0"/>
+          <a:r>
+            <a:rPr lang="en-US">
+              <a:latin typeface="Aptos Display" panose="02110004020202020204"/>
+            </a:rPr>
+            <a:t>Pre-Processing</a:t>
+          </a:r>
+          <a:endParaRPr lang="en-US"/>
+        </a:p>
+      </dgm:t>
+    </dgm:pt>
+    <dgm:pt modelId="{2DBFC068-1F52-4434-82DD-AA9194646F71}" type="parTrans" cxnId="{D7538E52-6491-4E3B-9DA9-8F20CD08F0AA}">
+      <dgm:prSet/>
+      <dgm:spPr/>
+      <dgm:t>
+        <a:bodyPr/>
+        <a:lstStyle/>
+        <a:p>
+          <a:endParaRPr lang="en-US"/>
+        </a:p>
+      </dgm:t>
+    </dgm:pt>
+    <dgm:pt modelId="{B0DA2B08-35B2-46AD-B0F0-B79EE0C44D48}" type="sibTrans" cxnId="{D7538E52-6491-4E3B-9DA9-8F20CD08F0AA}">
+      <dgm:prSet/>
+      <dgm:spPr/>
+      <dgm:t>
+        <a:bodyPr/>
+        <a:lstStyle/>
+        <a:p>
+          <a:endParaRPr lang="en-US"/>
+        </a:p>
+      </dgm:t>
+    </dgm:pt>
+    <dgm:pt modelId="{CD358A8A-3F44-40CB-B17C-31B7A43B46F3}">
+      <dgm:prSet phldrT="[Text]" phldr="0"/>
+      <dgm:spPr/>
+      <dgm:t>
+        <a:bodyPr/>
+        <a:lstStyle/>
+        <a:p>
+          <a:pPr rtl="0"/>
+          <a:r>
+            <a:rPr lang="en-US">
+              <a:latin typeface="Aptos Display" panose="02110004020202020204"/>
+            </a:rPr>
+            <a:t> </a:t>
+          </a:r>
+          <a:r>
+            <a:rPr lang="en-US"/>
+            <a:t>Address EDA issue</a:t>
+          </a:r>
+        </a:p>
+      </dgm:t>
+    </dgm:pt>
+    <dgm:pt modelId="{88F57E5A-4615-4803-818D-6AC87EE6529D}" type="parTrans" cxnId="{C64C8230-828C-47B1-907D-4D5DE204DEAE}">
+      <dgm:prSet/>
+      <dgm:spPr/>
+      <dgm:t>
+        <a:bodyPr/>
+        <a:lstStyle/>
+        <a:p>
+          <a:endParaRPr lang="en-US"/>
+        </a:p>
+      </dgm:t>
+    </dgm:pt>
+    <dgm:pt modelId="{1BBF4BFF-BA81-4C40-A420-0125CBD32320}" type="sibTrans" cxnId="{C64C8230-828C-47B1-907D-4D5DE204DEAE}">
+      <dgm:prSet/>
+      <dgm:spPr/>
+      <dgm:t>
+        <a:bodyPr/>
+        <a:lstStyle/>
+        <a:p>
+          <a:endParaRPr lang="en-US"/>
+        </a:p>
+      </dgm:t>
+    </dgm:pt>
+    <dgm:pt modelId="{74045D42-4E2E-435F-ACD4-2DC710FAF0F5}">
+      <dgm:prSet phldrT="[Text]" phldr="0"/>
+      <dgm:spPr/>
+      <dgm:t>
+        <a:bodyPr/>
+        <a:lstStyle/>
+        <a:p>
+          <a:r>
+            <a:rPr lang="en-US"/>
+            <a:t>Modeling</a:t>
+          </a:r>
+        </a:p>
+      </dgm:t>
+    </dgm:pt>
+    <dgm:pt modelId="{A68D5329-68C0-42A2-8701-866C12EE1B87}" type="parTrans" cxnId="{7750232F-F94E-40EE-BAC8-A576D52AC181}">
+      <dgm:prSet/>
+      <dgm:spPr/>
+      <dgm:t>
+        <a:bodyPr/>
+        <a:lstStyle/>
+        <a:p>
+          <a:endParaRPr lang="en-US"/>
+        </a:p>
+      </dgm:t>
+    </dgm:pt>
+    <dgm:pt modelId="{220F359F-4C68-4966-8A6A-F102E4C568B3}" type="sibTrans" cxnId="{7750232F-F94E-40EE-BAC8-A576D52AC181}">
+      <dgm:prSet/>
+      <dgm:spPr/>
+      <dgm:t>
+        <a:bodyPr/>
+        <a:lstStyle/>
+        <a:p>
+          <a:endParaRPr lang="en-US"/>
+        </a:p>
+      </dgm:t>
+    </dgm:pt>
+    <dgm:pt modelId="{6FAB85B3-0C19-449B-8B54-67B8B1D18126}">
+      <dgm:prSet phldr="0"/>
+      <dgm:spPr/>
+      <dgm:t>
+        <a:bodyPr/>
+        <a:lstStyle/>
+        <a:p>
+          <a:pPr rtl="0"/>
+          <a:r>
+            <a:rPr lang="en-US">
+              <a:solidFill>
+                <a:srgbClr val="000000"/>
+              </a:solidFill>
+              <a:latin typeface="Aptos Display" panose="02110004020202020204"/>
+            </a:rPr>
+            <a:t> </a:t>
+          </a:r>
+          <a:r>
+            <a:rPr lang="en-US">
+              <a:solidFill>
+                <a:srgbClr val="000000"/>
+              </a:solidFill>
+            </a:rPr>
+            <a:t>From Kaggle</a:t>
+          </a:r>
+          <a:r>
+            <a:rPr lang="en-US">
+              <a:solidFill>
+                <a:srgbClr val="000000"/>
+              </a:solidFill>
+              <a:latin typeface="Aptos Display" panose="02110004020202020204"/>
+            </a:rPr>
+            <a:t> </a:t>
+          </a:r>
+        </a:p>
+      </dgm:t>
+    </dgm:pt>
+    <dgm:pt modelId="{894EDB19-1BDC-4FE8-9296-EA8ED8B81F15}" type="parTrans" cxnId="{6954618A-6D88-42F0-A9C9-627518F65699}">
+      <dgm:prSet/>
+      <dgm:spPr/>
+    </dgm:pt>
+    <dgm:pt modelId="{A76B5AA1-F1FC-459B-8703-3D08BF94FFBA}" type="sibTrans" cxnId="{6954618A-6D88-42F0-A9C9-627518F65699}">
+      <dgm:prSet/>
+      <dgm:spPr/>
+    </dgm:pt>
+    <dgm:pt modelId="{4394E291-875F-4111-ADD9-29B276028E52}">
+      <dgm:prSet phldr="0"/>
+      <dgm:spPr/>
+      <dgm:t>
+        <a:bodyPr/>
+        <a:lstStyle/>
+        <a:p>
+          <a:pPr rtl="0"/>
+          <a:r>
+            <a:rPr lang="en-US">
+              <a:solidFill>
+                <a:srgbClr val="000000"/>
+              </a:solidFill>
+              <a:latin typeface="Aptos Display" panose="02110004020202020204"/>
+            </a:rPr>
+            <a:t> Focus</a:t>
+          </a:r>
+          <a:r>
+            <a:rPr lang="en-US">
+              <a:solidFill>
+                <a:srgbClr val="000000"/>
+              </a:solidFill>
+            </a:rPr>
+            <a:t> browsing behavior features</a:t>
+          </a:r>
+          <a:endParaRPr lang="en-US"/>
+        </a:p>
+      </dgm:t>
+    </dgm:pt>
+    <dgm:pt modelId="{D3182CA3-DD14-4FEC-81E3-493C4BCBFBA0}" type="parTrans" cxnId="{743CAEBE-D468-4C91-8C2C-28F12D5BEF5D}">
+      <dgm:prSet/>
+      <dgm:spPr/>
+    </dgm:pt>
+    <dgm:pt modelId="{B3314703-1163-4074-947B-F46CB6E08207}" type="sibTrans" cxnId="{743CAEBE-D468-4C91-8C2C-28F12D5BEF5D}">
+      <dgm:prSet/>
+      <dgm:spPr/>
+    </dgm:pt>
+    <dgm:pt modelId="{E880265A-6380-4D29-B62A-8539E896EF46}">
+      <dgm:prSet phldr="0"/>
+      <dgm:spPr/>
+      <dgm:t>
+        <a:bodyPr/>
+        <a:lstStyle/>
+        <a:p>
+          <a:pPr algn="l" rtl="0"/>
+          <a:r>
+            <a:rPr lang="en-US"/>
+            <a:t>Fit, predict, evaluate with several ML model</a:t>
+          </a:r>
+          <a:endParaRPr lang="en-US">
+            <a:latin typeface="Aptos Display" panose="02110004020202020204"/>
+          </a:endParaRPr>
+        </a:p>
+      </dgm:t>
+    </dgm:pt>
+    <dgm:pt modelId="{520C3EEC-1504-454D-8994-336D79E894B4}" type="parTrans" cxnId="{3204FBD7-5937-409B-9AC6-DFA85080E4CC}">
+      <dgm:prSet/>
+      <dgm:spPr/>
+    </dgm:pt>
+    <dgm:pt modelId="{0608BB78-94F3-4A6F-9537-31EA4C4D8BBB}" type="sibTrans" cxnId="{3204FBD7-5937-409B-9AC6-DFA85080E4CC}">
+      <dgm:prSet/>
+      <dgm:spPr/>
+    </dgm:pt>
+    <dgm:pt modelId="{D515F02C-1818-4D79-9E71-0D0531F60F47}">
+      <dgm:prSet phldr="0"/>
+      <dgm:spPr/>
+      <dgm:t>
+        <a:bodyPr/>
+        <a:lstStyle/>
+        <a:p>
+          <a:pPr algn="l" rtl="0"/>
+          <a:r>
+            <a:rPr lang="en-US"/>
+            <a:t>Optimize the best model</a:t>
+          </a:r>
+          <a:endParaRPr lang="en-US">
+            <a:latin typeface="Aptos Display" panose="02110004020202020204"/>
+          </a:endParaRPr>
+        </a:p>
+      </dgm:t>
+    </dgm:pt>
+    <dgm:pt modelId="{BF076BAB-576D-412B-9CB1-34BF2042E660}" type="parTrans" cxnId="{FB823A7A-33A3-42A7-86D3-279F88C561FB}">
+      <dgm:prSet/>
+      <dgm:spPr/>
+    </dgm:pt>
+    <dgm:pt modelId="{A95195D7-013D-4622-9885-17534DCBACCB}" type="sibTrans" cxnId="{FB823A7A-33A3-42A7-86D3-279F88C561FB}">
+      <dgm:prSet/>
+      <dgm:spPr/>
+    </dgm:pt>
+    <dgm:pt modelId="{AEEFA0F4-3150-4380-9F87-BD04D31EE36B}">
+      <dgm:prSet phldrT="[Text]" phldr="0"/>
+      <dgm:spPr/>
+      <dgm:t>
+        <a:bodyPr/>
+        <a:lstStyle/>
+        <a:p>
+          <a:pPr algn="l">
+            <a:lnSpc>
+              <a:spcPct val="100000"/>
+            </a:lnSpc>
+          </a:pPr>
+          <a:r>
+            <a:rPr lang="en-US">
+              <a:latin typeface="Aptos Display" panose="02110004020202020204"/>
+            </a:rPr>
+            <a:t>Dataset</a:t>
+          </a:r>
+          <a:endParaRPr lang="en-US"/>
+        </a:p>
+      </dgm:t>
+    </dgm:pt>
+    <dgm:pt modelId="{664E8EE5-A556-4241-B6E9-A451EBD22623}" type="parTrans" cxnId="{C5849B88-EF00-48CC-9979-A76519AFF3C2}">
+      <dgm:prSet/>
+      <dgm:spPr/>
+      <dgm:t>
+        <a:bodyPr/>
+        <a:lstStyle/>
+        <a:p>
+          <a:endParaRPr lang="en-US"/>
+        </a:p>
+      </dgm:t>
+    </dgm:pt>
+    <dgm:pt modelId="{59FE281E-ABA6-4813-8D36-D867ACBFFDBF}" type="sibTrans" cxnId="{C5849B88-EF00-48CC-9979-A76519AFF3C2}">
+      <dgm:prSet/>
+      <dgm:spPr/>
+      <dgm:t>
+        <a:bodyPr/>
+        <a:lstStyle/>
+        <a:p>
+          <a:endParaRPr lang="en-US"/>
+        </a:p>
+      </dgm:t>
+    </dgm:pt>
+    <dgm:pt modelId="{2F098E13-3DA4-4B5D-AEE3-41E1DFCA3A9B}">
+      <dgm:prSet phldr="0"/>
+      <dgm:spPr/>
+      <dgm:t>
+        <a:bodyPr/>
+        <a:lstStyle/>
+        <a:p>
+          <a:pPr algn="l"/>
+          <a:r>
+            <a:rPr lang="en-US"/>
+            <a:t>Tuning</a:t>
+          </a:r>
+        </a:p>
+      </dgm:t>
+    </dgm:pt>
+    <dgm:pt modelId="{A60A6A1E-CB97-404B-BCFF-369EA171EBF2}" type="parTrans" cxnId="{468A8EFB-3424-4147-8CC1-09795A0C69F5}">
+      <dgm:prSet/>
+      <dgm:spPr/>
+    </dgm:pt>
+    <dgm:pt modelId="{57512D6F-2DC7-4077-BB78-52E12B30008B}" type="sibTrans" cxnId="{468A8EFB-3424-4147-8CC1-09795A0C69F5}">
+      <dgm:prSet/>
+      <dgm:spPr/>
+    </dgm:pt>
+    <dgm:pt modelId="{6BE53334-22C9-48A5-A54B-6A76EC5DA9F6}" type="pres">
+      <dgm:prSet presAssocID="{5C765BB5-88AA-465B-8709-20A7EE57306D}" presName="linear" presStyleCnt="0">
+        <dgm:presLayoutVars>
+          <dgm:dir/>
+          <dgm:animLvl val="lvl"/>
+          <dgm:resizeHandles val="exact"/>
+        </dgm:presLayoutVars>
+      </dgm:prSet>
+      <dgm:spPr/>
+    </dgm:pt>
+    <dgm:pt modelId="{AA0658CB-A53F-408B-A99D-4B1EF17156DA}" type="pres">
+      <dgm:prSet presAssocID="{AEEFA0F4-3150-4380-9F87-BD04D31EE36B}" presName="parentLin" presStyleCnt="0"/>
+      <dgm:spPr/>
+    </dgm:pt>
+    <dgm:pt modelId="{D43F2C75-2AC9-4E72-B67B-65AC27395706}" type="pres">
+      <dgm:prSet presAssocID="{AEEFA0F4-3150-4380-9F87-BD04D31EE36B}" presName="parentLeftMargin" presStyleLbl="node1" presStyleIdx="0" presStyleCnt="5"/>
+      <dgm:spPr/>
+    </dgm:pt>
+    <dgm:pt modelId="{9D659596-9FE8-4815-9A74-067B606F6730}" type="pres">
+      <dgm:prSet presAssocID="{AEEFA0F4-3150-4380-9F87-BD04D31EE36B}" presName="parentText" presStyleLbl="node1" presStyleIdx="0" presStyleCnt="5">
+        <dgm:presLayoutVars>
+          <dgm:chMax val="0"/>
+          <dgm:bulletEnabled val="1"/>
+        </dgm:presLayoutVars>
+      </dgm:prSet>
+      <dgm:spPr/>
+    </dgm:pt>
+    <dgm:pt modelId="{228AC279-2999-4916-A29B-299369A320E3}" type="pres">
+      <dgm:prSet presAssocID="{AEEFA0F4-3150-4380-9F87-BD04D31EE36B}" presName="negativeSpace" presStyleCnt="0"/>
+      <dgm:spPr/>
+    </dgm:pt>
+    <dgm:pt modelId="{16090754-AF2D-4ECC-946B-21FB99CA58C7}" type="pres">
+      <dgm:prSet presAssocID="{AEEFA0F4-3150-4380-9F87-BD04D31EE36B}" presName="childText" presStyleLbl="conFgAcc1" presStyleIdx="0" presStyleCnt="5">
+        <dgm:presLayoutVars>
+          <dgm:bulletEnabled val="1"/>
+        </dgm:presLayoutVars>
+      </dgm:prSet>
+      <dgm:spPr/>
+    </dgm:pt>
+    <dgm:pt modelId="{1D4BF230-8FCE-4835-8421-964208EDD5AD}" type="pres">
+      <dgm:prSet presAssocID="{59FE281E-ABA6-4813-8D36-D867ACBFFDBF}" presName="spaceBetweenRectangles" presStyleCnt="0"/>
+      <dgm:spPr/>
+    </dgm:pt>
+    <dgm:pt modelId="{41A8E2FA-ED1E-43CE-9444-AD7DEDCC4DA7}" type="pres">
+      <dgm:prSet presAssocID="{CDE1DC21-B431-4C40-9F87-3FA1855C5D84}" presName="parentLin" presStyleCnt="0"/>
+      <dgm:spPr/>
+    </dgm:pt>
+    <dgm:pt modelId="{3E3F44BA-52B3-4AE1-B8C1-6736779A1A7D}" type="pres">
+      <dgm:prSet presAssocID="{CDE1DC21-B431-4C40-9F87-3FA1855C5D84}" presName="parentLeftMargin" presStyleLbl="node1" presStyleIdx="0" presStyleCnt="5"/>
+      <dgm:spPr/>
+    </dgm:pt>
+    <dgm:pt modelId="{AFE7468B-78AA-4A9D-BE7D-7166433F6D48}" type="pres">
+      <dgm:prSet presAssocID="{CDE1DC21-B431-4C40-9F87-3FA1855C5D84}" presName="parentText" presStyleLbl="node1" presStyleIdx="1" presStyleCnt="5">
+        <dgm:presLayoutVars>
+          <dgm:chMax val="0"/>
+          <dgm:bulletEnabled val="1"/>
+        </dgm:presLayoutVars>
+      </dgm:prSet>
+      <dgm:spPr/>
+    </dgm:pt>
+    <dgm:pt modelId="{56DA5CD3-89CC-418C-B8E3-64D451B6000D}" type="pres">
+      <dgm:prSet presAssocID="{CDE1DC21-B431-4C40-9F87-3FA1855C5D84}" presName="negativeSpace" presStyleCnt="0"/>
+      <dgm:spPr/>
+    </dgm:pt>
+    <dgm:pt modelId="{CDEC3D3A-7A56-401F-B2DA-2EF718D8435A}" type="pres">
+      <dgm:prSet presAssocID="{CDE1DC21-B431-4C40-9F87-3FA1855C5D84}" presName="childText" presStyleLbl="conFgAcc1" presStyleIdx="1" presStyleCnt="5">
+        <dgm:presLayoutVars>
+          <dgm:bulletEnabled val="1"/>
+        </dgm:presLayoutVars>
+      </dgm:prSet>
+      <dgm:spPr/>
+    </dgm:pt>
+    <dgm:pt modelId="{23D7508D-747C-4D91-A3C1-123EE6756409}" type="pres">
+      <dgm:prSet presAssocID="{612B9D52-C114-4CD9-95FB-20169A19C0BE}" presName="spaceBetweenRectangles" presStyleCnt="0"/>
+      <dgm:spPr/>
+    </dgm:pt>
+    <dgm:pt modelId="{79354205-95A6-4143-BECB-832BC927522C}" type="pres">
+      <dgm:prSet presAssocID="{9BE9AEA3-B616-4327-95E1-0F92D30036EF}" presName="parentLin" presStyleCnt="0"/>
+      <dgm:spPr/>
+    </dgm:pt>
+    <dgm:pt modelId="{173A1195-87B0-4EC6-9A89-4A5005A7689A}" type="pres">
+      <dgm:prSet presAssocID="{9BE9AEA3-B616-4327-95E1-0F92D30036EF}" presName="parentLeftMargin" presStyleLbl="node1" presStyleIdx="1" presStyleCnt="5"/>
+      <dgm:spPr/>
+    </dgm:pt>
+    <dgm:pt modelId="{61DF0A79-6967-4621-854E-02A7ABEBB7D8}" type="pres">
+      <dgm:prSet presAssocID="{9BE9AEA3-B616-4327-95E1-0F92D30036EF}" presName="parentText" presStyleLbl="node1" presStyleIdx="2" presStyleCnt="5">
+        <dgm:presLayoutVars>
+          <dgm:chMax val="0"/>
+          <dgm:bulletEnabled val="1"/>
+        </dgm:presLayoutVars>
+      </dgm:prSet>
+      <dgm:spPr/>
+    </dgm:pt>
+    <dgm:pt modelId="{71DDAFB8-F678-484B-8BE5-89C2E3296C48}" type="pres">
+      <dgm:prSet presAssocID="{9BE9AEA3-B616-4327-95E1-0F92D30036EF}" presName="negativeSpace" presStyleCnt="0"/>
+      <dgm:spPr/>
+    </dgm:pt>
+    <dgm:pt modelId="{A80DF9EF-2D52-4300-8A46-D7018F3EAD2A}" type="pres">
+      <dgm:prSet presAssocID="{9BE9AEA3-B616-4327-95E1-0F92D30036EF}" presName="childText" presStyleLbl="conFgAcc1" presStyleIdx="2" presStyleCnt="5">
+        <dgm:presLayoutVars>
+          <dgm:bulletEnabled val="1"/>
+        </dgm:presLayoutVars>
+      </dgm:prSet>
+      <dgm:spPr/>
+    </dgm:pt>
+    <dgm:pt modelId="{3002A4D9-5BF4-47CC-8906-E01DD694D48B}" type="pres">
+      <dgm:prSet presAssocID="{B0DA2B08-35B2-46AD-B0F0-B79EE0C44D48}" presName="spaceBetweenRectangles" presStyleCnt="0"/>
+      <dgm:spPr/>
+    </dgm:pt>
+    <dgm:pt modelId="{26F2CB83-DB37-40D2-823A-7257B8773BCA}" type="pres">
+      <dgm:prSet presAssocID="{74045D42-4E2E-435F-ACD4-2DC710FAF0F5}" presName="parentLin" presStyleCnt="0"/>
+      <dgm:spPr/>
+    </dgm:pt>
+    <dgm:pt modelId="{643A1851-1199-4892-9DE1-B3A0BB14ABD1}" type="pres">
+      <dgm:prSet presAssocID="{74045D42-4E2E-435F-ACD4-2DC710FAF0F5}" presName="parentLeftMargin" presStyleLbl="node1" presStyleIdx="2" presStyleCnt="5"/>
+      <dgm:spPr/>
+    </dgm:pt>
+    <dgm:pt modelId="{46A60E9B-5E31-4DA7-A2D1-A69C15FD3B05}" type="pres">
+      <dgm:prSet presAssocID="{74045D42-4E2E-435F-ACD4-2DC710FAF0F5}" presName="parentText" presStyleLbl="node1" presStyleIdx="3" presStyleCnt="5">
+        <dgm:presLayoutVars>
+          <dgm:chMax val="0"/>
+          <dgm:bulletEnabled val="1"/>
+        </dgm:presLayoutVars>
+      </dgm:prSet>
+      <dgm:spPr/>
+    </dgm:pt>
+    <dgm:pt modelId="{D9ABBBA6-4E59-42C8-913B-7EF564AD0411}" type="pres">
+      <dgm:prSet presAssocID="{74045D42-4E2E-435F-ACD4-2DC710FAF0F5}" presName="negativeSpace" presStyleCnt="0"/>
+      <dgm:spPr/>
+    </dgm:pt>
+    <dgm:pt modelId="{8203ED82-1C1B-4C49-9C06-7E6838A50CF5}" type="pres">
+      <dgm:prSet presAssocID="{74045D42-4E2E-435F-ACD4-2DC710FAF0F5}" presName="childText" presStyleLbl="conFgAcc1" presStyleIdx="3" presStyleCnt="5">
+        <dgm:presLayoutVars>
+          <dgm:bulletEnabled val="1"/>
+        </dgm:presLayoutVars>
+      </dgm:prSet>
+      <dgm:spPr/>
+    </dgm:pt>
+    <dgm:pt modelId="{032116C3-FC42-4EDB-BF45-CE7FEBD9DE7B}" type="pres">
+      <dgm:prSet presAssocID="{220F359F-4C68-4966-8A6A-F102E4C568B3}" presName="spaceBetweenRectangles" presStyleCnt="0"/>
+      <dgm:spPr/>
+    </dgm:pt>
+    <dgm:pt modelId="{7F01841A-462F-4689-898D-1EDD89735CE7}" type="pres">
+      <dgm:prSet presAssocID="{2F098E13-3DA4-4B5D-AEE3-41E1DFCA3A9B}" presName="parentLin" presStyleCnt="0"/>
+      <dgm:spPr/>
+    </dgm:pt>
+    <dgm:pt modelId="{B808728A-8BDC-472F-90BF-D72C4D116F21}" type="pres">
+      <dgm:prSet presAssocID="{2F098E13-3DA4-4B5D-AEE3-41E1DFCA3A9B}" presName="parentLeftMargin" presStyleLbl="node1" presStyleIdx="3" presStyleCnt="5"/>
+      <dgm:spPr/>
+    </dgm:pt>
+    <dgm:pt modelId="{DBC2410A-6247-417E-8347-27FD87F44F34}" type="pres">
+      <dgm:prSet presAssocID="{2F098E13-3DA4-4B5D-AEE3-41E1DFCA3A9B}" presName="parentText" presStyleLbl="node1" presStyleIdx="4" presStyleCnt="5">
+        <dgm:presLayoutVars>
+          <dgm:chMax val="0"/>
+          <dgm:bulletEnabled val="1"/>
+        </dgm:presLayoutVars>
+      </dgm:prSet>
+      <dgm:spPr/>
+    </dgm:pt>
+    <dgm:pt modelId="{69F78909-F606-415F-AA9A-2D03918FB1A2}" type="pres">
+      <dgm:prSet presAssocID="{2F098E13-3DA4-4B5D-AEE3-41E1DFCA3A9B}" presName="negativeSpace" presStyleCnt="0"/>
+      <dgm:spPr/>
+    </dgm:pt>
+    <dgm:pt modelId="{670096F5-8351-43B3-A4C4-DC222E93BC44}" type="pres">
+      <dgm:prSet presAssocID="{2F098E13-3DA4-4B5D-AEE3-41E1DFCA3A9B}" presName="childText" presStyleLbl="conFgAcc1" presStyleIdx="4" presStyleCnt="5">
+        <dgm:presLayoutVars>
+          <dgm:bulletEnabled val="1"/>
+        </dgm:presLayoutVars>
+      </dgm:prSet>
+      <dgm:spPr/>
+    </dgm:pt>
+  </dgm:ptLst>
+  <dgm:cxnLst>
+    <dgm:cxn modelId="{4FE5A524-C7BE-48AB-B72B-0A790102B9A9}" type="presOf" srcId="{4394E291-875F-4111-ADD9-29B276028E52}" destId="{16090754-AF2D-4ECC-946B-21FB99CA58C7}" srcOrd="0" destOrd="1" presId="urn:microsoft.com/office/officeart/2005/8/layout/list1"/>
+    <dgm:cxn modelId="{E0994E25-75DE-49B6-A81F-87E3ED0FE881}" type="presOf" srcId="{9BE9AEA3-B616-4327-95E1-0F92D30036EF}" destId="{173A1195-87B0-4EC6-9A89-4A5005A7689A}" srcOrd="0" destOrd="0" presId="urn:microsoft.com/office/officeart/2005/8/layout/list1"/>
+    <dgm:cxn modelId="{CD9A5E2D-CA5A-4C90-A22B-4AB0AB66C76D}" type="presOf" srcId="{5C765BB5-88AA-465B-8709-20A7EE57306D}" destId="{6BE53334-22C9-48A5-A54B-6A76EC5DA9F6}" srcOrd="0" destOrd="0" presId="urn:microsoft.com/office/officeart/2005/8/layout/list1"/>
+    <dgm:cxn modelId="{94ED582D-465D-4DBE-A2A6-2AF6EC3DC192}" type="presOf" srcId="{D515F02C-1818-4D79-9E71-0D0531F60F47}" destId="{670096F5-8351-43B3-A4C4-DC222E93BC44}" srcOrd="0" destOrd="0" presId="urn:microsoft.com/office/officeart/2005/8/layout/list1"/>
+    <dgm:cxn modelId="{7419C12D-C07D-451D-9B5D-5E24D4B1E545}" srcId="{CDE1DC21-B431-4C40-9F87-3FA1855C5D84}" destId="{D34DBB32-E2D1-4D85-BC9A-32DAA996964F}" srcOrd="0" destOrd="0" parTransId="{4C023241-6C26-4FCC-B9BB-AC49E0F6B1A1}" sibTransId="{F40CF00B-32EE-42C8-9855-6C6121991C22}"/>
+    <dgm:cxn modelId="{7750232F-F94E-40EE-BAC8-A576D52AC181}" srcId="{5C765BB5-88AA-465B-8709-20A7EE57306D}" destId="{74045D42-4E2E-435F-ACD4-2DC710FAF0F5}" srcOrd="3" destOrd="0" parTransId="{A68D5329-68C0-42A2-8701-866C12EE1B87}" sibTransId="{220F359F-4C68-4966-8A6A-F102E4C568B3}"/>
+    <dgm:cxn modelId="{C64C8230-828C-47B1-907D-4D5DE204DEAE}" srcId="{9BE9AEA3-B616-4327-95E1-0F92D30036EF}" destId="{CD358A8A-3F44-40CB-B17C-31B7A43B46F3}" srcOrd="0" destOrd="0" parTransId="{88F57E5A-4615-4803-818D-6AC87EE6529D}" sibTransId="{1BBF4BFF-BA81-4C40-A420-0125CBD32320}"/>
+    <dgm:cxn modelId="{324DE236-8686-490B-AFD2-284039F3715B}" type="presOf" srcId="{2F098E13-3DA4-4B5D-AEE3-41E1DFCA3A9B}" destId="{DBC2410A-6247-417E-8347-27FD87F44F34}" srcOrd="1" destOrd="0" presId="urn:microsoft.com/office/officeart/2005/8/layout/list1"/>
+    <dgm:cxn modelId="{0B479C3C-71EB-4F12-9122-0B86192A215C}" type="presOf" srcId="{6FAB85B3-0C19-449B-8B54-67B8B1D18126}" destId="{16090754-AF2D-4ECC-946B-21FB99CA58C7}" srcOrd="0" destOrd="0" presId="urn:microsoft.com/office/officeart/2005/8/layout/list1"/>
+    <dgm:cxn modelId="{37C1E53E-BDA0-429A-AB2D-4920B5974DED}" type="presOf" srcId="{2F098E13-3DA4-4B5D-AEE3-41E1DFCA3A9B}" destId="{B808728A-8BDC-472F-90BF-D72C4D116F21}" srcOrd="0" destOrd="0" presId="urn:microsoft.com/office/officeart/2005/8/layout/list1"/>
+    <dgm:cxn modelId="{C11E295F-7273-4EB1-AC04-D0BC7FDB9127}" srcId="{5C765BB5-88AA-465B-8709-20A7EE57306D}" destId="{CDE1DC21-B431-4C40-9F87-3FA1855C5D84}" srcOrd="1" destOrd="0" parTransId="{48678B1D-3CBE-4278-91A5-CEC3826587A7}" sibTransId="{612B9D52-C114-4CD9-95FB-20169A19C0BE}"/>
+    <dgm:cxn modelId="{D29F8B67-0E6A-40B2-BE8A-14A0B38A996E}" type="presOf" srcId="{AEEFA0F4-3150-4380-9F87-BD04D31EE36B}" destId="{9D659596-9FE8-4815-9A74-067B606F6730}" srcOrd="1" destOrd="0" presId="urn:microsoft.com/office/officeart/2005/8/layout/list1"/>
+    <dgm:cxn modelId="{1A23B44E-ABFC-4925-83DE-C8AED3D402EA}" type="presOf" srcId="{D34DBB32-E2D1-4D85-BC9A-32DAA996964F}" destId="{CDEC3D3A-7A56-401F-B2DA-2EF718D8435A}" srcOrd="0" destOrd="0" presId="urn:microsoft.com/office/officeart/2005/8/layout/list1"/>
+    <dgm:cxn modelId="{D7538E52-6491-4E3B-9DA9-8F20CD08F0AA}" srcId="{5C765BB5-88AA-465B-8709-20A7EE57306D}" destId="{9BE9AEA3-B616-4327-95E1-0F92D30036EF}" srcOrd="2" destOrd="0" parTransId="{2DBFC068-1F52-4434-82DD-AA9194646F71}" sibTransId="{B0DA2B08-35B2-46AD-B0F0-B79EE0C44D48}"/>
+    <dgm:cxn modelId="{044AB757-8AAA-44D0-957F-12734132C724}" type="presOf" srcId="{CDE1DC21-B431-4C40-9F87-3FA1855C5D84}" destId="{AFE7468B-78AA-4A9D-BE7D-7166433F6D48}" srcOrd="1" destOrd="0" presId="urn:microsoft.com/office/officeart/2005/8/layout/list1"/>
+    <dgm:cxn modelId="{FB823A7A-33A3-42A7-86D3-279F88C561FB}" srcId="{2F098E13-3DA4-4B5D-AEE3-41E1DFCA3A9B}" destId="{D515F02C-1818-4D79-9E71-0D0531F60F47}" srcOrd="0" destOrd="0" parTransId="{BF076BAB-576D-412B-9CB1-34BF2042E660}" sibTransId="{A95195D7-013D-4622-9885-17534DCBACCB}"/>
+    <dgm:cxn modelId="{EA997783-D88D-4F1D-93BC-9D919C67207F}" type="presOf" srcId="{74045D42-4E2E-435F-ACD4-2DC710FAF0F5}" destId="{643A1851-1199-4892-9DE1-B3A0BB14ABD1}" srcOrd="0" destOrd="0" presId="urn:microsoft.com/office/officeart/2005/8/layout/list1"/>
+    <dgm:cxn modelId="{C5849B88-EF00-48CC-9979-A76519AFF3C2}" srcId="{5C765BB5-88AA-465B-8709-20A7EE57306D}" destId="{AEEFA0F4-3150-4380-9F87-BD04D31EE36B}" srcOrd="0" destOrd="0" parTransId="{664E8EE5-A556-4241-B6E9-A451EBD22623}" sibTransId="{59FE281E-ABA6-4813-8D36-D867ACBFFDBF}"/>
+    <dgm:cxn modelId="{6954618A-6D88-42F0-A9C9-627518F65699}" srcId="{AEEFA0F4-3150-4380-9F87-BD04D31EE36B}" destId="{6FAB85B3-0C19-449B-8B54-67B8B1D18126}" srcOrd="0" destOrd="0" parTransId="{894EDB19-1BDC-4FE8-9296-EA8ED8B81F15}" sibTransId="{A76B5AA1-F1FC-459B-8703-3D08BF94FFBA}"/>
+    <dgm:cxn modelId="{FB60B2A3-7318-4619-9E94-AB69BFD9CC3C}" type="presOf" srcId="{AEEFA0F4-3150-4380-9F87-BD04D31EE36B}" destId="{D43F2C75-2AC9-4E72-B67B-65AC27395706}" srcOrd="0" destOrd="0" presId="urn:microsoft.com/office/officeart/2005/8/layout/list1"/>
+    <dgm:cxn modelId="{743CAEBE-D468-4C91-8C2C-28F12D5BEF5D}" srcId="{AEEFA0F4-3150-4380-9F87-BD04D31EE36B}" destId="{4394E291-875F-4111-ADD9-29B276028E52}" srcOrd="1" destOrd="0" parTransId="{D3182CA3-DD14-4FEC-81E3-493C4BCBFBA0}" sibTransId="{B3314703-1163-4074-947B-F46CB6E08207}"/>
+    <dgm:cxn modelId="{A0C428C9-1D17-4685-A0F1-16DB047EEFF8}" type="presOf" srcId="{CDE1DC21-B431-4C40-9F87-3FA1855C5D84}" destId="{3E3F44BA-52B3-4AE1-B8C1-6736779A1A7D}" srcOrd="0" destOrd="0" presId="urn:microsoft.com/office/officeart/2005/8/layout/list1"/>
+    <dgm:cxn modelId="{668F7BD0-44D3-4AC0-A64E-0138868C412C}" type="presOf" srcId="{E880265A-6380-4D29-B62A-8539E896EF46}" destId="{8203ED82-1C1B-4C49-9C06-7E6838A50CF5}" srcOrd="0" destOrd="0" presId="urn:microsoft.com/office/officeart/2005/8/layout/list1"/>
+    <dgm:cxn modelId="{3204FBD7-5937-409B-9AC6-DFA85080E4CC}" srcId="{74045D42-4E2E-435F-ACD4-2DC710FAF0F5}" destId="{E880265A-6380-4D29-B62A-8539E896EF46}" srcOrd="0" destOrd="0" parTransId="{520C3EEC-1504-454D-8994-336D79E894B4}" sibTransId="{0608BB78-94F3-4A6F-9537-31EA4C4D8BBB}"/>
+    <dgm:cxn modelId="{1AD9A4D9-CC19-4190-9594-14F056327399}" type="presOf" srcId="{CD358A8A-3F44-40CB-B17C-31B7A43B46F3}" destId="{A80DF9EF-2D52-4300-8A46-D7018F3EAD2A}" srcOrd="0" destOrd="0" presId="urn:microsoft.com/office/officeart/2005/8/layout/list1"/>
+    <dgm:cxn modelId="{3C6C2FEB-11A5-45CA-8309-993871E9B12F}" type="presOf" srcId="{74045D42-4E2E-435F-ACD4-2DC710FAF0F5}" destId="{46A60E9B-5E31-4DA7-A2D1-A69C15FD3B05}" srcOrd="1" destOrd="0" presId="urn:microsoft.com/office/officeart/2005/8/layout/list1"/>
+    <dgm:cxn modelId="{9CAD91F4-FEDC-4454-AFE7-3DEC9416E14D}" type="presOf" srcId="{9BE9AEA3-B616-4327-95E1-0F92D30036EF}" destId="{61DF0A79-6967-4621-854E-02A7ABEBB7D8}" srcOrd="1" destOrd="0" presId="urn:microsoft.com/office/officeart/2005/8/layout/list1"/>
+    <dgm:cxn modelId="{468A8EFB-3424-4147-8CC1-09795A0C69F5}" srcId="{5C765BB5-88AA-465B-8709-20A7EE57306D}" destId="{2F098E13-3DA4-4B5D-AEE3-41E1DFCA3A9B}" srcOrd="4" destOrd="0" parTransId="{A60A6A1E-CB97-404B-BCFF-369EA171EBF2}" sibTransId="{57512D6F-2DC7-4077-BB78-52E12B30008B}"/>
+    <dgm:cxn modelId="{CF33F58D-800E-4E11-AE24-49AADC784866}" type="presParOf" srcId="{6BE53334-22C9-48A5-A54B-6A76EC5DA9F6}" destId="{AA0658CB-A53F-408B-A99D-4B1EF17156DA}" srcOrd="0" destOrd="0" presId="urn:microsoft.com/office/officeart/2005/8/layout/list1"/>
+    <dgm:cxn modelId="{957DB49F-A2AE-4CB7-A8B7-5526536544C9}" type="presParOf" srcId="{AA0658CB-A53F-408B-A99D-4B1EF17156DA}" destId="{D43F2C75-2AC9-4E72-B67B-65AC27395706}" srcOrd="0" destOrd="0" presId="urn:microsoft.com/office/officeart/2005/8/layout/list1"/>
+    <dgm:cxn modelId="{95C34FBE-4A50-42C8-98BF-92AB2AAB0330}" type="presParOf" srcId="{AA0658CB-A53F-408B-A99D-4B1EF17156DA}" destId="{9D659596-9FE8-4815-9A74-067B606F6730}" srcOrd="1" destOrd="0" presId="urn:microsoft.com/office/officeart/2005/8/layout/list1"/>
+    <dgm:cxn modelId="{5BCB5DB5-CDE6-476E-B695-33DA1DFFD00F}" type="presParOf" srcId="{6BE53334-22C9-48A5-A54B-6A76EC5DA9F6}" destId="{228AC279-2999-4916-A29B-299369A320E3}" srcOrd="1" destOrd="0" presId="urn:microsoft.com/office/officeart/2005/8/layout/list1"/>
+    <dgm:cxn modelId="{A4AFD65A-F4A7-4C79-8A34-E78EA61A443A}" type="presParOf" srcId="{6BE53334-22C9-48A5-A54B-6A76EC5DA9F6}" destId="{16090754-AF2D-4ECC-946B-21FB99CA58C7}" srcOrd="2" destOrd="0" presId="urn:microsoft.com/office/officeart/2005/8/layout/list1"/>
+    <dgm:cxn modelId="{1340305E-9AFB-49C3-849F-BA35E04FEF2E}" type="presParOf" srcId="{6BE53334-22C9-48A5-A54B-6A76EC5DA9F6}" destId="{1D4BF230-8FCE-4835-8421-964208EDD5AD}" srcOrd="3" destOrd="0" presId="urn:microsoft.com/office/officeart/2005/8/layout/list1"/>
+    <dgm:cxn modelId="{69D5015E-7326-499A-8CF2-C52B85AB1EA8}" type="presParOf" srcId="{6BE53334-22C9-48A5-A54B-6A76EC5DA9F6}" destId="{41A8E2FA-ED1E-43CE-9444-AD7DEDCC4DA7}" srcOrd="4" destOrd="0" presId="urn:microsoft.com/office/officeart/2005/8/layout/list1"/>
+    <dgm:cxn modelId="{F7F3C0E1-9511-43CB-AB9A-92D92B3F518B}" type="presParOf" srcId="{41A8E2FA-ED1E-43CE-9444-AD7DEDCC4DA7}" destId="{3E3F44BA-52B3-4AE1-B8C1-6736779A1A7D}" srcOrd="0" destOrd="0" presId="urn:microsoft.com/office/officeart/2005/8/layout/list1"/>
+    <dgm:cxn modelId="{7FF64A8C-B355-4769-A0DB-B44607886F39}" type="presParOf" srcId="{41A8E2FA-ED1E-43CE-9444-AD7DEDCC4DA7}" destId="{AFE7468B-78AA-4A9D-BE7D-7166433F6D48}" srcOrd="1" destOrd="0" presId="urn:microsoft.com/office/officeart/2005/8/layout/list1"/>
+    <dgm:cxn modelId="{5DFC3FCE-8BC9-4576-BE23-63F99C107F79}" type="presParOf" srcId="{6BE53334-22C9-48A5-A54B-6A76EC5DA9F6}" destId="{56DA5CD3-89CC-418C-B8E3-64D451B6000D}" srcOrd="5" destOrd="0" presId="urn:microsoft.com/office/officeart/2005/8/layout/list1"/>
+    <dgm:cxn modelId="{B352B476-5D16-4832-9D5B-5811F01EBD68}" type="presParOf" srcId="{6BE53334-22C9-48A5-A54B-6A76EC5DA9F6}" destId="{CDEC3D3A-7A56-401F-B2DA-2EF718D8435A}" srcOrd="6" destOrd="0" presId="urn:microsoft.com/office/officeart/2005/8/layout/list1"/>
+    <dgm:cxn modelId="{56D7051D-9DFD-4457-88EF-782E968E98EE}" type="presParOf" srcId="{6BE53334-22C9-48A5-A54B-6A76EC5DA9F6}" destId="{23D7508D-747C-4D91-A3C1-123EE6756409}" srcOrd="7" destOrd="0" presId="urn:microsoft.com/office/officeart/2005/8/layout/list1"/>
+    <dgm:cxn modelId="{533A6AEA-4CE1-4081-BE67-45DFADB37579}" type="presParOf" srcId="{6BE53334-22C9-48A5-A54B-6A76EC5DA9F6}" destId="{79354205-95A6-4143-BECB-832BC927522C}" srcOrd="8" destOrd="0" presId="urn:microsoft.com/office/officeart/2005/8/layout/list1"/>
+    <dgm:cxn modelId="{4F965FED-309A-493A-8674-B956B98739F1}" type="presParOf" srcId="{79354205-95A6-4143-BECB-832BC927522C}" destId="{173A1195-87B0-4EC6-9A89-4A5005A7689A}" srcOrd="0" destOrd="0" presId="urn:microsoft.com/office/officeart/2005/8/layout/list1"/>
+    <dgm:cxn modelId="{FA296E32-1632-4F7F-9506-D8375977F8A1}" type="presParOf" srcId="{79354205-95A6-4143-BECB-832BC927522C}" destId="{61DF0A79-6967-4621-854E-02A7ABEBB7D8}" srcOrd="1" destOrd="0" presId="urn:microsoft.com/office/officeart/2005/8/layout/list1"/>
+    <dgm:cxn modelId="{C0BF8AF8-666E-4E5A-B5C2-C5E19030C235}" type="presParOf" srcId="{6BE53334-22C9-48A5-A54B-6A76EC5DA9F6}" destId="{71DDAFB8-F678-484B-8BE5-89C2E3296C48}" srcOrd="9" destOrd="0" presId="urn:microsoft.com/office/officeart/2005/8/layout/list1"/>
+    <dgm:cxn modelId="{866E5E05-010B-45AF-A2B7-9A909B1F61B0}" type="presParOf" srcId="{6BE53334-22C9-48A5-A54B-6A76EC5DA9F6}" destId="{A80DF9EF-2D52-4300-8A46-D7018F3EAD2A}" srcOrd="10" destOrd="0" presId="urn:microsoft.com/office/officeart/2005/8/layout/list1"/>
+    <dgm:cxn modelId="{939A2572-2477-4473-9718-39288B6DD040}" type="presParOf" srcId="{6BE53334-22C9-48A5-A54B-6A76EC5DA9F6}" destId="{3002A4D9-5BF4-47CC-8906-E01DD694D48B}" srcOrd="11" destOrd="0" presId="urn:microsoft.com/office/officeart/2005/8/layout/list1"/>
+    <dgm:cxn modelId="{EA448C09-59C3-4A12-BEB5-8D177BA52AE7}" type="presParOf" srcId="{6BE53334-22C9-48A5-A54B-6A76EC5DA9F6}" destId="{26F2CB83-DB37-40D2-823A-7257B8773BCA}" srcOrd="12" destOrd="0" presId="urn:microsoft.com/office/officeart/2005/8/layout/list1"/>
+    <dgm:cxn modelId="{EDEB5DD6-01C4-4064-B221-74DAF9F76BFF}" type="presParOf" srcId="{26F2CB83-DB37-40D2-823A-7257B8773BCA}" destId="{643A1851-1199-4892-9DE1-B3A0BB14ABD1}" srcOrd="0" destOrd="0" presId="urn:microsoft.com/office/officeart/2005/8/layout/list1"/>
+    <dgm:cxn modelId="{30C9DFD9-8C89-4463-AE49-4D15927869FF}" type="presParOf" srcId="{26F2CB83-DB37-40D2-823A-7257B8773BCA}" destId="{46A60E9B-5E31-4DA7-A2D1-A69C15FD3B05}" srcOrd="1" destOrd="0" presId="urn:microsoft.com/office/officeart/2005/8/layout/list1"/>
+    <dgm:cxn modelId="{7687C88F-8FFE-429C-9C14-94A0D3B9AEDE}" type="presParOf" srcId="{6BE53334-22C9-48A5-A54B-6A76EC5DA9F6}" destId="{D9ABBBA6-4E59-42C8-913B-7EF564AD0411}" srcOrd="13" destOrd="0" presId="urn:microsoft.com/office/officeart/2005/8/layout/list1"/>
+    <dgm:cxn modelId="{9768FC97-48AA-4748-88E7-031DB3D9244D}" type="presParOf" srcId="{6BE53334-22C9-48A5-A54B-6A76EC5DA9F6}" destId="{8203ED82-1C1B-4C49-9C06-7E6838A50CF5}" srcOrd="14" destOrd="0" presId="urn:microsoft.com/office/officeart/2005/8/layout/list1"/>
+    <dgm:cxn modelId="{05125D5E-062D-4B4F-B4A4-FA2AA573C4C5}" type="presParOf" srcId="{6BE53334-22C9-48A5-A54B-6A76EC5DA9F6}" destId="{032116C3-FC42-4EDB-BF45-CE7FEBD9DE7B}" srcOrd="15" destOrd="0" presId="urn:microsoft.com/office/officeart/2005/8/layout/list1"/>
+    <dgm:cxn modelId="{0076EB31-6F9D-4709-BA6F-FFBC00193754}" type="presParOf" srcId="{6BE53334-22C9-48A5-A54B-6A76EC5DA9F6}" destId="{7F01841A-462F-4689-898D-1EDD89735CE7}" srcOrd="16" destOrd="0" presId="urn:microsoft.com/office/officeart/2005/8/layout/list1"/>
+    <dgm:cxn modelId="{6F6CB971-8B2C-40DA-B54A-CA96A86056A7}" type="presParOf" srcId="{7F01841A-462F-4689-898D-1EDD89735CE7}" destId="{B808728A-8BDC-472F-90BF-D72C4D116F21}" srcOrd="0" destOrd="0" presId="urn:microsoft.com/office/officeart/2005/8/layout/list1"/>
+    <dgm:cxn modelId="{89741D65-6B4C-404E-B6AE-EFE59713ACD7}" type="presParOf" srcId="{7F01841A-462F-4689-898D-1EDD89735CE7}" destId="{DBC2410A-6247-417E-8347-27FD87F44F34}" srcOrd="1" destOrd="0" presId="urn:microsoft.com/office/officeart/2005/8/layout/list1"/>
+    <dgm:cxn modelId="{A9AD8E07-646B-4821-8076-6AA0D927B0DD}" type="presParOf" srcId="{6BE53334-22C9-48A5-A54B-6A76EC5DA9F6}" destId="{69F78909-F606-415F-AA9A-2D03918FB1A2}" srcOrd="17" destOrd="0" presId="urn:microsoft.com/office/officeart/2005/8/layout/list1"/>
+    <dgm:cxn modelId="{8C9CE464-74B4-49F7-8B8F-BA3BB4517547}" type="presParOf" srcId="{6BE53334-22C9-48A5-A54B-6A76EC5DA9F6}" destId="{670096F5-8351-43B3-A4C4-DC222E93BC44}" srcOrd="18" destOrd="0" presId="urn:microsoft.com/office/officeart/2005/8/layout/list1"/>
+  </dgm:cxnLst>
+  <dgm:bg/>
+  <dgm:whole/>
+  <dgm:extLst>
+    <a:ext uri="http://schemas.microsoft.com/office/drawing/2008/diagram">
+      <dsp:dataModelExt xmlns:dsp="http://schemas.microsoft.com/office/drawing/2008/diagram" relId="rId6" minVer="http://schemas.openxmlformats.org/drawingml/2006/diagram"/>
+    </a:ext>
+  </dgm:extLst>
+</dgm:dataModel>
+</file>
+
+<file path=ppt/diagrams/drawing1.xml><?xml version="1.0" encoding="utf-8"?>
+<dsp:drawing xmlns:dgm="http://schemas.openxmlformats.org/drawingml/2006/diagram" xmlns:dsp="http://schemas.microsoft.com/office/drawing/2008/diagram" xmlns:a="http://schemas.openxmlformats.org/drawingml/2006/main">
+  <dsp:spTree>
+    <dsp:nvGrpSpPr>
+      <dsp:cNvPr id="0" name=""/>
+      <dsp:cNvGrpSpPr/>
+    </dsp:nvGrpSpPr>
+    <dsp:grpSpPr/>
+    <dsp:sp modelId="{16090754-AF2D-4ECC-946B-21FB99CA58C7}">
+      <dsp:nvSpPr>
+        <dsp:cNvPr id="0" name=""/>
+        <dsp:cNvSpPr/>
+      </dsp:nvSpPr>
+      <dsp:spPr>
+        <a:xfrm>
+          <a:off x="0" y="414501"/>
+          <a:ext cx="6730999" cy="1107225"/>
+        </a:xfrm>
+        <a:prstGeom prst="rect">
+          <a:avLst/>
+        </a:prstGeom>
+        <a:solidFill>
+          <a:schemeClr val="lt1">
+            <a:alpha val="90000"/>
+            <a:hueOff val="0"/>
+            <a:satOff val="0"/>
+            <a:lumOff val="0"/>
+            <a:alphaOff val="0"/>
+          </a:schemeClr>
+        </a:solidFill>
+        <a:ln w="19050" cap="flat" cmpd="sng" algn="ctr">
+          <a:solidFill>
+            <a:schemeClr val="accent1">
+              <a:hueOff val="0"/>
+              <a:satOff val="0"/>
+              <a:lumOff val="0"/>
+              <a:alphaOff val="0"/>
+            </a:schemeClr>
+          </a:solidFill>
+          <a:prstDash val="solid"/>
+          <a:miter lim="800000"/>
+        </a:ln>
+        <a:effectLst/>
+      </dsp:spPr>
+      <dsp:style>
+        <a:lnRef idx="2">
+          <a:scrgbClr r="0" g="0" b="0"/>
+        </a:lnRef>
+        <a:fillRef idx="1">
+          <a:scrgbClr r="0" g="0" b="0"/>
+        </a:fillRef>
+        <a:effectRef idx="0">
+          <a:scrgbClr r="0" g="0" b="0"/>
+        </a:effectRef>
+        <a:fontRef idx="minor"/>
+      </dsp:style>
+      <dsp:txBody>
+        <a:bodyPr spcFirstLastPara="0" vert="horz" wrap="square" lIns="522400" tIns="395732" rIns="522400" bIns="135128" numCol="1" spcCol="1270" anchor="t" anchorCtr="0">
+          <a:noAutofit/>
+        </a:bodyPr>
+        <a:lstStyle/>
+        <a:p>
+          <a:pPr marL="171450" lvl="1" indent="-171450" algn="l" defTabSz="844550" rtl="0">
+            <a:lnSpc>
+              <a:spcPct val="90000"/>
+            </a:lnSpc>
+            <a:spcBef>
+              <a:spcPct val="0"/>
+            </a:spcBef>
+            <a:spcAft>
+              <a:spcPct val="15000"/>
+            </a:spcAft>
+            <a:buChar char="•"/>
+          </a:pPr>
+          <a:r>
+            <a:rPr lang="en-US" sz="1900" kern="1200">
+              <a:solidFill>
+                <a:srgbClr val="000000"/>
+              </a:solidFill>
+              <a:latin typeface="Aptos Display" panose="02110004020202020204"/>
+            </a:rPr>
+            <a:t> </a:t>
+          </a:r>
+          <a:r>
+            <a:rPr lang="en-US" sz="1900" kern="1200">
+              <a:solidFill>
+                <a:srgbClr val="000000"/>
+              </a:solidFill>
+            </a:rPr>
+            <a:t>From Kaggle</a:t>
+          </a:r>
+          <a:r>
+            <a:rPr lang="en-US" sz="1900" kern="1200">
+              <a:solidFill>
+                <a:srgbClr val="000000"/>
+              </a:solidFill>
+              <a:latin typeface="Aptos Display" panose="02110004020202020204"/>
+            </a:rPr>
+            <a:t> </a:t>
+          </a:r>
+        </a:p>
+        <a:p>
+          <a:pPr marL="171450" lvl="1" indent="-171450" algn="l" defTabSz="844550" rtl="0">
+            <a:lnSpc>
+              <a:spcPct val="90000"/>
+            </a:lnSpc>
+            <a:spcBef>
+              <a:spcPct val="0"/>
+            </a:spcBef>
+            <a:spcAft>
+              <a:spcPct val="15000"/>
+            </a:spcAft>
+            <a:buChar char="•"/>
+          </a:pPr>
+          <a:r>
+            <a:rPr lang="en-US" sz="1900" kern="1200">
+              <a:solidFill>
+                <a:srgbClr val="000000"/>
+              </a:solidFill>
+              <a:latin typeface="Aptos Display" panose="02110004020202020204"/>
+            </a:rPr>
+            <a:t> Focus</a:t>
+          </a:r>
+          <a:r>
+            <a:rPr lang="en-US" sz="1900" kern="1200">
+              <a:solidFill>
+                <a:srgbClr val="000000"/>
+              </a:solidFill>
+            </a:rPr>
+            <a:t> browsing behavior features</a:t>
+          </a:r>
+          <a:endParaRPr lang="en-US" sz="1900" kern="1200"/>
+        </a:p>
+      </dsp:txBody>
+      <dsp:txXfrm>
+        <a:off x="0" y="414501"/>
+        <a:ext cx="6730999" cy="1107225"/>
+      </dsp:txXfrm>
+    </dsp:sp>
+    <dsp:sp modelId="{9D659596-9FE8-4815-9A74-067B606F6730}">
+      <dsp:nvSpPr>
+        <dsp:cNvPr id="0" name=""/>
+        <dsp:cNvSpPr/>
+      </dsp:nvSpPr>
+      <dsp:spPr>
+        <a:xfrm>
+          <a:off x="336549" y="134061"/>
+          <a:ext cx="4711699" cy="560880"/>
+        </a:xfrm>
+        <a:prstGeom prst="roundRect">
+          <a:avLst/>
+        </a:prstGeom>
+        <a:solidFill>
+          <a:schemeClr val="accent1">
+            <a:hueOff val="0"/>
+            <a:satOff val="0"/>
+            <a:lumOff val="0"/>
+            <a:alphaOff val="0"/>
+          </a:schemeClr>
+        </a:solidFill>
+        <a:ln w="19050" cap="flat" cmpd="sng" algn="ctr">
+          <a:solidFill>
+            <a:schemeClr val="lt1">
+              <a:hueOff val="0"/>
+              <a:satOff val="0"/>
+              <a:lumOff val="0"/>
+              <a:alphaOff val="0"/>
+            </a:schemeClr>
+          </a:solidFill>
+          <a:prstDash val="solid"/>
+          <a:miter lim="800000"/>
+        </a:ln>
+        <a:effectLst/>
+      </dsp:spPr>
+      <dsp:style>
+        <a:lnRef idx="2">
+          <a:scrgbClr r="0" g="0" b="0"/>
+        </a:lnRef>
+        <a:fillRef idx="1">
+          <a:scrgbClr r="0" g="0" b="0"/>
+        </a:fillRef>
+        <a:effectRef idx="0">
+          <a:scrgbClr r="0" g="0" b="0"/>
+        </a:effectRef>
+        <a:fontRef idx="minor">
+          <a:schemeClr val="lt1"/>
+        </a:fontRef>
+      </dsp:style>
+      <dsp:txBody>
+        <a:bodyPr spcFirstLastPara="0" vert="horz" wrap="square" lIns="178091" tIns="0" rIns="178091" bIns="0" numCol="1" spcCol="1270" anchor="ctr" anchorCtr="0">
+          <a:noAutofit/>
+        </a:bodyPr>
+        <a:lstStyle/>
+        <a:p>
+          <a:pPr marL="0" lvl="0" indent="0" algn="l" defTabSz="844550">
+            <a:lnSpc>
+              <a:spcPct val="100000"/>
+            </a:lnSpc>
+            <a:spcBef>
+              <a:spcPct val="0"/>
+            </a:spcBef>
+            <a:spcAft>
+              <a:spcPct val="35000"/>
+            </a:spcAft>
+            <a:buNone/>
+          </a:pPr>
+          <a:r>
+            <a:rPr lang="en-US" sz="1900" kern="1200">
+              <a:latin typeface="Aptos Display" panose="02110004020202020204"/>
+            </a:rPr>
+            <a:t>Dataset</a:t>
+          </a:r>
+          <a:endParaRPr lang="en-US" sz="1900" kern="1200"/>
+        </a:p>
+      </dsp:txBody>
+      <dsp:txXfrm>
+        <a:off x="363929" y="161441"/>
+        <a:ext cx="4656939" cy="506120"/>
+      </dsp:txXfrm>
+    </dsp:sp>
+    <dsp:sp modelId="{CDEC3D3A-7A56-401F-B2DA-2EF718D8435A}">
+      <dsp:nvSpPr>
+        <dsp:cNvPr id="0" name=""/>
+        <dsp:cNvSpPr/>
+      </dsp:nvSpPr>
+      <dsp:spPr>
+        <a:xfrm>
+          <a:off x="0" y="1904767"/>
+          <a:ext cx="6730999" cy="807975"/>
+        </a:xfrm>
+        <a:prstGeom prst="rect">
+          <a:avLst/>
+        </a:prstGeom>
+        <a:solidFill>
+          <a:schemeClr val="lt1">
+            <a:alpha val="90000"/>
+            <a:hueOff val="0"/>
+            <a:satOff val="0"/>
+            <a:lumOff val="0"/>
+            <a:alphaOff val="0"/>
+          </a:schemeClr>
+        </a:solidFill>
+        <a:ln w="19050" cap="flat" cmpd="sng" algn="ctr">
+          <a:solidFill>
+            <a:schemeClr val="accent1">
+              <a:hueOff val="0"/>
+              <a:satOff val="0"/>
+              <a:lumOff val="0"/>
+              <a:alphaOff val="0"/>
+            </a:schemeClr>
+          </a:solidFill>
+          <a:prstDash val="solid"/>
+          <a:miter lim="800000"/>
+        </a:ln>
+        <a:effectLst/>
+      </dsp:spPr>
+      <dsp:style>
+        <a:lnRef idx="2">
+          <a:scrgbClr r="0" g="0" b="0"/>
+        </a:lnRef>
+        <a:fillRef idx="1">
+          <a:scrgbClr r="0" g="0" b="0"/>
+        </a:fillRef>
+        <a:effectRef idx="0">
+          <a:scrgbClr r="0" g="0" b="0"/>
+        </a:effectRef>
+        <a:fontRef idx="minor"/>
+      </dsp:style>
+      <dsp:txBody>
+        <a:bodyPr spcFirstLastPara="0" vert="horz" wrap="square" lIns="522400" tIns="395732" rIns="522400" bIns="135128" numCol="1" spcCol="1270" anchor="t" anchorCtr="0">
+          <a:noAutofit/>
+        </a:bodyPr>
+        <a:lstStyle/>
+        <a:p>
+          <a:pPr marL="171450" lvl="1" indent="-171450" algn="l" defTabSz="844550" rtl="0">
+            <a:lnSpc>
+              <a:spcPct val="90000"/>
+            </a:lnSpc>
+            <a:spcBef>
+              <a:spcPct val="0"/>
+            </a:spcBef>
+            <a:spcAft>
+              <a:spcPct val="15000"/>
+            </a:spcAft>
+            <a:buChar char="•"/>
+          </a:pPr>
+          <a:r>
+            <a:rPr lang="en-US" sz="1900" kern="1200">
+              <a:latin typeface="Aptos Display" panose="02110004020202020204"/>
+            </a:rPr>
+            <a:t> </a:t>
+          </a:r>
+          <a:r>
+            <a:rPr lang="en-US" sz="1900" kern="1200"/>
+            <a:t>Identify </a:t>
+          </a:r>
+          <a:r>
+            <a:rPr lang="en-US" sz="1900" kern="1200">
+              <a:latin typeface="Aptos Display" panose="02110004020202020204"/>
+            </a:rPr>
+            <a:t>pattern, outliers</a:t>
+          </a:r>
+          <a:r>
+            <a:rPr lang="en-US" sz="1900" kern="1200"/>
+            <a:t>, skewness &amp; imbalance.</a:t>
+          </a:r>
+          <a:r>
+            <a:rPr lang="en-US" sz="1900" kern="1200">
+              <a:latin typeface="Aptos Display" panose="02110004020202020204"/>
+            </a:rPr>
+            <a:t> </a:t>
+          </a:r>
+          <a:endParaRPr lang="en-US" sz="1900" kern="1200"/>
+        </a:p>
+      </dsp:txBody>
+      <dsp:txXfrm>
+        <a:off x="0" y="1904767"/>
+        <a:ext cx="6730999" cy="807975"/>
+      </dsp:txXfrm>
+    </dsp:sp>
+    <dsp:sp modelId="{AFE7468B-78AA-4A9D-BE7D-7166433F6D48}">
+      <dsp:nvSpPr>
+        <dsp:cNvPr id="0" name=""/>
+        <dsp:cNvSpPr/>
+      </dsp:nvSpPr>
+      <dsp:spPr>
+        <a:xfrm>
+          <a:off x="336549" y="1624327"/>
+          <a:ext cx="4711699" cy="560880"/>
+        </a:xfrm>
+        <a:prstGeom prst="roundRect">
+          <a:avLst/>
+        </a:prstGeom>
+        <a:solidFill>
+          <a:schemeClr val="accent1">
+            <a:hueOff val="0"/>
+            <a:satOff val="0"/>
+            <a:lumOff val="0"/>
+            <a:alphaOff val="0"/>
+          </a:schemeClr>
+        </a:solidFill>
+        <a:ln w="19050" cap="flat" cmpd="sng" algn="ctr">
+          <a:solidFill>
+            <a:schemeClr val="lt1">
+              <a:hueOff val="0"/>
+              <a:satOff val="0"/>
+              <a:lumOff val="0"/>
+              <a:alphaOff val="0"/>
+            </a:schemeClr>
+          </a:solidFill>
+          <a:prstDash val="solid"/>
+          <a:miter lim="800000"/>
+        </a:ln>
+        <a:effectLst/>
+      </dsp:spPr>
+      <dsp:style>
+        <a:lnRef idx="2">
+          <a:scrgbClr r="0" g="0" b="0"/>
+        </a:lnRef>
+        <a:fillRef idx="1">
+          <a:scrgbClr r="0" g="0" b="0"/>
+        </a:fillRef>
+        <a:effectRef idx="0">
+          <a:scrgbClr r="0" g="0" b="0"/>
+        </a:effectRef>
+        <a:fontRef idx="minor">
+          <a:schemeClr val="lt1"/>
+        </a:fontRef>
+      </dsp:style>
+      <dsp:txBody>
+        <a:bodyPr spcFirstLastPara="0" vert="horz" wrap="square" lIns="178091" tIns="0" rIns="178091" bIns="0" numCol="1" spcCol="1270" anchor="ctr" anchorCtr="0">
+          <a:noAutofit/>
+        </a:bodyPr>
+        <a:lstStyle/>
+        <a:p>
+          <a:pPr marL="0" lvl="0" indent="0" algn="l" defTabSz="844550">
+            <a:lnSpc>
+              <a:spcPct val="90000"/>
+            </a:lnSpc>
+            <a:spcBef>
+              <a:spcPct val="0"/>
+            </a:spcBef>
+            <a:spcAft>
+              <a:spcPct val="35000"/>
+            </a:spcAft>
+            <a:buNone/>
+          </a:pPr>
+          <a:r>
+            <a:rPr lang="en-US" sz="1900" kern="1200">
+              <a:latin typeface="Aptos Display" panose="02110004020202020204"/>
+            </a:rPr>
+            <a:t>EDA</a:t>
+          </a:r>
+          <a:endParaRPr lang="en-US" sz="1900" kern="1200"/>
+        </a:p>
+      </dsp:txBody>
+      <dsp:txXfrm>
+        <a:off x="363929" y="1651707"/>
+        <a:ext cx="4656939" cy="506120"/>
+      </dsp:txXfrm>
+    </dsp:sp>
+    <dsp:sp modelId="{A80DF9EF-2D52-4300-8A46-D7018F3EAD2A}">
+      <dsp:nvSpPr>
+        <dsp:cNvPr id="0" name=""/>
+        <dsp:cNvSpPr/>
+      </dsp:nvSpPr>
+      <dsp:spPr>
+        <a:xfrm>
+          <a:off x="0" y="3095781"/>
+          <a:ext cx="6730999" cy="807975"/>
+        </a:xfrm>
+        <a:prstGeom prst="rect">
+          <a:avLst/>
+        </a:prstGeom>
+        <a:solidFill>
+          <a:schemeClr val="lt1">
+            <a:alpha val="90000"/>
+            <a:hueOff val="0"/>
+            <a:satOff val="0"/>
+            <a:lumOff val="0"/>
+            <a:alphaOff val="0"/>
+          </a:schemeClr>
+        </a:solidFill>
+        <a:ln w="19050" cap="flat" cmpd="sng" algn="ctr">
+          <a:solidFill>
+            <a:schemeClr val="accent1">
+              <a:hueOff val="0"/>
+              <a:satOff val="0"/>
+              <a:lumOff val="0"/>
+              <a:alphaOff val="0"/>
+            </a:schemeClr>
+          </a:solidFill>
+          <a:prstDash val="solid"/>
+          <a:miter lim="800000"/>
+        </a:ln>
+        <a:effectLst/>
+      </dsp:spPr>
+      <dsp:style>
+        <a:lnRef idx="2">
+          <a:scrgbClr r="0" g="0" b="0"/>
+        </a:lnRef>
+        <a:fillRef idx="1">
+          <a:scrgbClr r="0" g="0" b="0"/>
+        </a:fillRef>
+        <a:effectRef idx="0">
+          <a:scrgbClr r="0" g="0" b="0"/>
+        </a:effectRef>
+        <a:fontRef idx="minor"/>
+      </dsp:style>
+      <dsp:txBody>
+        <a:bodyPr spcFirstLastPara="0" vert="horz" wrap="square" lIns="522400" tIns="395732" rIns="522400" bIns="135128" numCol="1" spcCol="1270" anchor="t" anchorCtr="0">
+          <a:noAutofit/>
+        </a:bodyPr>
+        <a:lstStyle/>
+        <a:p>
+          <a:pPr marL="171450" lvl="1" indent="-171450" algn="l" defTabSz="844550" rtl="0">
+            <a:lnSpc>
+              <a:spcPct val="90000"/>
+            </a:lnSpc>
+            <a:spcBef>
+              <a:spcPct val="0"/>
+            </a:spcBef>
+            <a:spcAft>
+              <a:spcPct val="15000"/>
+            </a:spcAft>
+            <a:buChar char="•"/>
+          </a:pPr>
+          <a:r>
+            <a:rPr lang="en-US" sz="1900" kern="1200">
+              <a:latin typeface="Aptos Display" panose="02110004020202020204"/>
+            </a:rPr>
+            <a:t> </a:t>
+          </a:r>
+          <a:r>
+            <a:rPr lang="en-US" sz="1900" kern="1200"/>
+            <a:t>Address EDA issue</a:t>
+          </a:r>
+        </a:p>
+      </dsp:txBody>
+      <dsp:txXfrm>
+        <a:off x="0" y="3095781"/>
+        <a:ext cx="6730999" cy="807975"/>
+      </dsp:txXfrm>
+    </dsp:sp>
+    <dsp:sp modelId="{61DF0A79-6967-4621-854E-02A7ABEBB7D8}">
+      <dsp:nvSpPr>
+        <dsp:cNvPr id="0" name=""/>
+        <dsp:cNvSpPr/>
+      </dsp:nvSpPr>
+      <dsp:spPr>
+        <a:xfrm>
+          <a:off x="336549" y="2815342"/>
+          <a:ext cx="4711699" cy="560880"/>
+        </a:xfrm>
+        <a:prstGeom prst="roundRect">
+          <a:avLst/>
+        </a:prstGeom>
+        <a:solidFill>
+          <a:schemeClr val="accent1">
+            <a:hueOff val="0"/>
+            <a:satOff val="0"/>
+            <a:lumOff val="0"/>
+            <a:alphaOff val="0"/>
+          </a:schemeClr>
+        </a:solidFill>
+        <a:ln w="19050" cap="flat" cmpd="sng" algn="ctr">
+          <a:solidFill>
+            <a:schemeClr val="lt1">
+              <a:hueOff val="0"/>
+              <a:satOff val="0"/>
+              <a:lumOff val="0"/>
+              <a:alphaOff val="0"/>
+            </a:schemeClr>
+          </a:solidFill>
+          <a:prstDash val="solid"/>
+          <a:miter lim="800000"/>
+        </a:ln>
+        <a:effectLst/>
+      </dsp:spPr>
+      <dsp:style>
+        <a:lnRef idx="2">
+          <a:scrgbClr r="0" g="0" b="0"/>
+        </a:lnRef>
+        <a:fillRef idx="1">
+          <a:scrgbClr r="0" g="0" b="0"/>
+        </a:fillRef>
+        <a:effectRef idx="0">
+          <a:scrgbClr r="0" g="0" b="0"/>
+        </a:effectRef>
+        <a:fontRef idx="minor">
+          <a:schemeClr val="lt1"/>
+        </a:fontRef>
+      </dsp:style>
+      <dsp:txBody>
+        <a:bodyPr spcFirstLastPara="0" vert="horz" wrap="square" lIns="178091" tIns="0" rIns="178091" bIns="0" numCol="1" spcCol="1270" anchor="ctr" anchorCtr="0">
+          <a:noAutofit/>
+        </a:bodyPr>
+        <a:lstStyle/>
+        <a:p>
+          <a:pPr marL="0" lvl="0" indent="0" algn="l" defTabSz="844550" rtl="0">
+            <a:lnSpc>
+              <a:spcPct val="90000"/>
+            </a:lnSpc>
+            <a:spcBef>
+              <a:spcPct val="0"/>
+            </a:spcBef>
+            <a:spcAft>
+              <a:spcPct val="35000"/>
+            </a:spcAft>
+            <a:buNone/>
+          </a:pPr>
+          <a:r>
+            <a:rPr lang="en-US" sz="1900" kern="1200">
+              <a:latin typeface="Aptos Display" panose="02110004020202020204"/>
+            </a:rPr>
+            <a:t>Pre-Processing</a:t>
+          </a:r>
+          <a:endParaRPr lang="en-US" sz="1900" kern="1200"/>
+        </a:p>
+      </dsp:txBody>
+      <dsp:txXfrm>
+        <a:off x="363929" y="2842722"/>
+        <a:ext cx="4656939" cy="506120"/>
+      </dsp:txXfrm>
+    </dsp:sp>
+    <dsp:sp modelId="{8203ED82-1C1B-4C49-9C06-7E6838A50CF5}">
+      <dsp:nvSpPr>
+        <dsp:cNvPr id="0" name=""/>
+        <dsp:cNvSpPr/>
+      </dsp:nvSpPr>
+      <dsp:spPr>
+        <a:xfrm>
+          <a:off x="0" y="4286796"/>
+          <a:ext cx="6730999" cy="807975"/>
+        </a:xfrm>
+        <a:prstGeom prst="rect">
+          <a:avLst/>
+        </a:prstGeom>
+        <a:solidFill>
+          <a:schemeClr val="lt1">
+            <a:alpha val="90000"/>
+            <a:hueOff val="0"/>
+            <a:satOff val="0"/>
+            <a:lumOff val="0"/>
+            <a:alphaOff val="0"/>
+          </a:schemeClr>
+        </a:solidFill>
+        <a:ln w="19050" cap="flat" cmpd="sng" algn="ctr">
+          <a:solidFill>
+            <a:schemeClr val="accent1">
+              <a:hueOff val="0"/>
+              <a:satOff val="0"/>
+              <a:lumOff val="0"/>
+              <a:alphaOff val="0"/>
+            </a:schemeClr>
+          </a:solidFill>
+          <a:prstDash val="solid"/>
+          <a:miter lim="800000"/>
+        </a:ln>
+        <a:effectLst/>
+      </dsp:spPr>
+      <dsp:style>
+        <a:lnRef idx="2">
+          <a:scrgbClr r="0" g="0" b="0"/>
+        </a:lnRef>
+        <a:fillRef idx="1">
+          <a:scrgbClr r="0" g="0" b="0"/>
+        </a:fillRef>
+        <a:effectRef idx="0">
+          <a:scrgbClr r="0" g="0" b="0"/>
+        </a:effectRef>
+        <a:fontRef idx="minor"/>
+      </dsp:style>
+      <dsp:txBody>
+        <a:bodyPr spcFirstLastPara="0" vert="horz" wrap="square" lIns="522400" tIns="395732" rIns="522400" bIns="135128" numCol="1" spcCol="1270" anchor="t" anchorCtr="0">
+          <a:noAutofit/>
+        </a:bodyPr>
+        <a:lstStyle/>
+        <a:p>
+          <a:pPr marL="171450" lvl="1" indent="-171450" algn="l" defTabSz="844550" rtl="0">
+            <a:lnSpc>
+              <a:spcPct val="90000"/>
+            </a:lnSpc>
+            <a:spcBef>
+              <a:spcPct val="0"/>
+            </a:spcBef>
+            <a:spcAft>
+              <a:spcPct val="15000"/>
+            </a:spcAft>
+            <a:buChar char="•"/>
+          </a:pPr>
+          <a:r>
+            <a:rPr lang="en-US" sz="1900" kern="1200"/>
+            <a:t>Fit, predict, evaluate with several ML model</a:t>
+          </a:r>
+          <a:endParaRPr lang="en-US" sz="1900" kern="1200">
+            <a:latin typeface="Aptos Display" panose="02110004020202020204"/>
+          </a:endParaRPr>
+        </a:p>
+      </dsp:txBody>
+      <dsp:txXfrm>
+        <a:off x="0" y="4286796"/>
+        <a:ext cx="6730999" cy="807975"/>
+      </dsp:txXfrm>
+    </dsp:sp>
+    <dsp:sp modelId="{46A60E9B-5E31-4DA7-A2D1-A69C15FD3B05}">
+      <dsp:nvSpPr>
+        <dsp:cNvPr id="0" name=""/>
+        <dsp:cNvSpPr/>
+      </dsp:nvSpPr>
+      <dsp:spPr>
+        <a:xfrm>
+          <a:off x="336549" y="4006357"/>
+          <a:ext cx="4711699" cy="560880"/>
+        </a:xfrm>
+        <a:prstGeom prst="roundRect">
+          <a:avLst/>
+        </a:prstGeom>
+        <a:solidFill>
+          <a:schemeClr val="accent1">
+            <a:hueOff val="0"/>
+            <a:satOff val="0"/>
+            <a:lumOff val="0"/>
+            <a:alphaOff val="0"/>
+          </a:schemeClr>
+        </a:solidFill>
+        <a:ln w="19050" cap="flat" cmpd="sng" algn="ctr">
+          <a:solidFill>
+            <a:schemeClr val="lt1">
+              <a:hueOff val="0"/>
+              <a:satOff val="0"/>
+              <a:lumOff val="0"/>
+              <a:alphaOff val="0"/>
+            </a:schemeClr>
+          </a:solidFill>
+          <a:prstDash val="solid"/>
+          <a:miter lim="800000"/>
+        </a:ln>
+        <a:effectLst/>
+      </dsp:spPr>
+      <dsp:style>
+        <a:lnRef idx="2">
+          <a:scrgbClr r="0" g="0" b="0"/>
+        </a:lnRef>
+        <a:fillRef idx="1">
+          <a:scrgbClr r="0" g="0" b="0"/>
+        </a:fillRef>
+        <a:effectRef idx="0">
+          <a:scrgbClr r="0" g="0" b="0"/>
+        </a:effectRef>
+        <a:fontRef idx="minor">
+          <a:schemeClr val="lt1"/>
+        </a:fontRef>
+      </dsp:style>
+      <dsp:txBody>
+        <a:bodyPr spcFirstLastPara="0" vert="horz" wrap="square" lIns="178091" tIns="0" rIns="178091" bIns="0" numCol="1" spcCol="1270" anchor="ctr" anchorCtr="0">
+          <a:noAutofit/>
+        </a:bodyPr>
+        <a:lstStyle/>
+        <a:p>
+          <a:pPr marL="0" lvl="0" indent="0" algn="l" defTabSz="844550">
+            <a:lnSpc>
+              <a:spcPct val="90000"/>
+            </a:lnSpc>
+            <a:spcBef>
+              <a:spcPct val="0"/>
+            </a:spcBef>
+            <a:spcAft>
+              <a:spcPct val="35000"/>
+            </a:spcAft>
+            <a:buNone/>
+          </a:pPr>
+          <a:r>
+            <a:rPr lang="en-US" sz="1900" kern="1200"/>
+            <a:t>Modeling</a:t>
+          </a:r>
+        </a:p>
+      </dsp:txBody>
+      <dsp:txXfrm>
+        <a:off x="363929" y="4033737"/>
+        <a:ext cx="4656939" cy="506120"/>
+      </dsp:txXfrm>
+    </dsp:sp>
+    <dsp:sp modelId="{670096F5-8351-43B3-A4C4-DC222E93BC44}">
+      <dsp:nvSpPr>
+        <dsp:cNvPr id="0" name=""/>
+        <dsp:cNvSpPr/>
+      </dsp:nvSpPr>
+      <dsp:spPr>
+        <a:xfrm>
+          <a:off x="0" y="5477812"/>
+          <a:ext cx="6730999" cy="807975"/>
+        </a:xfrm>
+        <a:prstGeom prst="rect">
+          <a:avLst/>
+        </a:prstGeom>
+        <a:solidFill>
+          <a:schemeClr val="lt1">
+            <a:alpha val="90000"/>
+            <a:hueOff val="0"/>
+            <a:satOff val="0"/>
+            <a:lumOff val="0"/>
+            <a:alphaOff val="0"/>
+          </a:schemeClr>
+        </a:solidFill>
+        <a:ln w="19050" cap="flat" cmpd="sng" algn="ctr">
+          <a:solidFill>
+            <a:schemeClr val="accent1">
+              <a:hueOff val="0"/>
+              <a:satOff val="0"/>
+              <a:lumOff val="0"/>
+              <a:alphaOff val="0"/>
+            </a:schemeClr>
+          </a:solidFill>
+          <a:prstDash val="solid"/>
+          <a:miter lim="800000"/>
+        </a:ln>
+        <a:effectLst/>
+      </dsp:spPr>
+      <dsp:style>
+        <a:lnRef idx="2">
+          <a:scrgbClr r="0" g="0" b="0"/>
+        </a:lnRef>
+        <a:fillRef idx="1">
+          <a:scrgbClr r="0" g="0" b="0"/>
+        </a:fillRef>
+        <a:effectRef idx="0">
+          <a:scrgbClr r="0" g="0" b="0"/>
+        </a:effectRef>
+        <a:fontRef idx="minor"/>
+      </dsp:style>
+      <dsp:txBody>
+        <a:bodyPr spcFirstLastPara="0" vert="horz" wrap="square" lIns="522400" tIns="395732" rIns="522400" bIns="135128" numCol="1" spcCol="1270" anchor="t" anchorCtr="0">
+          <a:noAutofit/>
+        </a:bodyPr>
+        <a:lstStyle/>
+        <a:p>
+          <a:pPr marL="171450" lvl="1" indent="-171450" algn="l" defTabSz="844550" rtl="0">
+            <a:lnSpc>
+              <a:spcPct val="90000"/>
+            </a:lnSpc>
+            <a:spcBef>
+              <a:spcPct val="0"/>
+            </a:spcBef>
+            <a:spcAft>
+              <a:spcPct val="15000"/>
+            </a:spcAft>
+            <a:buChar char="•"/>
+          </a:pPr>
+          <a:r>
+            <a:rPr lang="en-US" sz="1900" kern="1200"/>
+            <a:t>Optimize the best model</a:t>
+          </a:r>
+          <a:endParaRPr lang="en-US" sz="1900" kern="1200">
+            <a:latin typeface="Aptos Display" panose="02110004020202020204"/>
+          </a:endParaRPr>
+        </a:p>
+      </dsp:txBody>
+      <dsp:txXfrm>
+        <a:off x="0" y="5477812"/>
+        <a:ext cx="6730999" cy="807975"/>
+      </dsp:txXfrm>
+    </dsp:sp>
+    <dsp:sp modelId="{DBC2410A-6247-417E-8347-27FD87F44F34}">
+      <dsp:nvSpPr>
+        <dsp:cNvPr id="0" name=""/>
+        <dsp:cNvSpPr/>
+      </dsp:nvSpPr>
+      <dsp:spPr>
+        <a:xfrm>
+          <a:off x="336549" y="5197371"/>
+          <a:ext cx="4711699" cy="560880"/>
+        </a:xfrm>
+        <a:prstGeom prst="roundRect">
+          <a:avLst/>
+        </a:prstGeom>
+        <a:solidFill>
+          <a:schemeClr val="accent1">
+            <a:hueOff val="0"/>
+            <a:satOff val="0"/>
+            <a:lumOff val="0"/>
+            <a:alphaOff val="0"/>
+          </a:schemeClr>
+        </a:solidFill>
+        <a:ln w="19050" cap="flat" cmpd="sng" algn="ctr">
+          <a:solidFill>
+            <a:schemeClr val="lt1">
+              <a:hueOff val="0"/>
+              <a:satOff val="0"/>
+              <a:lumOff val="0"/>
+              <a:alphaOff val="0"/>
+            </a:schemeClr>
+          </a:solidFill>
+          <a:prstDash val="solid"/>
+          <a:miter lim="800000"/>
+        </a:ln>
+        <a:effectLst/>
+      </dsp:spPr>
+      <dsp:style>
+        <a:lnRef idx="2">
+          <a:scrgbClr r="0" g="0" b="0"/>
+        </a:lnRef>
+        <a:fillRef idx="1">
+          <a:scrgbClr r="0" g="0" b="0"/>
+        </a:fillRef>
+        <a:effectRef idx="0">
+          <a:scrgbClr r="0" g="0" b="0"/>
+        </a:effectRef>
+        <a:fontRef idx="minor">
+          <a:schemeClr val="lt1"/>
+        </a:fontRef>
+      </dsp:style>
+      <dsp:txBody>
+        <a:bodyPr spcFirstLastPara="0" vert="horz" wrap="square" lIns="178091" tIns="0" rIns="178091" bIns="0" numCol="1" spcCol="1270" anchor="ctr" anchorCtr="0">
+          <a:noAutofit/>
+        </a:bodyPr>
+        <a:lstStyle/>
+        <a:p>
+          <a:pPr marL="0" lvl="0" indent="0" algn="l" defTabSz="844550">
+            <a:lnSpc>
+              <a:spcPct val="90000"/>
+            </a:lnSpc>
+            <a:spcBef>
+              <a:spcPct val="0"/>
+            </a:spcBef>
+            <a:spcAft>
+              <a:spcPct val="35000"/>
+            </a:spcAft>
+            <a:buNone/>
+          </a:pPr>
+          <a:r>
+            <a:rPr lang="en-US" sz="1900" kern="1200"/>
+            <a:t>Tuning</a:t>
+          </a:r>
+        </a:p>
+      </dsp:txBody>
+      <dsp:txXfrm>
+        <a:off x="363929" y="5224751"/>
+        <a:ext cx="4656939" cy="506120"/>
+      </dsp:txXfrm>
+    </dsp:sp>
+  </dsp:spTree>
+</dsp:drawing>
+</file>
+
+<file path=ppt/diagrams/layout1.xml><?xml version="1.0" encoding="utf-8"?>
+<dgm:layoutDef xmlns:dgm="http://schemas.openxmlformats.org/drawingml/2006/diagram" xmlns:a="http://schemas.openxmlformats.org/drawingml/2006/main" uniqueId="urn:microsoft.com/office/officeart/2005/8/layout/list1">
+  <dgm:title val=""/>
+  <dgm:desc val=""/>
+  <dgm:catLst>
+    <dgm:cat type="list" pri="4000"/>
+  </dgm:catLst>
+  <dgm:sampData>
+    <dgm:dataModel>
+      <dgm:ptLst>
+        <dgm:pt modelId="0" type="doc"/>
+        <dgm:pt modelId="1">
+          <dgm:prSet phldr="1"/>
+        </dgm:pt>
+        <dgm:pt modelId="2">
+          <dgm:prSet phldr="1"/>
+        </dgm:pt>
+        <dgm:pt modelId="3">
+          <dgm:prSet phldr="1"/>
+        </dgm:pt>
+      </dgm:ptLst>
+      <dgm:cxnLst>
+        <dgm:cxn modelId="4" srcId="0" destId="1" srcOrd="0" destOrd="0"/>
+        <dgm:cxn modelId="5" srcId="0" destId="2" srcOrd="1" destOrd="0"/>
+        <dgm:cxn modelId="6" srcId="0" destId="3" srcOrd="2" destOrd="0"/>
+      </dgm:cxnLst>
+      <dgm:bg/>
+      <dgm:whole/>
+    </dgm:dataModel>
+  </dgm:sampData>
+  <dgm:styleData>
+    <dgm:dataModel>
+      <dgm:ptLst>
+        <dgm:pt modelId="0" type="doc"/>
+        <dgm:pt modelId="1"/>
+        <dgm:pt modelId="2"/>
+      </dgm:ptLst>
+      <dgm:cxnLst>
+        <dgm:cxn modelId="4" srcId="0" destId="1" srcOrd="0" destOrd="0"/>
+        <dgm:cxn modelId="5" srcId="0" destId="2" srcOrd="1" destOrd="0"/>
+      </dgm:cxnLst>
+      <dgm:bg/>
+      <dgm:whole/>
+    </dgm:dataModel>
+  </dgm:styleData>
+  <dgm:clrData>
+    <dgm:dataModel>
+      <dgm:ptLst>
+        <dgm:pt modelId="0" type="doc"/>
+        <dgm:pt modelId="1"/>
+        <dgm:pt modelId="2"/>
+        <dgm:pt modelId="3"/>
+        <dgm:pt modelId="4"/>
+      </dgm:ptLst>
+      <dgm:cxnLst>
+        <dgm:cxn modelId="5" srcId="0" destId="1" srcOrd="0" destOrd="0"/>
+        <dgm:cxn modelId="6" srcId="0" destId="2" srcOrd="1" destOrd="0"/>
+        <dgm:cxn modelId="7" srcId="0" destId="3" srcOrd="2" destOrd="0"/>
+        <dgm:cxn modelId="8" srcId="0" destId="4" srcOrd="3" destOrd="0"/>
+      </dgm:cxnLst>
+      <dgm:bg/>
+      <dgm:whole/>
+    </dgm:dataModel>
+  </dgm:clrData>
+  <dgm:layoutNode name="linear">
+    <dgm:varLst>
+      <dgm:dir/>
+      <dgm:animLvl val="lvl"/>
+      <dgm:resizeHandles val="exact"/>
+    </dgm:varLst>
+    <dgm:choose name="Name0">
+      <dgm:if name="Name1" func="var" arg="dir" op="equ" val="norm">
+        <dgm:alg type="lin">
+          <dgm:param type="linDir" val="fromT"/>
+          <dgm:param type="vertAlign" val="mid"/>
+          <dgm:param type="horzAlign" val="l"/>
+          <dgm:param type="nodeHorzAlign" val="l"/>
+        </dgm:alg>
+      </dgm:if>
+      <dgm:else name="Name2">
+        <dgm:alg type="lin">
+          <dgm:param type="linDir" val="fromT"/>
+          <dgm:param type="vertAlign" val="mid"/>
+          <dgm:param type="horzAlign" val="r"/>
+          <dgm:param type="nodeHorzAlign" val="r"/>
+        </dgm:alg>
+      </dgm:else>
+    </dgm:choose>
+    <dgm:shape xmlns:r="http://schemas.openxmlformats.org/officeDocument/2006/relationships" r:blip="">
+      <dgm:adjLst/>
+    </dgm:shape>
+    <dgm:presOf/>
+    <dgm:constrLst>
+      <dgm:constr type="w" for="ch" forName="parentLin" refType="w"/>
+      <dgm:constr type="h" for="ch" forName="parentLin" val="INF"/>
+      <dgm:constr type="w" for="des" forName="parentLeftMargin" refType="w" fact="0.05"/>
+      <dgm:constr type="w" for="des" forName="parentText" refType="w" fact="0.7"/>
+      <dgm:constr type="h" for="des" forName="parentText" refType="primFontSz" refFor="des" refForName="parentText" fact="0.82"/>
+      <dgm:constr type="h" for="ch" forName="negativeSpace" refType="primFontSz" refFor="des" refForName="parentText" fact="-0.41"/>
+      <dgm:constr type="h" for="ch" forName="negativeSpace" refType="h" refFor="des" refForName="parentText" op="lte" fact="-0.82"/>
+      <dgm:constr type="h" for="ch" forName="negativeSpace" refType="h" refFor="des" refForName="parentText" op="gte" fact="-0.82"/>
+      <dgm:constr type="w" for="ch" forName="childText" refType="w"/>
+      <dgm:constr type="h" for="ch" forName="childText" refType="primFontSz" refFor="des" refForName="parentText" fact="0.7"/>
+      <dgm:constr type="primFontSz" for="des" forName="parentText" val="65"/>
+      <dgm:constr type="primFontSz" for="ch" forName="childText" refType="primFontSz" refFor="des" refForName="parentText"/>
+      <dgm:constr type="tMarg" for="ch" forName="childText" refType="primFontSz" refFor="des" refForName="parentText" fact="1.64"/>
+      <dgm:constr type="tMarg" for="ch" forName="childText" refType="h" refFor="des" refForName="parentText" op="lte" fact="3.28"/>
+      <dgm:constr type="tMarg" for="ch" forName="childText" refType="h" refFor="des" refForName="parentText" op="gte" fact="3.28"/>
+      <dgm:constr type="lMarg" for="ch" forName="childText" refType="w" fact="0.22"/>
+      <dgm:constr type="rMarg" for="ch" forName="childText" refType="lMarg" refFor="ch" refForName="childText"/>
+      <dgm:constr type="lMarg" for="des" forName="parentText" refType="w" fact="0.075"/>
+      <dgm:constr type="rMarg" for="des" forName="parentText" refType="lMarg" refFor="des" refForName="parentText"/>
+      <dgm:constr type="h" for="ch" forName="spaceBetweenRectangles" refType="primFontSz" refFor="des" refForName="parentText" fact="0.15"/>
+    </dgm:constrLst>
+    <dgm:ruleLst>
+      <dgm:rule type="primFontSz" for="des" forName="parentText" val="5" fact="NaN" max="NaN"/>
+    </dgm:ruleLst>
+    <dgm:forEach name="Name3" axis="ch" ptType="node">
+      <dgm:layoutNode name="parentLin">
+        <dgm:choose name="Name4">
+          <dgm:if name="Name5" func="var" arg="dir" op="equ" val="norm">
+            <dgm:alg type="lin">
+              <dgm:param type="linDir" val="fromL"/>
+              <dgm:param type="horzAlign" val="l"/>
+              <dgm:param type="nodeHorzAlign" val="l"/>
+            </dgm:alg>
+          </dgm:if>
+          <dgm:else name="Name6">
+            <dgm:alg type="lin">
+              <dgm:param type="linDir" val="fromR"/>
+              <dgm:param type="horzAlign" val="r"/>
+              <dgm:param type="nodeHorzAlign" val="r"/>
+            </dgm:alg>
+          </dgm:else>
+        </dgm:choose>
+        <dgm:shape xmlns:r="http://schemas.openxmlformats.org/officeDocument/2006/relationships" r:blip="">
+          <dgm:adjLst/>
+        </dgm:shape>
+        <dgm:presOf/>
+        <dgm:constrLst/>
+        <dgm:ruleLst/>
+        <dgm:layoutNode name="parentLeftMargin">
+          <dgm:alg type="sp"/>
+          <dgm:shape xmlns:r="http://schemas.openxmlformats.org/officeDocument/2006/relationships" type="rect" r:blip="" hideGeom="1">
+            <dgm:adjLst/>
+          </dgm:shape>
+          <dgm:presOf axis="self"/>
+          <dgm:constrLst>
+            <dgm:constr type="h"/>
+          </dgm:constrLst>
+          <dgm:ruleLst/>
+        </dgm:layoutNode>
+        <dgm:layoutNode name="parentText" styleLbl="node1">
+          <dgm:varLst>
+            <dgm:chMax val="0"/>
+            <dgm:bulletEnabled val="1"/>
+          </dgm:varLst>
+          <dgm:choose name="Name7">
+            <dgm:if name="Name8" func="var" arg="dir" op="equ" val="norm">
+              <dgm:alg type="tx">
+                <dgm:param type="parTxLTRAlign" val="l"/>
+                <dgm:param type="parTxRTLAlign" val="l"/>
+              </dgm:alg>
+            </dgm:if>
+            <dgm:else name="Name9">
+              <dgm:alg type="tx">
+                <dgm:param type="parTxLTRAlign" val="r"/>
+                <dgm:param type="parTxRTLAlign" val="r"/>
+              </dgm:alg>
+            </dgm:else>
+          </dgm:choose>
+          <dgm:shape xmlns:r="http://schemas.openxmlformats.org/officeDocument/2006/relationships" type="roundRect" r:blip="">
+            <dgm:adjLst/>
+          </dgm:shape>
+          <dgm:presOf axis="self" ptType="node"/>
+          <dgm:constrLst>
+            <dgm:constr type="tMarg"/>
+            <dgm:constr type="bMarg"/>
+          </dgm:constrLst>
+          <dgm:ruleLst/>
+        </dgm:layoutNode>
+      </dgm:layoutNode>
+      <dgm:layoutNode name="negativeSpace">
+        <dgm:alg type="sp"/>
+        <dgm:shape xmlns:r="http://schemas.openxmlformats.org/officeDocument/2006/relationships" r:blip="">
+          <dgm:adjLst/>
+        </dgm:shape>
+        <dgm:presOf/>
+        <dgm:constrLst/>
+        <dgm:ruleLst/>
+      </dgm:layoutNode>
+      <dgm:layoutNode name="childText" styleLbl="conFgAcc1">
+        <dgm:varLst>
+          <dgm:bulletEnabled val="1"/>
+        </dgm:varLst>
+        <dgm:alg type="tx">
+          <dgm:param type="stBulletLvl" val="1"/>
+        </dgm:alg>
+        <dgm:shape xmlns:r="http://schemas.openxmlformats.org/officeDocument/2006/relationships" type="rect" r:blip="" zOrderOff="-2">
+          <dgm:adjLst/>
+        </dgm:shape>
+        <dgm:presOf axis="des" ptType="node"/>
+        <dgm:constrLst>
+          <dgm:constr type="secFontSz" refType="primFontSz"/>
+        </dgm:constrLst>
+        <dgm:ruleLst>
+          <dgm:rule type="h" val="INF" fact="NaN" max="NaN"/>
+        </dgm:ruleLst>
+      </dgm:layoutNode>
+      <dgm:forEach name="Name10" axis="followSib" ptType="sibTrans" cnt="1">
+        <dgm:layoutNode name="spaceBetweenRectangles">
+          <dgm:alg type="sp"/>
+          <dgm:shape xmlns:r="http://schemas.openxmlformats.org/officeDocument/2006/relationships" r:blip="">
+            <dgm:adjLst/>
+          </dgm:shape>
+          <dgm:presOf/>
+          <dgm:constrLst/>
+          <dgm:ruleLst/>
+        </dgm:layoutNode>
+      </dgm:forEach>
+    </dgm:forEach>
+  </dgm:layoutNode>
+</dgm:layoutDef>
+</file>
+
+<file path=ppt/diagrams/quickStyle1.xml><?xml version="1.0" encoding="utf-8"?>
+<dgm:styleDef xmlns:dgm="http://schemas.openxmlformats.org/drawingml/2006/diagram" xmlns:a="http://schemas.openxmlformats.org/drawingml/2006/main" uniqueId="urn:microsoft.com/office/officeart/2005/8/quickstyle/simple1">
+  <dgm:title val=""/>
+  <dgm:desc val=""/>
+  <dgm:catLst>
+    <dgm:cat type="simple" pri="10100"/>
+  </dgm:catLst>
+  <dgm:scene3d>
+    <a:camera prst="orthographicFront"/>
+    <a:lightRig rig="threePt" dir="t"/>
+  </dgm:scene3d>
+  <dgm:styleLbl name="node0">
+    <dgm:scene3d>
+      <a:camera prst="orthographicFront"/>
+      <a:lightRig rig="threePt" dir="t"/>
+    </dgm:scene3d>
+    <dgm:sp3d/>
+    <dgm:txPr/>
+    <dgm:style>
+      <a:lnRef idx="2">
+        <a:scrgbClr r="0" g="0" b="0"/>
+      </a:lnRef>
+      <a:fillRef idx="1">
+        <a:scrgbClr r="0" g="0" b="0"/>
+      </a:fillRef>
+      <a:effectRef idx="0">
+        <a:scrgbClr r="0" g="0" b="0"/>
+      </a:effectRef>
+      <a:fontRef idx="minor">
+        <a:schemeClr val="lt1"/>
+      </a:fontRef>
+    </dgm:style>
+  </dgm:styleLbl>
+  <dgm:styleLbl name="lnNode1">
+    <dgm:scene3d>
+      <a:camera prst="orthographicFront"/>
+      <a:lightRig rig="threePt" dir="t"/>
+    </dgm:scene3d>
+    <dgm:sp3d/>
+    <dgm:txPr/>
+    <dgm:style>
+      <a:lnRef idx="2">
+        <a:scrgbClr r="0" g="0" b="0"/>
+      </a:lnRef>
+      <a:fillRef idx="1">
+        <a:scrgbClr r="0" g="0" b="0"/>
+      </a:fillRef>
+      <a:effectRef idx="0">
+        <a:scrgbClr r="0" g="0" b="0"/>
+      </a:effectRef>
+      <a:fontRef idx="minor">
+        <a:schemeClr val="lt1"/>
+      </a:fontRef>
+    </dgm:style>
+  </dgm:styleLbl>
+  <dgm:styleLbl name="vennNode1">
+    <dgm:scene3d>
+      <a:camera prst="orthographicFront"/>
+      <a:lightRig rig="threePt" dir="t"/>
+    </dgm:scene3d>
+    <dgm:sp3d/>
+    <dgm:txPr/>
+    <dgm:style>
+      <a:lnRef idx="2">
+        <a:scrgbClr r="0" g="0" b="0"/>
+      </a:lnRef>
+      <a:fillRef idx="1">
+        <a:scrgbClr r="0" g="0" b="0"/>
+      </a:fillRef>
+      <a:effectRef idx="0">
+        <a:scrgbClr r="0" g="0" b="0"/>
+      </a:effectRef>
+      <a:fontRef idx="minor">
+        <a:schemeClr val="tx1"/>
+      </a:fontRef>
+    </dgm:style>
+  </dgm:styleLbl>
+  <dgm:styleLbl name="alignNode1">
+    <dgm:scene3d>
+      <a:camera prst="orthographicFront"/>
+      <a:lightRig rig="threePt" dir="t"/>
+    </dgm:scene3d>
+    <dgm:sp3d/>
+    <dgm:txPr/>
+    <dgm:style>
+      <a:lnRef idx="2">
+        <a:scrgbClr r="0" g="0" b="0"/>
+      </a:lnRef>
+      <a:fillRef idx="1">
+        <a:scrgbClr r="0" g="0" b="0"/>
+      </a:fillRef>
+      <a:effectRef idx="0">
+        <a:scrgbClr r="0" g="0" b="0"/>
+      </a:effectRef>
+      <a:fontRef idx="minor">
+        <a:schemeClr val="lt1"/>
+      </a:fontRef>
+    </dgm:style>
+  </dgm:styleLbl>
+  <dgm:styleLbl name="node1">
+    <dgm:scene3d>
+      <a:camera prst="orthographicFront"/>
+      <a:lightRig rig="threePt" dir="t"/>
+    </dgm:scene3d>
+    <dgm:sp3d/>
+    <dgm:txPr/>
+    <dgm:style>
+      <a:lnRef idx="2">
+        <a:scrgbClr r="0" g="0" b="0"/>
+      </a:lnRef>
+      <a:fillRef idx="1">
+        <a:scrgbClr r="0" g="0" b="0"/>
+      </a:fillRef>
+      <a:effectRef idx="0">
+        <a:scrgbClr r="0" g="0" b="0"/>
+      </a:effectRef>
+      <a:fontRef idx="minor">
+        <a:schemeClr val="lt1"/>
+      </a:fontRef>
+    </dgm:style>
+  </dgm:styleLbl>
+  <dgm:styleLbl name="node2">
+    <dgm:scene3d>
+      <a:camera prst="orthographicFront"/>
+      <a:lightRig rig="threePt" dir="t"/>
+    </dgm:scene3d>
+    <dgm:sp3d/>
+    <dgm:txPr/>
+    <dgm:style>
+      <a:lnRef idx="2">
+        <a:scrgbClr r="0" g="0" b="0"/>
+      </a:lnRef>
+      <a:fillRef idx="1">
+        <a:scrgbClr r="0" g="0" b="0"/>
+      </a:fillRef>
+      <a:effectRef idx="0">
+        <a:scrgbClr r="0" g="0" b="0"/>
+      </a:effectRef>
+      <a:fontRef idx="minor">
+        <a:schemeClr val="lt1"/>
+      </a:fontRef>
+    </dgm:style>
+  </dgm:styleLbl>
+  <dgm:styleLbl name="node3">
+    <dgm:scene3d>
+      <a:camera prst="orthographicFront"/>
+      <a:lightRig rig="threePt" dir="t"/>
+    </dgm:scene3d>
+    <dgm:sp3d/>
+    <dgm:txPr/>
+    <dgm:style>
+      <a:lnRef idx="2">
+        <a:scrgbClr r="0" g="0" b="0"/>
+      </a:lnRef>
+      <a:fillRef idx="1">
+        <a:scrgbClr r="0" g="0" b="0"/>
+      </a:fillRef>
+      <a:effectRef idx="0">
+        <a:scrgbClr r="0" g="0" b="0"/>
+      </a:effectRef>
+      <a:fontRef idx="minor">
+        <a:schemeClr val="lt1"/>
+      </a:fontRef>
+    </dgm:style>
+  </dgm:styleLbl>
+  <dgm:styleLbl name="node4">
+    <dgm:scene3d>
+      <a:camera prst="orthographicFront"/>
+      <a:lightRig rig="threePt" dir="t"/>
+    </dgm:scene3d>
+    <dgm:sp3d/>
+    <dgm:txPr/>
+    <dgm:style>
+      <a:lnRef idx="2">
+        <a:scrgbClr r="0" g="0" b="0"/>
+      </a:lnRef>
+      <a:fillRef idx="1">
+        <a:scrgbClr r="0" g="0" b="0"/>
+      </a:fillRef>
+      <a:effectRef idx="0">
+        <a:scrgbClr r="0" g="0" b="0"/>
+      </a:effectRef>
+      <a:fontRef idx="minor">
+        <a:schemeClr val="lt1"/>
+      </a:fontRef>
+    </dgm:style>
+  </dgm:styleLbl>
+  <dgm:styleLbl name="fgImgPlace1">
+    <dgm:scene3d>
+      <a:camera prst="orthographicFront"/>
+      <a:lightRig rig="threePt" dir="t"/>
+    </dgm:scene3d>
+    <dgm:sp3d/>
+    <dgm:txPr/>
+    <dgm:style>
+      <a:lnRef idx="2">
+        <a:scrgbClr r="0" g="0" b="0"/>
+      </a:lnRef>
+      <a:fillRef idx="1">
+        <a:scrgbClr r="0" g="0" b="0"/>
+      </a:fillRef>
+      <a:effectRef idx="0">
+        <a:scrgbClr r="0" g="0" b="0"/>
+      </a:effectRef>
+      <a:fontRef idx="minor"/>
+    </dgm:style>
+  </dgm:styleLbl>
+  <dgm:styleLbl name="alignImgPlace1">
+    <dgm:scene3d>
+      <a:camera prst="orthographicFront"/>
+      <a:lightRig rig="threePt" dir="t"/>
+    </dgm:scene3d>
+    <dgm:sp3d/>
+    <dgm:txPr/>
+    <dgm:style>
+      <a:lnRef idx="2">
+        <a:scrgbClr r="0" g="0" b="0"/>
+      </a:lnRef>
+      <a:fillRef idx="1">
+        <a:scrgbClr r="0" g="0" b="0"/>
+      </a:fillRef>
+      <a:effectRef idx="0">
+        <a:scrgbClr r="0" g="0" b="0"/>
+      </a:effectRef>
+      <a:fontRef idx="minor"/>
+    </dgm:style>
+  </dgm:styleLbl>
+  <dgm:styleLbl name="bgImgPlace1">
+    <dgm:scene3d>
+      <a:camera prst="orthographicFront"/>
+      <a:lightRig rig="threePt" dir="t"/>
+    </dgm:scene3d>
+    <dgm:sp3d/>
+    <dgm:txPr/>
+    <dgm:style>
+      <a:lnRef idx="2">
+        <a:scrgbClr r="0" g="0" b="0"/>
+      </a:lnRef>
+      <a:fillRef idx="1">
+        <a:scrgbClr r="0" g="0" b="0"/>
+      </a:fillRef>
+      <a:effectRef idx="0">
+        <a:scrgbClr r="0" g="0" b="0"/>
+      </a:effectRef>
+      <a:fontRef idx="minor"/>
+    </dgm:style>
+  </dgm:styleLbl>
+  <dgm:styleLbl name="sibTrans2D1">
+    <dgm:scene3d>
+      <a:camera prst="orthographicFront"/>
+      <a:lightRig rig="threePt" dir="t"/>
+    </dgm:scene3d>
+    <dgm:sp3d/>
+    <dgm:txPr/>
+    <dgm:style>
+      <a:lnRef idx="0">
+        <a:scrgbClr r="0" g="0" b="0"/>
+      </a:lnRef>
+      <a:fillRef idx="1">
+        <a:scrgbClr r="0" g="0" b="0"/>
+      </a:fillRef>
+      <a:effectRef idx="0">
+        <a:scrgbClr r="0" g="0" b="0"/>
+      </a:effectRef>
+      <a:fontRef idx="minor">
+        <a:schemeClr val="lt1"/>
+      </a:fontRef>
+    </dgm:style>
+  </dgm:styleLbl>
+  <dgm:styleLbl name="fgSibTrans2D1">
+    <dgm:scene3d>
+      <a:camera prst="orthographicFront"/>
+      <a:lightRig rig="threePt" dir="t"/>
+    </dgm:scene3d>
+    <dgm:sp3d/>
+    <dgm:txPr/>
+    <dgm:style>
+      <a:lnRef idx="0">
+        <a:scrgbClr r="0" g="0" b="0"/>
+      </a:lnRef>
+      <a:fillRef idx="1">
+        <a:scrgbClr r="0" g="0" b="0"/>
+      </a:fillRef>
+      <a:effectRef idx="0">
+        <a:scrgbClr r="0" g="0" b="0"/>
+      </a:effectRef>
+      <a:fontRef idx="minor">
+        <a:schemeClr val="lt1"/>
+      </a:fontRef>
+    </dgm:style>
+  </dgm:styleLbl>
+  <dgm:styleLbl name="bgSibTrans2D1">
+    <dgm:scene3d>
+      <a:camera prst="orthographicFront"/>
+      <a:lightRig rig="threePt" dir="t"/>
+    </dgm:scene3d>
+    <dgm:sp3d/>
+    <dgm:txPr/>
+    <dgm:style>
+      <a:lnRef idx="0">
+        <a:scrgbClr r="0" g="0" b="0"/>
+      </a:lnRef>
+      <a:fillRef idx="1">
+        <a:scrgbClr r="0" g="0" b="0"/>
+      </a:fillRef>
+      <a:effectRef idx="0">
+        <a:scrgbClr r="0" g="0" b="0"/>
+      </a:effectRef>
+      <a:fontRef idx="minor">
+        <a:schemeClr val="lt1"/>
+      </a:fontRef>
+    </dgm:style>
+  </dgm:styleLbl>
+  <dgm:styleLbl name="sibTrans1D1">
+    <dgm:scene3d>
+      <a:camera prst="orthographicFront"/>
+      <a:lightRig rig="threePt" dir="t"/>
+    </dgm:scene3d>
+    <dgm:sp3d/>
+    <dgm:txPr/>
+    <dgm:style>
+      <a:lnRef idx="1">
+        <a:scrgbClr r="0" g="0" b="0"/>
+      </a:lnRef>
+      <a:fillRef idx="0">
+        <a:scrgbClr r="0" g="0" b="0"/>
+      </a:fillRef>
+      <a:effectRef idx="0">
+        <a:scrgbClr r="0" g="0" b="0"/>
+      </a:effectRef>
+      <a:fontRef idx="minor"/>
+    </dgm:style>
+  </dgm:styleLbl>
+  <dgm:styleLbl name="callout">
+    <dgm:scene3d>
+      <a:camera prst="orthographicFront"/>
+      <a:lightRig rig="threePt" dir="t"/>
+    </dgm:scene3d>
+    <dgm:sp3d/>
+    <dgm:txPr/>
+    <dgm:style>
+      <a:lnRef idx="2">
+        <a:scrgbClr r="0" g="0" b="0"/>
+      </a:lnRef>
+      <a:fillRef idx="1">
+        <a:scrgbClr r="0" g="0" b="0"/>
+      </a:fillRef>
+      <a:effectRef idx="0">
+        <a:scrgbClr r="0" g="0" b="0"/>
+      </a:effectRef>
+      <a:fontRef idx="minor"/>
+    </dgm:style>
+  </dgm:styleLbl>
+  <dgm:styleLbl name="asst0">
+    <dgm:scene3d>
+      <a:camera prst="orthographicFront"/>
+      <a:lightRig rig="threePt" dir="t"/>
+    </dgm:scene3d>
+    <dgm:sp3d/>
+    <dgm:txPr/>
+    <dgm:style>
+      <a:lnRef idx="2">
+        <a:scrgbClr r="0" g="0" b="0"/>
+      </a:lnRef>
+      <a:fillRef idx="1">
+        <a:scrgbClr r="0" g="0" b="0"/>
+      </a:fillRef>
+      <a:effectRef idx="0">
+        <a:scrgbClr r="0" g="0" b="0"/>
+      </a:effectRef>
+      <a:fontRef idx="minor">
+        <a:schemeClr val="lt1"/>
+      </a:fontRef>
+    </dgm:style>
+  </dgm:styleLbl>
+  <dgm:styleLbl name="asst1">
+    <dgm:scene3d>
+      <a:camera prst="orthographicFront"/>
+      <a:lightRig rig="threePt" dir="t"/>
+    </dgm:scene3d>
+    <dgm:sp3d/>
+    <dgm:txPr/>
+    <dgm:style>
+      <a:lnRef idx="2">
+        <a:scrgbClr r="0" g="0" b="0"/>
+      </a:lnRef>
+      <a:fillRef idx="1">
+        <a:scrgbClr r="0" g="0" b="0"/>
+      </a:fillRef>
+      <a:effectRef idx="0">
+        <a:scrgbClr r="0" g="0" b="0"/>
+      </a:effectRef>
+      <a:fontRef idx="minor">
+        <a:schemeClr val="lt1"/>
+      </a:fontRef>
+    </dgm:style>
+  </dgm:styleLbl>
+  <dgm:styleLbl name="asst2">
+    <dgm:scene3d>
+      <a:camera prst="orthographicFront"/>
+      <a:lightRig rig="threePt" dir="t"/>
+    </dgm:scene3d>
+    <dgm:sp3d/>
+    <dgm:txPr/>
+    <dgm:style>
+      <a:lnRef idx="2">
+        <a:scrgbClr r="0" g="0" b="0"/>
+      </a:lnRef>
+      <a:fillRef idx="1">
+        <a:scrgbClr r="0" g="0" b="0"/>
+      </a:fillRef>
+      <a:effectRef idx="0">
+        <a:scrgbClr r="0" g="0" b="0"/>
+      </a:effectRef>
+      <a:fontRef idx="minor">
+        <a:schemeClr val="lt1"/>
+      </a:fontRef>
+    </dgm:style>
+  </dgm:styleLbl>
+  <dgm:styleLbl name="asst3">
+    <dgm:scene3d>
+      <a:camera prst="orthographicFront"/>
+      <a:lightRig rig="threePt" dir="t"/>
+    </dgm:scene3d>
+    <dgm:sp3d/>
+    <dgm:txPr/>
+    <dgm:style>
+      <a:lnRef idx="2">
+        <a:scrgbClr r="0" g="0" b="0"/>
+      </a:lnRef>
+      <a:fillRef idx="1">
+        <a:scrgbClr r="0" g="0" b="0"/>
+      </a:fillRef>
+      <a:effectRef idx="0">
+        <a:scrgbClr r="0" g="0" b="0"/>
+      </a:effectRef>
+      <a:fontRef idx="minor">
+        <a:schemeClr val="lt1"/>
+      </a:fontRef>
+    </dgm:style>
+  </dgm:styleLbl>
+  <dgm:styleLbl name="asst4">
+    <dgm:scene3d>
+      <a:camera prst="orthographicFront"/>
+      <a:lightRig rig="threePt" dir="t"/>
+    </dgm:scene3d>
+    <dgm:sp3d/>
+    <dgm:txPr/>
+    <dgm:style>
+      <a:lnRef idx="2">
+        <a:scrgbClr r="0" g="0" b="0"/>
+      </a:lnRef>
+      <a:fillRef idx="1">
+        <a:scrgbClr r="0" g="0" b="0"/>
+      </a:fillRef>
+      <a:effectRef idx="0">
+        <a:scrgbClr r="0" g="0" b="0"/>
+      </a:effectRef>
+      <a:fontRef idx="minor">
+        <a:schemeClr val="lt1"/>
+      </a:fontRef>
+    </dgm:style>
+  </dgm:styleLbl>
+  <dgm:styleLbl name="parChTrans2D1">
+    <dgm:scene3d>
+      <a:camera prst="orthographicFront"/>
+      <a:lightRig rig="threePt" dir="t"/>
+    </dgm:scene3d>
+    <dgm:sp3d/>
+    <dgm:txPr/>
+    <dgm:style>
+      <a:lnRef idx="2">
+        <a:scrgbClr r="0" g="0" b="0"/>
+      </a:lnRef>
+      <a:fillRef idx="1">
+        <a:scrgbClr r="0" g="0" b="0"/>
+      </a:fillRef>
+      <a:effectRef idx="0">
+        <a:scrgbClr r="0" g="0" b="0"/>
+      </a:effectRef>
+      <a:fontRef idx="minor">
+        <a:schemeClr val="lt1"/>
+      </a:fontRef>
+    </dgm:style>
+  </dgm:styleLbl>
+  <dgm:styleLbl name="parChTrans2D2">
+    <dgm:scene3d>
+      <a:camera prst="orthographicFront"/>
+      <a:lightRig rig="threePt" dir="t"/>
+    </dgm:scene3d>
+    <dgm:sp3d/>
+    <dgm:txPr/>
+    <dgm:style>
+      <a:lnRef idx="2">
+        <a:scrgbClr r="0" g="0" b="0"/>
+      </a:lnRef>
+      <a:fillRef idx="1">
+        <a:scrgbClr r="0" g="0" b="0"/>
+      </a:fillRef>
+      <a:effectRef idx="0">
+        <a:scrgbClr r="0" g="0" b="0"/>
+      </a:effectRef>
+      <a:fontRef idx="minor">
+        <a:schemeClr val="lt1"/>
+      </a:fontRef>
+    </dgm:style>
+  </dgm:styleLbl>
+  <dgm:styleLbl name="parChTrans2D3">
+    <dgm:scene3d>
+      <a:camera prst="orthographicFront"/>
+      <a:lightRig rig="threePt" dir="t"/>
+    </dgm:scene3d>
+    <dgm:sp3d/>
+    <dgm:txPr/>
+    <dgm:style>
+      <a:lnRef idx="2">
+        <a:scrgbClr r="0" g="0" b="0"/>
+      </a:lnRef>
+      <a:fillRef idx="1">
+        <a:scrgbClr r="0" g="0" b="0"/>
+      </a:fillRef>
+      <a:effectRef idx="0">
+        <a:scrgbClr r="0" g="0" b="0"/>
+      </a:effectRef>
+      <a:fontRef idx="minor">
+        <a:schemeClr val="lt1"/>
+      </a:fontRef>
+    </dgm:style>
+  </dgm:styleLbl>
+  <dgm:styleLbl name="parChTrans2D4">
+    <dgm:scene3d>
+      <a:camera prst="orthographicFront"/>
+      <a:lightRig rig="threePt" dir="t"/>
+    </dgm:scene3d>
+    <dgm:sp3d/>
+    <dgm:txPr/>
+    <dgm:style>
+      <a:lnRef idx="2">
+        <a:scrgbClr r="0" g="0" b="0"/>
+      </a:lnRef>
+      <a:fillRef idx="1">
+        <a:scrgbClr r="0" g="0" b="0"/>
+      </a:fillRef>
+      <a:effectRef idx="0">
+        <a:scrgbClr r="0" g="0" b="0"/>
+      </a:effectRef>
+      <a:fontRef idx="minor">
+        <a:schemeClr val="lt1"/>
+      </a:fontRef>
+    </dgm:style>
+  </dgm:styleLbl>
+  <dgm:styleLbl name="parChTrans1D1">
+    <dgm:scene3d>
+      <a:camera prst="orthographicFront"/>
+      <a:lightRig rig="threePt" dir="t"/>
+    </dgm:scene3d>
+    <dgm:sp3d/>
+    <dgm:txPr/>
+    <dgm:style>
+      <a:lnRef idx="2">
+        <a:scrgbClr r="0" g="0" b="0"/>
+      </a:lnRef>
+      <a:fillRef idx="0">
+        <a:scrgbClr r="0" g="0" b="0"/>
+      </a:fillRef>
+      <a:effectRef idx="0">
+        <a:scrgbClr r="0" g="0" b="0"/>
+      </a:effectRef>
+      <a:fontRef idx="minor"/>
+    </dgm:style>
+  </dgm:styleLbl>
+  <dgm:styleLbl name="parChTrans1D2">
+    <dgm:scene3d>
+      <a:camera prst="orthographicFront"/>
+      <a:lightRig rig="threePt" dir="t"/>
+    </dgm:scene3d>
+    <dgm:sp3d/>
+    <dgm:txPr/>
+    <dgm:style>
+      <a:lnRef idx="2">
+        <a:scrgbClr r="0" g="0" b="0"/>
+      </a:lnRef>
+      <a:fillRef idx="0">
+        <a:scrgbClr r="0" g="0" b="0"/>
+      </a:fillRef>
+      <a:effectRef idx="0">
+        <a:scrgbClr r="0" g="0" b="0"/>
+      </a:effectRef>
+      <a:fontRef idx="minor"/>
+    </dgm:style>
+  </dgm:styleLbl>
+  <dgm:styleLbl name="parChTrans1D3">
+    <dgm:scene3d>
+      <a:camera prst="orthographicFront"/>
+      <a:lightRig rig="threePt" dir="t"/>
+    </dgm:scene3d>
+    <dgm:sp3d/>
+    <dgm:txPr/>
+    <dgm:style>
+      <a:lnRef idx="2">
+        <a:scrgbClr r="0" g="0" b="0"/>
+      </a:lnRef>
+      <a:fillRef idx="0">
+        <a:scrgbClr r="0" g="0" b="0"/>
+      </a:fillRef>
+      <a:effectRef idx="0">
+        <a:scrgbClr r="0" g="0" b="0"/>
+      </a:effectRef>
+      <a:fontRef idx="minor"/>
+    </dgm:style>
+  </dgm:styleLbl>
+  <dgm:styleLbl name="parChTrans1D4">
+    <dgm:scene3d>
+      <a:camera prst="orthographicFront"/>
+      <a:lightRig rig="threePt" dir="t"/>
+    </dgm:scene3d>
+    <dgm:sp3d/>
+    <dgm:txPr/>
+    <dgm:style>
+      <a:lnRef idx="2">
+        <a:scrgbClr r="0" g="0" b="0"/>
+      </a:lnRef>
+      <a:fillRef idx="0">
+        <a:scrgbClr r="0" g="0" b="0"/>
+      </a:fillRef>
+      <a:effectRef idx="0">
+        <a:scrgbClr r="0" g="0" b="0"/>
+      </a:effectRef>
+      <a:fontRef idx="minor"/>
+    </dgm:style>
+  </dgm:styleLbl>
+  <dgm:styleLbl name="fgAcc1">
+    <dgm:scene3d>
+      <a:camera prst="orthographicFront"/>
+      <a:lightRig rig="threePt" dir="t"/>
+    </dgm:scene3d>
+    <dgm:sp3d/>
+    <dgm:txPr/>
+    <dgm:style>
+      <a:lnRef idx="2">
+        <a:scrgbClr r="0" g="0" b="0"/>
+      </a:lnRef>
+      <a:fillRef idx="1">
+        <a:scrgbClr r="0" g="0" b="0"/>
+      </a:fillRef>
+      <a:effectRef idx="0">
+        <a:scrgbClr r="0" g="0" b="0"/>
+      </a:effectRef>
+      <a:fontRef idx="minor"/>
+    </dgm:style>
+  </dgm:styleLbl>
+  <dgm:styleLbl name="conFgAcc1">
+    <dgm:scene3d>
+      <a:camera prst="orthographicFront"/>
+      <a:lightRig rig="threePt" dir="t"/>
+    </dgm:scene3d>
+    <dgm:sp3d/>
+    <dgm:txPr/>
+    <dgm:style>
+      <a:lnRef idx="2">
+        <a:scrgbClr r="0" g="0" b="0"/>
+      </a:lnRef>
+      <a:fillRef idx="1">
+        <a:scrgbClr r="0" g="0" b="0"/>
+      </a:fillRef>
+      <a:effectRef idx="0">
+        <a:scrgbClr r="0" g="0" b="0"/>
+      </a:effectRef>
+      <a:fontRef idx="minor"/>
+    </dgm:style>
+  </dgm:styleLbl>
+  <dgm:styleLbl name="alignAcc1">
+    <dgm:scene3d>
+      <a:camera prst="orthographicFront"/>
+      <a:lightRig rig="threePt" dir="t"/>
+    </dgm:scene3d>
+    <dgm:sp3d/>
+    <dgm:txPr/>
+    <dgm:style>
+      <a:lnRef idx="2">
+        <a:scrgbClr r="0" g="0" b="0"/>
+      </a:lnRef>
+      <a:fillRef idx="1">
+        <a:scrgbClr r="0" g="0" b="0"/>
+      </a:fillRef>
+      <a:effectRef idx="0">
+        <a:scrgbClr r="0" g="0" b="0"/>
+      </a:effectRef>
+      <a:fontRef idx="minor"/>
+    </dgm:style>
+  </dgm:styleLbl>
+  <dgm:styleLbl name="trAlignAcc1">
+    <dgm:scene3d>
+      <a:camera prst="orthographicFront"/>
+      <a:lightRig rig="threePt" dir="t"/>
+    </dgm:scene3d>
+    <dgm:sp3d/>
+    <dgm:txPr/>
+    <dgm:style>
+      <a:lnRef idx="1">
+        <a:scrgbClr r="0" g="0" b="0"/>
+      </a:lnRef>
+      <a:fillRef idx="1">
+        <a:scrgbClr r="0" g="0" b="0"/>
+      </a:fillRef>
+      <a:effectRef idx="0">
+        <a:scrgbClr r="0" g="0" b="0"/>
+      </a:effectRef>
+      <a:fontRef idx="minor"/>
+    </dgm:style>
+  </dgm:styleLbl>
+  <dgm:styleLbl name="bgAcc1">
+    <dgm:scene3d>
+      <a:camera prst="orthographicFront"/>
+      <a:lightRig rig="threePt" dir="t"/>
+    </dgm:scene3d>
+    <dgm:sp3d/>
+    <dgm:txPr/>
+    <dgm:style>
+      <a:lnRef idx="2">
+        <a:scrgbClr r="0" g="0" b="0"/>
+      </a:lnRef>
+      <a:fillRef idx="1">
+        <a:scrgbClr r="0" g="0" b="0"/>
+      </a:fillRef>
+      <a:effectRef idx="0">
+        <a:scrgbClr r="0" g="0" b="0"/>
+      </a:effectRef>
+      <a:fontRef idx="minor"/>
+    </dgm:style>
+  </dgm:styleLbl>
+  <dgm:styleLbl name="solidFgAcc1">
+    <dgm:scene3d>
+      <a:camera prst="orthographicFront"/>
+      <a:lightRig rig="threePt" dir="t"/>
+    </dgm:scene3d>
+    <dgm:sp3d/>
+    <dgm:txPr/>
+    <dgm:style>
+      <a:lnRef idx="2">
+        <a:scrgbClr r="0" g="0" b="0"/>
+      </a:lnRef>
+      <a:fillRef idx="1">
+        <a:scrgbClr r="0" g="0" b="0"/>
+      </a:fillRef>
+      <a:effectRef idx="0">
+        <a:scrgbClr r="0" g="0" b="0"/>
+      </a:effectRef>
+      <a:fontRef idx="minor"/>
+    </dgm:style>
+  </dgm:styleLbl>
+  <dgm:styleLbl name="solidAlignAcc1">
+    <dgm:scene3d>
+      <a:camera prst="orthographicFront"/>
+      <a:lightRig rig="threePt" dir="t"/>
+    </dgm:scene3d>
+    <dgm:sp3d/>
+    <dgm:txPr/>
+    <dgm:style>
+      <a:lnRef idx="2">
+        <a:scrgbClr r="0" g="0" b="0"/>
+      </a:lnRef>
+      <a:fillRef idx="1">
+        <a:scrgbClr r="0" g="0" b="0"/>
+      </a:fillRef>
+      <a:effectRef idx="0">
+        <a:scrgbClr r="0" g="0" b="0"/>
+      </a:effectRef>
+      <a:fontRef idx="minor"/>
+    </dgm:style>
+  </dgm:styleLbl>
+  <dgm:styleLbl name="solidBgAcc1">
+    <dgm:scene3d>
+      <a:camera prst="orthographicFront"/>
+      <a:lightRig rig="threePt" dir="t"/>
+    </dgm:scene3d>
+    <dgm:sp3d/>
+    <dgm:txPr/>
+    <dgm:style>
+      <a:lnRef idx="2">
+        <a:scrgbClr r="0" g="0" b="0"/>
+      </a:lnRef>
+      <a:fillRef idx="1">
+        <a:scrgbClr r="0" g="0" b="0"/>
+      </a:fillRef>
+      <a:effectRef idx="0">
+        <a:scrgbClr r="0" g="0" b="0"/>
+      </a:effectRef>
+      <a:fontRef idx="minor"/>
+    </dgm:style>
+  </dgm:styleLbl>
+  <dgm:styleLbl name="fgAccFollowNode1">
+    <dgm:scene3d>
+      <a:camera prst="orthographicFront"/>
+      <a:lightRig rig="threePt" dir="t"/>
+    </dgm:scene3d>
+    <dgm:sp3d/>
+    <dgm:txPr/>
+    <dgm:style>
+      <a:lnRef idx="2">
+        <a:scrgbClr r="0" g="0" b="0"/>
+      </a:lnRef>
+      <a:fillRef idx="1">
+        <a:scrgbClr r="0" g="0" b="0"/>
+      </a:fillRef>
+      <a:effectRef idx="0">
+        <a:scrgbClr r="0" g="0" b="0"/>
+      </a:effectRef>
+      <a:fontRef idx="minor"/>
+    </dgm:style>
+  </dgm:styleLbl>
+  <dgm:styleLbl name="alignAccFollowNode1">
+    <dgm:scene3d>
+      <a:camera prst="orthographicFront"/>
+      <a:lightRig rig="threePt" dir="t"/>
+    </dgm:scene3d>
+    <dgm:sp3d/>
+    <dgm:txPr/>
+    <dgm:style>
+      <a:lnRef idx="2">
+        <a:scrgbClr r="0" g="0" b="0"/>
+      </a:lnRef>
+      <a:fillRef idx="1">
+        <a:scrgbClr r="0" g="0" b="0"/>
+      </a:fillRef>
+      <a:effectRef idx="0">
+        <a:scrgbClr r="0" g="0" b="0"/>
+      </a:effectRef>
+      <a:fontRef idx="minor"/>
+    </dgm:style>
+  </dgm:styleLbl>
+  <dgm:styleLbl name="bgAccFollowNode1">
+    <dgm:scene3d>
+      <a:camera prst="orthographicFront"/>
+      <a:lightRig rig="threePt" dir="t"/>
+    </dgm:scene3d>
+    <dgm:sp3d/>
+    <dgm:txPr/>
+    <dgm:style>
+      <a:lnRef idx="2">
+        <a:scrgbClr r="0" g="0" b="0"/>
+      </a:lnRef>
+      <a:fillRef idx="1">
+        <a:scrgbClr r="0" g="0" b="0"/>
+      </a:fillRef>
+      <a:effectRef idx="0">
+        <a:scrgbClr r="0" g="0" b="0"/>
+      </a:effectRef>
+      <a:fontRef idx="minor"/>
+    </dgm:style>
+  </dgm:styleLbl>
+  <dgm:styleLbl name="fgAcc0">
+    <dgm:scene3d>
+      <a:camera prst="orthographicFront"/>
+      <a:lightRig rig="threePt" dir="t"/>
+    </dgm:scene3d>
+    <dgm:sp3d/>
+    <dgm:txPr/>
+    <dgm:style>
+      <a:lnRef idx="2">
+        <a:scrgbClr r="0" g="0" b="0"/>
+      </a:lnRef>
+      <a:fillRef idx="1">
+        <a:scrgbClr r="0" g="0" b="0"/>
+      </a:fillRef>
+      <a:effectRef idx="0">
+        <a:scrgbClr r="0" g="0" b="0"/>
+      </a:effectRef>
+      <a:fontRef idx="minor"/>
+    </dgm:style>
+  </dgm:styleLbl>
+  <dgm:styleLbl name="fgAcc2">
+    <dgm:scene3d>
+      <a:camera prst="orthographicFront"/>
+      <a:lightRig rig="threePt" dir="t"/>
+    </dgm:scene3d>
+    <dgm:sp3d/>
+    <dgm:txPr/>
+    <dgm:style>
+      <a:lnRef idx="2">
+        <a:scrgbClr r="0" g="0" b="0"/>
+      </a:lnRef>
+      <a:fillRef idx="1">
+        <a:scrgbClr r="0" g="0" b="0"/>
+      </a:fillRef>
+      <a:effectRef idx="0">
+        <a:scrgbClr r="0" g="0" b="0"/>
+      </a:effectRef>
+      <a:fontRef idx="minor"/>
+    </dgm:style>
+  </dgm:styleLbl>
+  <dgm:styleLbl name="fgAcc3">
+    <dgm:scene3d>
+      <a:camera prst="orthographicFront"/>
+      <a:lightRig rig="threePt" dir="t"/>
+    </dgm:scene3d>
+    <dgm:sp3d/>
+    <dgm:txPr/>
+    <dgm:style>
+      <a:lnRef idx="2">
+        <a:scrgbClr r="0" g="0" b="0"/>
+      </a:lnRef>
+      <a:fillRef idx="1">
+        <a:scrgbClr r="0" g="0" b="0"/>
+      </a:fillRef>
+      <a:effectRef idx="0">
+        <a:scrgbClr r="0" g="0" b="0"/>
+      </a:effectRef>
+      <a:fontRef idx="minor"/>
+    </dgm:style>
+  </dgm:styleLbl>
+  <dgm:styleLbl name="fgAcc4">
+    <dgm:scene3d>
+      <a:camera prst="orthographicFront"/>
+      <a:lightRig rig="threePt" dir="t"/>
+    </dgm:scene3d>
+    <dgm:sp3d/>
+    <dgm:txPr/>
+    <dgm:style>
+      <a:lnRef idx="2">
+        <a:scrgbClr r="0" g="0" b="0"/>
+      </a:lnRef>
+      <a:fillRef idx="1">
+        <a:scrgbClr r="0" g="0" b="0"/>
+      </a:fillRef>
+      <a:effectRef idx="0">
+        <a:scrgbClr r="0" g="0" b="0"/>
+      </a:effectRef>
+      <a:fontRef idx="minor"/>
+    </dgm:style>
+  </dgm:styleLbl>
+  <dgm:styleLbl name="bgShp">
+    <dgm:scene3d>
+      <a:camera prst="orthographicFront"/>
+      <a:lightRig rig="threePt" dir="t"/>
+    </dgm:scene3d>
+    <dgm:sp3d/>
+    <dgm:txPr/>
+    <dgm:style>
+      <a:lnRef idx="0">
+        <a:scrgbClr r="0" g="0" b="0"/>
+      </a:lnRef>
+      <a:fillRef idx="1">
+        <a:scrgbClr r="0" g="0" b="0"/>
+      </a:fillRef>
+      <a:effectRef idx="0">
+        <a:scrgbClr r="0" g="0" b="0"/>
+      </a:effectRef>
+      <a:fontRef idx="minor"/>
+    </dgm:style>
+  </dgm:styleLbl>
+  <dgm:styleLbl name="dkBgShp">
+    <dgm:scene3d>
+      <a:camera prst="orthographicFront"/>
+      <a:lightRig rig="threePt" dir="t"/>
+    </dgm:scene3d>
+    <dgm:sp3d/>
+    <dgm:txPr/>
+    <dgm:style>
+      <a:lnRef idx="0">
+        <a:scrgbClr r="0" g="0" b="0"/>
+      </a:lnRef>
+      <a:fillRef idx="1">
+        <a:scrgbClr r="0" g="0" b="0"/>
+      </a:fillRef>
+      <a:effectRef idx="0">
+        <a:scrgbClr r="0" g="0" b="0"/>
+      </a:effectRef>
+      <a:fontRef idx="minor"/>
+    </dgm:style>
+  </dgm:styleLbl>
+  <dgm:styleLbl name="trBgShp">
+    <dgm:scene3d>
+      <a:camera prst="orthographicFront"/>
+      <a:lightRig rig="threePt" dir="t"/>
+    </dgm:scene3d>
+    <dgm:sp3d/>
+    <dgm:txPr/>
+    <dgm:style>
+      <a:lnRef idx="0">
+        <a:scrgbClr r="0" g="0" b="0"/>
+      </a:lnRef>
+      <a:fillRef idx="1">
+        <a:scrgbClr r="0" g="0" b="0"/>
+      </a:fillRef>
+      <a:effectRef idx="0">
+        <a:scrgbClr r="0" g="0" b="0"/>
+      </a:effectRef>
+      <a:fontRef idx="minor"/>
+    </dgm:style>
+  </dgm:styleLbl>
+  <dgm:styleLbl name="fgShp">
+    <dgm:scene3d>
+      <a:camera prst="orthographicFront"/>
+      <a:lightRig rig="threePt" dir="t"/>
+    </dgm:scene3d>
+    <dgm:sp3d/>
+    <dgm:txPr/>
+    <dgm:style>
+      <a:lnRef idx="2">
+        <a:scrgbClr r="0" g="0" b="0"/>
+      </a:lnRef>
+      <a:fillRef idx="1">
+        <a:scrgbClr r="0" g="0" b="0"/>
+      </a:fillRef>
+      <a:effectRef idx="0">
+        <a:scrgbClr r="0" g="0" b="0"/>
+      </a:effectRef>
+      <a:fontRef idx="minor"/>
+    </dgm:style>
+  </dgm:styleLbl>
+  <dgm:styleLbl name="revTx">
+    <dgm:scene3d>
+      <a:camera prst="orthographicFront"/>
+      <a:lightRig rig="threePt" dir="t"/>
+    </dgm:scene3d>
+    <dgm:sp3d/>
+    <dgm:txPr/>
+    <dgm:style>
+      <a:lnRef idx="0">
+        <a:scrgbClr r="0" g="0" b="0"/>
+      </a:lnRef>
+      <a:fillRef idx="0">
+        <a:scrgbClr r="0" g="0" b="0"/>
+      </a:fillRef>
+      <a:effectRef idx="0">
+        <a:scrgbClr r="0" g="0" b="0"/>
+      </a:effectRef>
+      <a:fontRef idx="minor"/>
+    </dgm:style>
+  </dgm:styleLbl>
+</dgm:styleDef>
 </file>
 
 <file path=ppt/notesMasters/notesMaster1.xml><?xml version="1.0" encoding="utf-8"?>
@@ -220,7 +3786,7 @@
           <a:p>
             <a:fld id="{D3D75092-268E-7A48-B839-B7BEE5A4CE6A}" type="datetimeFigureOut">
               <a:rPr lang="en-US" smtClean="0"/>
-              <a:t>3/22/2024</a:t>
+              <a:t>3/25/2024</a:t>
             </a:fld>
             <a:endParaRPr lang="en-US"/>
           </a:p>
@@ -637,7 +4203,7 @@
           <a:p>
             <a:fld id="{74AB1E61-4AB3-964A-8E1A-AF59C6397F89}" type="datetime1">
               <a:rPr lang="en-MY" smtClean="0"/>
-              <a:t>22/3/2024</a:t>
+              <a:t>25/3/2024</a:t>
             </a:fld>
             <a:endParaRPr lang="en-US"/>
           </a:p>
@@ -837,7 +4403,7 @@
           <a:p>
             <a:fld id="{D141F3CC-2B06-2C46-88E6-0BE336749D53}" type="datetime1">
               <a:rPr lang="en-MY" smtClean="0"/>
-              <a:t>22/3/2024</a:t>
+              <a:t>25/3/2024</a:t>
             </a:fld>
             <a:endParaRPr lang="en-US"/>
           </a:p>
@@ -1047,7 +4613,7 @@
           <a:p>
             <a:fld id="{EDF1ED3D-6CBB-3C40-8BA5-88531CC20B7B}" type="datetime1">
               <a:rPr lang="en-MY" smtClean="0"/>
-              <a:t>22/3/2024</a:t>
+              <a:t>25/3/2024</a:t>
             </a:fld>
             <a:endParaRPr lang="en-US"/>
           </a:p>
@@ -1247,7 +4813,7 @@
           <a:p>
             <a:fld id="{705E46A3-81A8-754C-A576-1C7AC117F338}" type="datetime1">
               <a:rPr lang="en-MY" smtClean="0"/>
-              <a:t>22/3/2024</a:t>
+              <a:t>25/3/2024</a:t>
             </a:fld>
             <a:endParaRPr lang="en-US"/>
           </a:p>
@@ -1523,7 +5089,7 @@
           <a:p>
             <a:fld id="{1F1FB5D9-B905-6E4B-AE1A-F6788868F974}" type="datetime1">
               <a:rPr lang="en-MY" smtClean="0"/>
-              <a:t>22/3/2024</a:t>
+              <a:t>25/3/2024</a:t>
             </a:fld>
             <a:endParaRPr lang="en-US"/>
           </a:p>
@@ -1791,7 +5357,7 @@
           <a:p>
             <a:fld id="{EA1E5FB7-96BA-1A41-991B-03F500C3500C}" type="datetime1">
               <a:rPr lang="en-MY" smtClean="0"/>
-              <a:t>22/3/2024</a:t>
+              <a:t>25/3/2024</a:t>
             </a:fld>
             <a:endParaRPr lang="en-US"/>
           </a:p>
@@ -2206,7 +5772,7 @@
           <a:p>
             <a:fld id="{32368AA9-95F5-8F41-BEBE-E9C96302A193}" type="datetime1">
               <a:rPr lang="en-MY" smtClean="0"/>
-              <a:t>22/3/2024</a:t>
+              <a:t>25/3/2024</a:t>
             </a:fld>
             <a:endParaRPr lang="en-US"/>
           </a:p>
@@ -2348,7 +5914,7 @@
           <a:p>
             <a:fld id="{80500D2A-26A3-B249-BC2A-9B4BE9464361}" type="datetime1">
               <a:rPr lang="en-MY" smtClean="0"/>
-              <a:t>22/3/2024</a:t>
+              <a:t>25/3/2024</a:t>
             </a:fld>
             <a:endParaRPr lang="en-US"/>
           </a:p>
@@ -2461,7 +6027,7 @@
           <a:p>
             <a:fld id="{E856614B-4108-4D4A-A796-97E0CB9C1977}" type="datetime1">
               <a:rPr lang="en-MY" smtClean="0"/>
-              <a:t>22/3/2024</a:t>
+              <a:t>25/3/2024</a:t>
             </a:fld>
             <a:endParaRPr lang="en-US"/>
           </a:p>
@@ -2774,7 +6340,7 @@
           <a:p>
             <a:fld id="{63D06F8A-8BCF-D143-B6B2-5F810606A215}" type="datetime1">
               <a:rPr lang="en-MY" smtClean="0"/>
-              <a:t>22/3/2024</a:t>
+              <a:t>25/3/2024</a:t>
             </a:fld>
             <a:endParaRPr lang="en-US"/>
           </a:p>
@@ -3063,7 +6629,7 @@
           <a:p>
             <a:fld id="{51B510F5-F66C-D242-A6B1-6B560780126B}" type="datetime1">
               <a:rPr lang="en-MY" smtClean="0"/>
-              <a:t>22/3/2024</a:t>
+              <a:t>25/3/2024</a:t>
             </a:fld>
             <a:endParaRPr lang="en-US"/>
           </a:p>
@@ -3339,7 +6905,7 @@
           <a:p>
             <a:fld id="{7D037FDC-C959-D34A-B938-199E8760A89C}" type="datetime1">
               <a:rPr lang="en-MY" smtClean="0"/>
-              <a:t>22/3/2024</a:t>
+              <a:t>25/3/2024</a:t>
             </a:fld>
             <a:endParaRPr lang="en-US"/>
           </a:p>
@@ -3743,6 +7309,14 @@
 <file path=ppt/slides/slide1.xml><?xml version="1.0" encoding="utf-8"?>
 <p:sld xmlns:a="http://schemas.openxmlformats.org/drawingml/2006/main" xmlns:r="http://schemas.openxmlformats.org/officeDocument/2006/relationships" xmlns:p="http://schemas.openxmlformats.org/presentationml/2006/main">
   <p:cSld>
+    <p:bg>
+      <p:bgPr>
+        <a:solidFill>
+          <a:schemeClr val="bg2"/>
+        </a:solidFill>
+        <a:effectLst/>
+      </p:bgPr>
+    </p:bg>
     <p:spTree>
       <p:nvGrpSpPr>
         <p:cNvPr id="1" name=""/>
@@ -3779,23 +7353,23 @@
           <a:lstStyle/>
           <a:p>
             <a:r>
-              <a:rPr lang="en-US" dirty="0">
+              <a:rPr lang="en-US">
                 <a:ea typeface="+mj-lt"/>
                 <a:cs typeface="+mj-lt"/>
               </a:rPr>
               <a:t>Online Shopper </a:t>
             </a:r>
-            <a:endParaRPr lang="en-US" dirty="0"/>
-          </a:p>
-          <a:p>
-            <a:r>
-              <a:rPr lang="en-US" dirty="0">
+            <a:endParaRPr lang="en-US"/>
+          </a:p>
+          <a:p>
+            <a:r>
+              <a:rPr lang="en-US">
                 <a:ea typeface="+mj-lt"/>
                 <a:cs typeface="+mj-lt"/>
               </a:rPr>
               <a:t>Purchase Prediction</a:t>
             </a:r>
-            <a:endParaRPr lang="en-US" dirty="0"/>
+            <a:endParaRPr lang="en-US"/>
           </a:p>
         </p:txBody>
       </p:sp>
@@ -3823,13 +7397,13 @@
           <a:lstStyle/>
           <a:p>
             <a:r>
-              <a:rPr lang="en-US" dirty="0">
+              <a:rPr lang="en-US">
                 <a:ea typeface="+mn-lt"/>
                 <a:cs typeface="+mn-lt"/>
               </a:rPr>
               <a:t>Zul Fauzi Abas</a:t>
             </a:r>
-            <a:endParaRPr lang="en-US" dirty="0"/>
+            <a:endParaRPr lang="en-US"/>
           </a:p>
         </p:txBody>
       </p:sp>
@@ -3865,44 +7439,10 @@
       </p:grpSpPr>
       <p:sp>
         <p:nvSpPr>
-          <p:cNvPr id="2" name="Title 1">
-            <a:extLst>
-              <a:ext uri="{FF2B5EF4-FFF2-40B4-BE49-F238E27FC236}">
-                <a16:creationId xmlns:a16="http://schemas.microsoft.com/office/drawing/2014/main" id="{8D1F7077-55E2-B225-CD51-417F61AD2AFB}"/>
-              </a:ext>
-            </a:extLst>
-          </p:cNvPr>
-          <p:cNvSpPr>
-            <a:spLocks noGrp="1"/>
-          </p:cNvSpPr>
-          <p:nvPr>
-            <p:ph type="title"/>
-          </p:nvPr>
-        </p:nvSpPr>
-        <p:spPr/>
-        <p:txBody>
-          <a:bodyPr>
-            <a:normAutofit/>
-          </a:bodyPr>
-          <a:lstStyle/>
-          <a:p>
-            <a:r>
-              <a:rPr lang="en-US" dirty="0">
-                <a:ea typeface="+mj-lt"/>
-                <a:cs typeface="+mj-lt"/>
-              </a:rPr>
-              <a:t>Modeling Strategy</a:t>
-            </a:r>
-            <a:endParaRPr lang="en-US" dirty="0"/>
-          </a:p>
-        </p:txBody>
-      </p:sp>
-      <p:sp>
-        <p:nvSpPr>
           <p:cNvPr id="3" name="Content Placeholder 2">
             <a:extLst>
               <a:ext uri="{FF2B5EF4-FFF2-40B4-BE49-F238E27FC236}">
-                <a16:creationId xmlns:a16="http://schemas.microsoft.com/office/drawing/2014/main" id="{EBC3A319-6831-CFB9-EA13-9AC3614280F7}"/>
+                <a16:creationId xmlns:a16="http://schemas.microsoft.com/office/drawing/2014/main" id="{6E5771D1-87A5-1BAE-7499-1B1C81E42674}"/>
               </a:ext>
             </a:extLst>
           </p:cNvPr>
@@ -3913,7 +7453,12 @@
             <p:ph idx="1"/>
           </p:nvPr>
         </p:nvSpPr>
-        <p:spPr/>
+        <p:spPr>
+          <a:xfrm>
+            <a:off x="838200" y="1180042"/>
+            <a:ext cx="10505017" cy="4996921"/>
+          </a:xfrm>
+        </p:spPr>
         <p:txBody>
           <a:bodyPr vert="horz" lIns="91440" tIns="45720" rIns="91440" bIns="45720" rtlCol="0" anchor="t">
             <a:normAutofit/>
@@ -3921,30 +7466,29 @@
           <a:lstStyle/>
           <a:p>
             <a:r>
-              <a:rPr lang="en-US" dirty="0">
+              <a:rPr lang="en-US">
                 <a:ea typeface="+mn-lt"/>
                 <a:cs typeface="+mn-lt"/>
               </a:rPr>
-              <a:t>Models tested on training data: Logistic Regression, KNN, Decision Trees, Random Forests.</a:t>
-            </a:r>
-          </a:p>
-          <a:p>
-            <a:r>
-              <a:rPr lang="en-US" dirty="0">
-                <a:ea typeface="+mn-lt"/>
-                <a:cs typeface="+mn-lt"/>
-              </a:rPr>
-              <a:t>Accuracy chosen as the performance metric.</a:t>
-            </a:r>
-          </a:p>
-          <a:p>
-            <a:r>
-              <a:rPr lang="en-US" dirty="0">
-                <a:ea typeface="+mn-lt"/>
-                <a:cs typeface="+mn-lt"/>
-              </a:rPr>
-              <a:t>Selection for tuning is based on classification performance.</a:t>
-            </a:r>
+              <a:t>For Class Imbalance; Corrected using SMOTE</a:t>
+            </a:r>
+            <a:endParaRPr lang="en-US"/>
+          </a:p>
+          <a:p>
+            <a:pPr marL="0" indent="0">
+              <a:buNone/>
+            </a:pPr>
+            <a:endParaRPr lang="en-US"/>
+          </a:p>
+          <a:p>
+            <a:pPr lvl="1">
+              <a:buFont typeface="Courier New" panose="020B0604020202020204" pitchFamily="34" charset="0"/>
+              <a:buChar char="o"/>
+            </a:pPr>
+            <a:endParaRPr lang="en-US"/>
+          </a:p>
+          <a:p>
+            <a:endParaRPr lang="en-US"/>
           </a:p>
         </p:txBody>
       </p:sp>
@@ -3953,7 +7497,7 @@
           <p:cNvPr id="4" name="Slide Number Placeholder 3">
             <a:extLst>
               <a:ext uri="{FF2B5EF4-FFF2-40B4-BE49-F238E27FC236}">
-                <a16:creationId xmlns:a16="http://schemas.microsoft.com/office/drawing/2014/main" id="{1D0F2AEE-F72C-4895-F25C-E61CF124A72C}"/>
+                <a16:creationId xmlns:a16="http://schemas.microsoft.com/office/drawing/2014/main" id="{630318CD-D265-3AB9-AAA1-C3296D374C2C}"/>
               </a:ext>
             </a:extLst>
           </p:cNvPr>
@@ -3977,10 +7521,117 @@
           </a:p>
         </p:txBody>
       </p:sp>
+      <p:pic>
+        <p:nvPicPr>
+          <p:cNvPr id="2" name="Picture 1" descr="A blue and orange bar graph&#10;&#10;Description automatically generated">
+            <a:extLst>
+              <a:ext uri="{FF2B5EF4-FFF2-40B4-BE49-F238E27FC236}">
+                <a16:creationId xmlns:a16="http://schemas.microsoft.com/office/drawing/2014/main" id="{60012C8C-674A-6D35-50AF-C6120B8E0FA2}"/>
+              </a:ext>
+            </a:extLst>
+          </p:cNvPr>
+          <p:cNvPicPr>
+            <a:picLocks noChangeAspect="1"/>
+          </p:cNvPicPr>
+          <p:nvPr/>
+        </p:nvPicPr>
+        <p:blipFill>
+          <a:blip r:embed="rId2"/>
+          <a:stretch>
+            <a:fillRect/>
+          </a:stretch>
+        </p:blipFill>
+        <p:spPr>
+          <a:xfrm>
+            <a:off x="6190409" y="2635343"/>
+            <a:ext cx="5077946" cy="2819961"/>
+          </a:xfrm>
+          <a:prstGeom prst="rect">
+            <a:avLst/>
+          </a:prstGeom>
+        </p:spPr>
+      </p:pic>
+      <p:pic>
+        <p:nvPicPr>
+          <p:cNvPr id="5" name="Picture 4" descr="A bar graph with blue and orange squares&#10;&#10;Description automatically generated">
+            <a:extLst>
+              <a:ext uri="{FF2B5EF4-FFF2-40B4-BE49-F238E27FC236}">
+                <a16:creationId xmlns:a16="http://schemas.microsoft.com/office/drawing/2014/main" id="{04A6EE4A-2093-58B1-3A01-8FF42875B816}"/>
+              </a:ext>
+            </a:extLst>
+          </p:cNvPr>
+          <p:cNvPicPr>
+            <a:picLocks noChangeAspect="1"/>
+          </p:cNvPicPr>
+          <p:nvPr/>
+        </p:nvPicPr>
+        <p:blipFill>
+          <a:blip r:embed="rId3"/>
+          <a:stretch>
+            <a:fillRect/>
+          </a:stretch>
+        </p:blipFill>
+        <p:spPr>
+          <a:xfrm>
+            <a:off x="952780" y="2638145"/>
+            <a:ext cx="5120528" cy="2791945"/>
+          </a:xfrm>
+          <a:prstGeom prst="rect">
+            <a:avLst/>
+          </a:prstGeom>
+        </p:spPr>
+      </p:pic>
+      <p:sp>
+        <p:nvSpPr>
+          <p:cNvPr id="7" name="TextBox 6">
+            <a:extLst>
+              <a:ext uri="{FF2B5EF4-FFF2-40B4-BE49-F238E27FC236}">
+                <a16:creationId xmlns:a16="http://schemas.microsoft.com/office/drawing/2014/main" id="{BACB0DE5-AE9B-C566-5214-65AB25D345B2}"/>
+              </a:ext>
+            </a:extLst>
+          </p:cNvPr>
+          <p:cNvSpPr txBox="1"/>
+          <p:nvPr/>
+        </p:nvSpPr>
+        <p:spPr>
+          <a:xfrm>
+            <a:off x="1922324" y="5591594"/>
+            <a:ext cx="6167266" cy="369332"/>
+          </a:xfrm>
+          <a:prstGeom prst="rect">
+            <a:avLst/>
+          </a:prstGeom>
+          <a:noFill/>
+        </p:spPr>
+        <p:txBody>
+          <a:bodyPr wrap="none" lIns="91440" tIns="45720" rIns="91440" bIns="45720" rtlCol="0" anchor="t">
+            <a:spAutoFit/>
+          </a:bodyPr>
+          <a:lstStyle/>
+          <a:p>
+            <a:r>
+              <a:rPr lang="en-US" b="1" i="1"/>
+              <a:t>Figure 3</a:t>
+            </a:r>
+            <a:r>
+              <a:rPr lang="en-US"/>
+              <a:t>. </a:t>
+            </a:r>
+            <a:r>
+              <a:rPr lang="en-US">
+                <a:ea typeface="+mn-lt"/>
+                <a:cs typeface="+mn-lt"/>
+              </a:rPr>
+              <a:t>'Revenue' feature; before and after applying SMOTE</a:t>
+            </a:r>
+            <a:endParaRPr lang="en-US"/>
+          </a:p>
+        </p:txBody>
+      </p:sp>
     </p:spTree>
     <p:extLst>
       <p:ext uri="{BB962C8B-B14F-4D97-AF65-F5344CB8AC3E}">
-        <p14:creationId xmlns:p14="http://schemas.microsoft.com/office/powerpoint/2010/main" val="830817193"/>
+        <p14:creationId xmlns:p14="http://schemas.microsoft.com/office/powerpoint/2010/main" val="3426153097"/>
       </p:ext>
     </p:extLst>
   </p:cSld>
@@ -4031,13 +7682,13 @@
           <a:lstStyle/>
           <a:p>
             <a:r>
-              <a:rPr lang="en-US" dirty="0">
+              <a:rPr lang="en-US">
                 <a:ea typeface="+mj-lt"/>
                 <a:cs typeface="+mj-lt"/>
               </a:rPr>
-              <a:t>Model Performance</a:t>
-            </a:r>
-            <a:endParaRPr lang="en-US" dirty="0" err="1"/>
+              <a:t>Modeling Strategy</a:t>
+            </a:r>
+            <a:endParaRPr lang="en-US"/>
           </a:p>
         </p:txBody>
       </p:sp>
@@ -4059,8 +7710,8 @@
         </p:nvSpPr>
         <p:spPr>
           <a:xfrm>
-            <a:off x="6172200" y="1849815"/>
-            <a:ext cx="4709886" cy="4351338"/>
+            <a:off x="838200" y="1952625"/>
+            <a:ext cx="10505017" cy="3652838"/>
           </a:xfrm>
         </p:spPr>
         <p:txBody>
@@ -4069,35 +7720,108 @@
           </a:bodyPr>
           <a:lstStyle/>
           <a:p>
-            <a:r>
-              <a:rPr lang="en-US" b="1" dirty="0">
+            <a:pPr marL="0" indent="0">
+              <a:buNone/>
+            </a:pPr>
+            <a:r>
+              <a:rPr lang="en-US">
+                <a:ea typeface="+mn-lt"/>
+                <a:cs typeface="+mn-lt"/>
+              </a:rPr>
+              <a:t>Models </a:t>
+            </a:r>
+            <a:r>
+              <a:rPr lang="en-US" b="1">
+                <a:ea typeface="+mn-lt"/>
+                <a:cs typeface="+mn-lt"/>
+              </a:rPr>
+              <a:t>tested on training data</a:t>
+            </a:r>
+            <a:r>
+              <a:rPr lang="en-US">
+                <a:ea typeface="+mn-lt"/>
+                <a:cs typeface="+mn-lt"/>
+              </a:rPr>
+              <a:t>: </a:t>
+            </a:r>
+          </a:p>
+          <a:p>
+            <a:r>
+              <a:rPr lang="en-US">
+                <a:ea typeface="+mn-lt"/>
+                <a:cs typeface="+mn-lt"/>
+              </a:rPr>
+              <a:t>Logistic Regression</a:t>
+            </a:r>
+          </a:p>
+          <a:p>
+            <a:r>
+              <a:rPr lang="en-US">
+                <a:ea typeface="+mn-lt"/>
+                <a:cs typeface="+mn-lt"/>
+              </a:rPr>
+              <a:t>KNN</a:t>
+            </a:r>
+          </a:p>
+          <a:p>
+            <a:r>
+              <a:rPr lang="en-US">
+                <a:ea typeface="+mn-lt"/>
+                <a:cs typeface="+mn-lt"/>
+              </a:rPr>
+              <a:t>Decision Trees</a:t>
+            </a:r>
+          </a:p>
+          <a:p>
+            <a:r>
+              <a:rPr lang="en-US">
+                <a:ea typeface="+mn-lt"/>
+                <a:cs typeface="+mn-lt"/>
+              </a:rPr>
+              <a:t>Random Forests.</a:t>
+            </a:r>
+            <a:endParaRPr lang="en-US"/>
+          </a:p>
+          <a:p>
+            <a:pPr marL="0" indent="0">
+              <a:buNone/>
+            </a:pPr>
+            <a:r>
+              <a:rPr lang="en-US" b="1">
                 <a:highlight>
                   <a:srgbClr val="FFFF00"/>
                 </a:highlight>
                 <a:ea typeface="+mn-lt"/>
                 <a:cs typeface="+mn-lt"/>
               </a:rPr>
-              <a:t>Logistic Regression</a:t>
-            </a:r>
-            <a:r>
-              <a:rPr lang="en-US" dirty="0">
+              <a:t>Accuracy</a:t>
+            </a:r>
+            <a:r>
+              <a:rPr lang="en-US">
                 <a:ea typeface="+mn-lt"/>
                 <a:cs typeface="+mn-lt"/>
               </a:rPr>
-              <a:t> achieved the best balance, avoiding overfitting.</a:t>
-            </a:r>
-          </a:p>
-          <a:p>
-            <a:endParaRPr lang="en-US" u="sng" dirty="0">
-              <a:ea typeface="+mn-lt"/>
-              <a:cs typeface="+mn-lt"/>
-            </a:endParaRPr>
-          </a:p>
-          <a:p>
-            <a:endParaRPr lang="en-US" dirty="0">
-              <a:ea typeface="+mn-lt"/>
-              <a:cs typeface="+mn-lt"/>
-            </a:endParaRPr>
+              <a:t> chosen as the performance metric.</a:t>
+            </a:r>
+          </a:p>
+          <a:p>
+            <a:pPr marL="0" indent="0">
+              <a:buNone/>
+            </a:pPr>
+            <a:r>
+              <a:rPr lang="en-US" b="1">
+                <a:ea typeface="+mn-lt"/>
+                <a:cs typeface="+mn-lt"/>
+              </a:rPr>
+              <a:t>Selection for tuning</a:t>
+            </a:r>
+            <a:r>
+              <a:rPr lang="en-US">
+                <a:ea typeface="+mn-lt"/>
+                <a:cs typeface="+mn-lt"/>
+              </a:rPr>
+              <a:t> is based on classification performance.</a:t>
+            </a:r>
           </a:p>
         </p:txBody>
       </p:sp>
@@ -4130,85 +7854,10 @@
           </a:p>
         </p:txBody>
       </p:sp>
-      <p:pic>
-        <p:nvPicPr>
-          <p:cNvPr id="5" name="Picture 4" descr="A screenshot of a graph&#10;&#10;Description automatically generated">
-            <a:extLst>
-              <a:ext uri="{FF2B5EF4-FFF2-40B4-BE49-F238E27FC236}">
-                <a16:creationId xmlns:a16="http://schemas.microsoft.com/office/drawing/2014/main" id="{979DD5B5-5FD2-45B3-A802-5E887917AEBE}"/>
-              </a:ext>
-            </a:extLst>
-          </p:cNvPr>
-          <p:cNvPicPr>
-            <a:picLocks noChangeAspect="1"/>
-          </p:cNvPicPr>
-          <p:nvPr/>
-        </p:nvPicPr>
-        <p:blipFill>
-          <a:blip r:embed="rId2"/>
-          <a:stretch>
-            <a:fillRect/>
-          </a:stretch>
-        </p:blipFill>
-        <p:spPr>
-          <a:xfrm>
-            <a:off x="976388" y="1852235"/>
-            <a:ext cx="4614938" cy="2512483"/>
-          </a:xfrm>
-          <a:prstGeom prst="rect">
-            <a:avLst/>
-          </a:prstGeom>
-        </p:spPr>
-      </p:pic>
-      <p:sp>
-        <p:nvSpPr>
-          <p:cNvPr id="7" name="TextBox 6">
-            <a:extLst>
-              <a:ext uri="{FF2B5EF4-FFF2-40B4-BE49-F238E27FC236}">
-                <a16:creationId xmlns:a16="http://schemas.microsoft.com/office/drawing/2014/main" id="{9779BF73-AF51-7D5F-50CB-3F524865270D}"/>
-              </a:ext>
-            </a:extLst>
-          </p:cNvPr>
-          <p:cNvSpPr txBox="1"/>
-          <p:nvPr/>
-        </p:nvSpPr>
-        <p:spPr>
-          <a:xfrm>
-            <a:off x="978464" y="4484779"/>
-            <a:ext cx="4029052" cy="646331"/>
-          </a:xfrm>
-          <a:prstGeom prst="rect">
-            <a:avLst/>
-          </a:prstGeom>
-          <a:noFill/>
-        </p:spPr>
-        <p:txBody>
-          <a:bodyPr wrap="none" lIns="91440" tIns="45720" rIns="91440" bIns="45720" rtlCol="0" anchor="t">
-            <a:spAutoFit/>
-          </a:bodyPr>
-          <a:lstStyle/>
-          <a:p>
-            <a:r>
-              <a:rPr lang="en-US" b="1" i="1" dirty="0"/>
-              <a:t>Table 1</a:t>
-            </a:r>
-            <a:r>
-              <a:rPr lang="en-US" dirty="0"/>
-              <a:t>. Accuracy of Model on Training </a:t>
-            </a:r>
-          </a:p>
-          <a:p>
-            <a:r>
-              <a:rPr lang="en-US" dirty="0"/>
-              <a:t>                  &amp; Testing Set</a:t>
-            </a:r>
-          </a:p>
-        </p:txBody>
-      </p:sp>
     </p:spTree>
     <p:extLst>
       <p:ext uri="{BB962C8B-B14F-4D97-AF65-F5344CB8AC3E}">
-        <p14:creationId xmlns:p14="http://schemas.microsoft.com/office/powerpoint/2010/main" val="1270745924"/>
+        <p14:creationId xmlns:p14="http://schemas.microsoft.com/office/powerpoint/2010/main" val="830817193"/>
       </p:ext>
     </p:extLst>
   </p:cSld>
@@ -4237,6 +7886,40 @@
       </p:grpSpPr>
       <p:sp>
         <p:nvSpPr>
+          <p:cNvPr id="2" name="Title 1">
+            <a:extLst>
+              <a:ext uri="{FF2B5EF4-FFF2-40B4-BE49-F238E27FC236}">
+                <a16:creationId xmlns:a16="http://schemas.microsoft.com/office/drawing/2014/main" id="{8D1F7077-55E2-B225-CD51-417F61AD2AFB}"/>
+              </a:ext>
+            </a:extLst>
+          </p:cNvPr>
+          <p:cNvSpPr>
+            <a:spLocks noGrp="1"/>
+          </p:cNvSpPr>
+          <p:nvPr>
+            <p:ph type="title"/>
+          </p:nvPr>
+        </p:nvSpPr>
+        <p:spPr/>
+        <p:txBody>
+          <a:bodyPr>
+            <a:normAutofit/>
+          </a:bodyPr>
+          <a:lstStyle/>
+          <a:p>
+            <a:r>
+              <a:rPr lang="en-US">
+                <a:ea typeface="+mj-lt"/>
+                <a:cs typeface="+mj-lt"/>
+              </a:rPr>
+              <a:t>Model Performance</a:t>
+            </a:r>
+            <a:endParaRPr lang="en-US" err="1"/>
+          </a:p>
+        </p:txBody>
+      </p:sp>
+      <p:sp>
+        <p:nvSpPr>
           <p:cNvPr id="3" name="Content Placeholder 2">
             <a:extLst>
               <a:ext uri="{FF2B5EF4-FFF2-40B4-BE49-F238E27FC236}">
@@ -4253,8 +7936,8 @@
         </p:nvSpPr>
         <p:spPr>
           <a:xfrm>
-            <a:off x="838200" y="2732768"/>
-            <a:ext cx="10515600" cy="1448481"/>
+            <a:off x="6172200" y="2040315"/>
+            <a:ext cx="4709886" cy="1324505"/>
           </a:xfrm>
         </p:spPr>
         <p:txBody>
@@ -4263,34 +7946,32 @@
           </a:bodyPr>
           <a:lstStyle/>
           <a:p>
-            <a:pPr marL="0" indent="0" algn="ctr">
-              <a:buNone/>
-            </a:pPr>
-            <a:r>
-              <a:rPr lang="en-US" sz="4000" dirty="0">
-                <a:ea typeface="+mn-lt"/>
-                <a:cs typeface="+mn-lt"/>
-              </a:rPr>
-              <a:t>Post-tuning, accuracy improved to </a:t>
-            </a:r>
-            <a:r>
-              <a:rPr lang="en-US" sz="4000" b="1" dirty="0">
+            <a:r>
+              <a:rPr lang="en-US" b="1">
                 <a:highlight>
                   <a:srgbClr val="FFFF00"/>
                 </a:highlight>
                 <a:ea typeface="+mn-lt"/>
                 <a:cs typeface="+mn-lt"/>
               </a:rPr>
-              <a:t>84.3%</a:t>
-            </a:r>
-            <a:r>
-              <a:rPr lang="en-US" sz="4000" dirty="0">
+              <a:t>Logistic Regression</a:t>
+            </a:r>
+            <a:r>
+              <a:rPr lang="en-US">
                 <a:ea typeface="+mn-lt"/>
                 <a:cs typeface="+mn-lt"/>
               </a:rPr>
-              <a:t>, exceeding our goal.</a:t>
-            </a:r>
-            <a:endParaRPr lang="en-US" dirty="0">
+              <a:t> achieved the best balance, avoiding overfitting.</a:t>
+            </a:r>
+          </a:p>
+          <a:p>
+            <a:endParaRPr lang="en-US" u="sng">
+              <a:ea typeface="+mn-lt"/>
+              <a:cs typeface="+mn-lt"/>
+            </a:endParaRPr>
+          </a:p>
+          <a:p>
+            <a:endParaRPr lang="en-US">
               <a:ea typeface="+mn-lt"/>
               <a:cs typeface="+mn-lt"/>
             </a:endParaRPr>
@@ -4326,49 +8007,85 @@
           </a:p>
         </p:txBody>
       </p:sp>
-      <p:sp>
-        <p:nvSpPr>
-          <p:cNvPr id="8" name="Title 1">
-            <a:extLst>
-              <a:ext uri="{FF2B5EF4-FFF2-40B4-BE49-F238E27FC236}">
-                <a16:creationId xmlns:a16="http://schemas.microsoft.com/office/drawing/2014/main" id="{567A88E0-4C64-7986-73A2-4BC1CF3EAA1F}"/>
-              </a:ext>
-            </a:extLst>
-          </p:cNvPr>
-          <p:cNvSpPr>
-            <a:spLocks noGrp="1"/>
-          </p:cNvSpPr>
-          <p:nvPr>
-            <p:ph type="title"/>
-          </p:nvPr>
-        </p:nvSpPr>
+      <p:pic>
+        <p:nvPicPr>
+          <p:cNvPr id="5" name="Picture 4" descr="A screenshot of a graph&#10;&#10;Description automatically generated">
+            <a:extLst>
+              <a:ext uri="{FF2B5EF4-FFF2-40B4-BE49-F238E27FC236}">
+                <a16:creationId xmlns:a16="http://schemas.microsoft.com/office/drawing/2014/main" id="{979DD5B5-5FD2-45B3-A802-5E887917AEBE}"/>
+              </a:ext>
+            </a:extLst>
+          </p:cNvPr>
+          <p:cNvPicPr>
+            <a:picLocks noChangeAspect="1"/>
+          </p:cNvPicPr>
+          <p:nvPr/>
+        </p:nvPicPr>
+        <p:blipFill>
+          <a:blip r:embed="rId2"/>
+          <a:stretch>
+            <a:fillRect/>
+          </a:stretch>
+        </p:blipFill>
         <p:spPr>
           <a:xfrm>
-            <a:off x="838200" y="365125"/>
-            <a:ext cx="10515600" cy="1325563"/>
+            <a:off x="976388" y="1852235"/>
+            <a:ext cx="4614938" cy="2512483"/>
           </a:xfrm>
+          <a:prstGeom prst="rect">
+            <a:avLst/>
+          </a:prstGeom>
         </p:spPr>
-        <p:txBody>
-          <a:bodyPr>
-            <a:normAutofit/>
+      </p:pic>
+      <p:sp>
+        <p:nvSpPr>
+          <p:cNvPr id="7" name="TextBox 6">
+            <a:extLst>
+              <a:ext uri="{FF2B5EF4-FFF2-40B4-BE49-F238E27FC236}">
+                <a16:creationId xmlns:a16="http://schemas.microsoft.com/office/drawing/2014/main" id="{9779BF73-AF51-7D5F-50CB-3F524865270D}"/>
+              </a:ext>
+            </a:extLst>
+          </p:cNvPr>
+          <p:cNvSpPr txBox="1"/>
+          <p:nvPr/>
+        </p:nvSpPr>
+        <p:spPr>
+          <a:xfrm>
+            <a:off x="978464" y="4484779"/>
+            <a:ext cx="4029052" cy="646331"/>
+          </a:xfrm>
+          <a:prstGeom prst="rect">
+            <a:avLst/>
+          </a:prstGeom>
+          <a:noFill/>
+        </p:spPr>
+        <p:txBody>
+          <a:bodyPr wrap="none" lIns="91440" tIns="45720" rIns="91440" bIns="45720" rtlCol="0" anchor="t">
+            <a:spAutoFit/>
           </a:bodyPr>
           <a:lstStyle/>
           <a:p>
             <a:r>
-              <a:rPr lang="en-US" dirty="0">
-                <a:ea typeface="+mj-lt"/>
-                <a:cs typeface="+mj-lt"/>
-              </a:rPr>
-              <a:t>Tuning and Results</a:t>
-            </a:r>
-            <a:endParaRPr lang="en-US" dirty="0"/>
+              <a:rPr lang="en-US" b="1" i="1"/>
+              <a:t>Table 1</a:t>
+            </a:r>
+            <a:r>
+              <a:rPr lang="en-US"/>
+              <a:t>. Accuracy of Model on Training </a:t>
+            </a:r>
+          </a:p>
+          <a:p>
+            <a:r>
+              <a:rPr lang="en-US"/>
+              <a:t>                  &amp; Testing Set</a:t>
+            </a:r>
           </a:p>
         </p:txBody>
       </p:sp>
     </p:spTree>
     <p:extLst>
       <p:ext uri="{BB962C8B-B14F-4D97-AF65-F5344CB8AC3E}">
-        <p14:creationId xmlns:p14="http://schemas.microsoft.com/office/powerpoint/2010/main" val="2966775741"/>
+        <p14:creationId xmlns:p14="http://schemas.microsoft.com/office/powerpoint/2010/main" val="1270745924"/>
       </p:ext>
     </p:extLst>
   </p:cSld>
@@ -4397,10 +8114,151 @@
       </p:grpSpPr>
       <p:sp>
         <p:nvSpPr>
-          <p:cNvPr id="2" name="Title 1">
-            <a:extLst>
-              <a:ext uri="{FF2B5EF4-FFF2-40B4-BE49-F238E27FC236}">
-                <a16:creationId xmlns:a16="http://schemas.microsoft.com/office/drawing/2014/main" id="{8D1F7077-55E2-B225-CD51-417F61AD2AFB}"/>
+          <p:cNvPr id="2" name="Rectangle: Rounded Corners 1">
+            <a:extLst>
+              <a:ext uri="{FF2B5EF4-FFF2-40B4-BE49-F238E27FC236}">
+                <a16:creationId xmlns:a16="http://schemas.microsoft.com/office/drawing/2014/main" id="{3DDE46A5-73E4-C98D-C7E6-20EB3CDD9DAA}"/>
+              </a:ext>
+            </a:extLst>
+          </p:cNvPr>
+          <p:cNvSpPr/>
+          <p:nvPr/>
+        </p:nvSpPr>
+        <p:spPr>
+          <a:xfrm>
+            <a:off x="1195917" y="2666999"/>
+            <a:ext cx="9800166" cy="1703916"/>
+          </a:xfrm>
+          <a:prstGeom prst="roundRect">
+            <a:avLst/>
+          </a:prstGeom>
+          <a:solidFill>
+            <a:schemeClr val="bg1"/>
+          </a:solidFill>
+          <a:ln w="28575"/>
+        </p:spPr>
+        <p:style>
+          <a:lnRef idx="2">
+            <a:schemeClr val="accent1">
+              <a:shade val="15000"/>
+            </a:schemeClr>
+          </a:lnRef>
+          <a:fillRef idx="1">
+            <a:schemeClr val="accent1"/>
+          </a:fillRef>
+          <a:effectRef idx="0">
+            <a:schemeClr val="accent1"/>
+          </a:effectRef>
+          <a:fontRef idx="minor">
+            <a:schemeClr val="lt1"/>
+          </a:fontRef>
+        </p:style>
+        <p:txBody>
+          <a:bodyPr rtlCol="0" anchor="ctr"/>
+          <a:lstStyle/>
+          <a:p>
+            <a:pPr algn="ctr"/>
+            <a:endParaRPr lang="en-US"/>
+          </a:p>
+        </p:txBody>
+      </p:sp>
+      <p:sp>
+        <p:nvSpPr>
+          <p:cNvPr id="3" name="Content Placeholder 2">
+            <a:extLst>
+              <a:ext uri="{FF2B5EF4-FFF2-40B4-BE49-F238E27FC236}">
+                <a16:creationId xmlns:a16="http://schemas.microsoft.com/office/drawing/2014/main" id="{EBC3A319-6831-CFB9-EA13-9AC3614280F7}"/>
+              </a:ext>
+            </a:extLst>
+          </p:cNvPr>
+          <p:cNvSpPr>
+            <a:spLocks noGrp="1"/>
+          </p:cNvSpPr>
+          <p:nvPr>
+            <p:ph idx="1"/>
+          </p:nvPr>
+        </p:nvSpPr>
+        <p:spPr>
+          <a:xfrm>
+            <a:off x="838200" y="2923268"/>
+            <a:ext cx="10515600" cy="1448481"/>
+          </a:xfrm>
+        </p:spPr>
+        <p:txBody>
+          <a:bodyPr vert="horz" lIns="91440" tIns="45720" rIns="91440" bIns="45720" rtlCol="0" anchor="t">
+            <a:normAutofit/>
+          </a:bodyPr>
+          <a:lstStyle/>
+          <a:p>
+            <a:pPr marL="0" indent="0" algn="ctr">
+              <a:buNone/>
+            </a:pPr>
+            <a:r>
+              <a:rPr lang="en-US" sz="4000">
+                <a:ea typeface="+mn-lt"/>
+                <a:cs typeface="+mn-lt"/>
+              </a:rPr>
+              <a:t>Post-tuning, accuracy improved to </a:t>
+            </a:r>
+            <a:r>
+              <a:rPr lang="en-US" sz="4000" b="1">
+                <a:highlight>
+                  <a:srgbClr val="FFFF00"/>
+                </a:highlight>
+                <a:ea typeface="+mn-lt"/>
+                <a:cs typeface="+mn-lt"/>
+              </a:rPr>
+              <a:t>84.3%</a:t>
+            </a:r>
+            <a:r>
+              <a:rPr lang="en-US" sz="4000">
+                <a:ea typeface="+mn-lt"/>
+                <a:cs typeface="+mn-lt"/>
+              </a:rPr>
+              <a:t>, exceeding our goal.</a:t>
+            </a:r>
+            <a:endParaRPr lang="en-US">
+              <a:ea typeface="+mn-lt"/>
+              <a:cs typeface="+mn-lt"/>
+            </a:endParaRPr>
+          </a:p>
+        </p:txBody>
+      </p:sp>
+      <p:sp>
+        <p:nvSpPr>
+          <p:cNvPr id="4" name="Slide Number Placeholder 3">
+            <a:extLst>
+              <a:ext uri="{FF2B5EF4-FFF2-40B4-BE49-F238E27FC236}">
+                <a16:creationId xmlns:a16="http://schemas.microsoft.com/office/drawing/2014/main" id="{1D0F2AEE-F72C-4895-F25C-E61CF124A72C}"/>
+              </a:ext>
+            </a:extLst>
+          </p:cNvPr>
+          <p:cNvSpPr>
+            <a:spLocks noGrp="1"/>
+          </p:cNvSpPr>
+          <p:nvPr>
+            <p:ph type="sldNum" sz="quarter" idx="12"/>
+          </p:nvPr>
+        </p:nvSpPr>
+        <p:spPr/>
+        <p:txBody>
+          <a:bodyPr/>
+          <a:lstStyle/>
+          <a:p>
+            <a:fld id="{D79359E6-D05C-9546-AA79-5323DC3F04EC}" type="slidenum">
+              <a:rPr lang="en-US" smtClean="0"/>
+              <a:t>13</a:t>
+            </a:fld>
+            <a:endParaRPr lang="en-US"/>
+          </a:p>
+        </p:txBody>
+      </p:sp>
+      <p:sp>
+        <p:nvSpPr>
+          <p:cNvPr id="8" name="Title 1">
+            <a:extLst>
+              <a:ext uri="{FF2B5EF4-FFF2-40B4-BE49-F238E27FC236}">
+                <a16:creationId xmlns:a16="http://schemas.microsoft.com/office/drawing/2014/main" id="{567A88E0-4C64-7986-73A2-4BC1CF3EAA1F}"/>
               </a:ext>
             </a:extLst>
           </p:cNvPr>
@@ -4411,7 +8269,12 @@
             <p:ph type="title"/>
           </p:nvPr>
         </p:nvSpPr>
-        <p:spPr/>
+        <p:spPr>
+          <a:xfrm>
+            <a:off x="838200" y="365125"/>
+            <a:ext cx="10515600" cy="1325563"/>
+          </a:xfrm>
+        </p:spPr>
         <p:txBody>
           <a:bodyPr>
             <a:normAutofit/>
@@ -4419,82 +8282,12 @@
           <a:lstStyle/>
           <a:p>
             <a:r>
-              <a:rPr lang="en-US" dirty="0">
+              <a:rPr lang="en-US">
                 <a:ea typeface="+mj-lt"/>
                 <a:cs typeface="+mj-lt"/>
               </a:rPr>
-              <a:t>Insights and Predictions</a:t>
-            </a:r>
-          </a:p>
-        </p:txBody>
-      </p:sp>
-      <p:sp>
-        <p:nvSpPr>
-          <p:cNvPr id="3" name="Content Placeholder 2">
-            <a:extLst>
-              <a:ext uri="{FF2B5EF4-FFF2-40B4-BE49-F238E27FC236}">
-                <a16:creationId xmlns:a16="http://schemas.microsoft.com/office/drawing/2014/main" id="{EBC3A319-6831-CFB9-EA13-9AC3614280F7}"/>
-              </a:ext>
-            </a:extLst>
-          </p:cNvPr>
-          <p:cNvSpPr>
-            <a:spLocks noGrp="1"/>
-          </p:cNvSpPr>
-          <p:nvPr>
-            <p:ph idx="1"/>
-          </p:nvPr>
-        </p:nvSpPr>
-        <p:spPr/>
-        <p:txBody>
-          <a:bodyPr vert="horz" lIns="91440" tIns="45720" rIns="91440" bIns="45720" rtlCol="0" anchor="t">
-            <a:normAutofit/>
-          </a:bodyPr>
-          <a:lstStyle/>
-          <a:p>
-            <a:r>
-              <a:rPr lang="en-US" dirty="0">
-                <a:ea typeface="+mn-lt"/>
-                <a:cs typeface="+mn-lt"/>
-              </a:rPr>
-              <a:t>Patterns in browsing data accurately indicate purchase likelihood.</a:t>
-            </a:r>
-          </a:p>
-          <a:p>
-            <a:r>
-              <a:rPr lang="en-US" dirty="0">
-                <a:ea typeface="+mn-lt"/>
-                <a:cs typeface="+mn-lt"/>
-              </a:rPr>
-              <a:t>The model's predictions can enhance online retail strategies.</a:t>
-            </a:r>
-          </a:p>
-        </p:txBody>
-      </p:sp>
-      <p:sp>
-        <p:nvSpPr>
-          <p:cNvPr id="4" name="Slide Number Placeholder 3">
-            <a:extLst>
-              <a:ext uri="{FF2B5EF4-FFF2-40B4-BE49-F238E27FC236}">
-                <a16:creationId xmlns:a16="http://schemas.microsoft.com/office/drawing/2014/main" id="{1D0F2AEE-F72C-4895-F25C-E61CF124A72C}"/>
-              </a:ext>
-            </a:extLst>
-          </p:cNvPr>
-          <p:cNvSpPr>
-            <a:spLocks noGrp="1"/>
-          </p:cNvSpPr>
-          <p:nvPr>
-            <p:ph type="sldNum" sz="quarter" idx="12"/>
-          </p:nvPr>
-        </p:nvSpPr>
-        <p:spPr/>
-        <p:txBody>
-          <a:bodyPr/>
-          <a:lstStyle/>
-          <a:p>
-            <a:fld id="{D79359E6-D05C-9546-AA79-5323DC3F04EC}" type="slidenum">
-              <a:rPr lang="en-US" smtClean="0"/>
-              <a:t>13</a:t>
-            </a:fld>
+              <a:t>Tuning and Results</a:t>
+            </a:r>
             <a:endParaRPr lang="en-US"/>
           </a:p>
         </p:txBody>
@@ -4502,7 +8295,7 @@
     </p:spTree>
     <p:extLst>
       <p:ext uri="{BB962C8B-B14F-4D97-AF65-F5344CB8AC3E}">
-        <p14:creationId xmlns:p14="http://schemas.microsoft.com/office/powerpoint/2010/main" val="3675467427"/>
+        <p14:creationId xmlns:p14="http://schemas.microsoft.com/office/powerpoint/2010/main" val="2966775741"/>
       </p:ext>
     </p:extLst>
   </p:cSld>
@@ -4553,11 +8346,11 @@
           <a:lstStyle/>
           <a:p>
             <a:r>
-              <a:rPr lang="en-US" dirty="0">
+              <a:rPr lang="en-US">
                 <a:ea typeface="+mj-lt"/>
                 <a:cs typeface="+mj-lt"/>
               </a:rPr>
-              <a:t>Conclusions and Next Steps</a:t>
+              <a:t>Conclusions</a:t>
             </a:r>
           </a:p>
         </p:txBody>
@@ -4585,48 +8378,69 @@
           </a:bodyPr>
           <a:lstStyle/>
           <a:p>
-            <a:r>
-              <a:rPr lang="en-US" u="sng" dirty="0">
+            <a:pPr marL="0" indent="0">
+              <a:buNone/>
+            </a:pPr>
+            <a:r>
+              <a:rPr lang="en-US">
                 <a:ea typeface="+mn-lt"/>
                 <a:cs typeface="+mn-lt"/>
               </a:rPr>
-              <a:t>Achievement:</a:t>
-            </a:r>
-            <a:r>
-              <a:rPr lang="en-US" dirty="0">
+              <a:t>The predictive model accuracy exceed goal expectation.</a:t>
+            </a:r>
+            <a:endParaRPr lang="en-US"/>
+          </a:p>
+          <a:p>
+            <a:pPr marL="0" indent="0">
+              <a:buNone/>
+            </a:pPr>
+            <a:r>
+              <a:rPr lang="en-US">
                 <a:ea typeface="+mn-lt"/>
                 <a:cs typeface="+mn-lt"/>
               </a:rPr>
-              <a:t> Our model significantly improves prediction accuracy.</a:t>
-            </a:r>
-            <a:endParaRPr lang="en-US">
-              <a:ea typeface="+mn-lt"/>
-              <a:cs typeface="+mn-lt"/>
-            </a:endParaRPr>
-          </a:p>
-          <a:p>
-            <a:r>
-              <a:rPr lang="en-US" dirty="0">
+              <a:t>Next steps: </a:t>
+            </a:r>
+          </a:p>
+          <a:p>
+            <a:pPr marL="457200" indent="-457200"/>
+            <a:r>
+              <a:rPr lang="en-US">
                 <a:ea typeface="+mn-lt"/>
                 <a:cs typeface="+mn-lt"/>
               </a:rPr>
-              <a:t>Next steps involve refining the model and exploring additional applications.</a:t>
-            </a:r>
-            <a:endParaRPr lang="en-US">
-              <a:ea typeface="+mn-lt"/>
-              <a:cs typeface="+mn-lt"/>
-            </a:endParaRPr>
-          </a:p>
-          <a:p>
-            <a:r>
-              <a:rPr lang="en-US" dirty="0">
+              <a:t>Refining the model by including other feature</a:t>
+            </a:r>
+          </a:p>
+          <a:p>
+            <a:pPr marL="457200" indent="-457200"/>
+            <a:r>
+              <a:rPr lang="en-US">
+                <a:ea typeface="+mn-lt"/>
+                <a:cs typeface="+mn-lt"/>
+              </a:rPr>
+              <a:t>Develop API &amp; Plugin for model.</a:t>
+            </a:r>
+            <a:endParaRPr lang="en-US"/>
+          </a:p>
+          <a:p>
+            <a:pPr marL="0" indent="0">
+              <a:buNone/>
+            </a:pPr>
+            <a:r>
+              <a:rPr lang="en-US">
                 <a:ea typeface="+mn-lt"/>
                 <a:cs typeface="+mn-lt"/>
               </a:rPr>
               <a:t>Complete analysis link: </a:t>
             </a:r>
-            <a:r>
-              <a:rPr lang="en-US" dirty="0">
+          </a:p>
+          <a:p>
+            <a:pPr marL="0" indent="0">
+              <a:buNone/>
+            </a:pPr>
+            <a:r>
+              <a:rPr lang="en-US">
                 <a:ea typeface="+mn-lt"/>
                 <a:cs typeface="+mn-lt"/>
                 <a:hlinkClick r:id="rId2"/>
@@ -4634,13 +8448,13 @@
               <a:t>https://github.com/mzfauzi89/Capstone-Project</a:t>
             </a:r>
             <a:r>
-              <a:rPr lang="en-US" dirty="0">
+              <a:rPr lang="en-US">
                 <a:ea typeface="+mn-lt"/>
                 <a:cs typeface="+mn-lt"/>
               </a:rPr>
               <a:t>  </a:t>
             </a:r>
-            <a:endParaRPr lang="en-US" dirty="0"/>
+            <a:endParaRPr lang="en-US"/>
           </a:p>
         </p:txBody>
       </p:sp>
@@ -4689,6 +8503,14 @@
 <file path=ppt/slides/slide15.xml><?xml version="1.0" encoding="utf-8"?>
 <p:sld xmlns:a="http://schemas.openxmlformats.org/drawingml/2006/main" xmlns:r="http://schemas.openxmlformats.org/officeDocument/2006/relationships" xmlns:p="http://schemas.openxmlformats.org/presentationml/2006/main">
   <p:cSld>
+    <p:bg>
+      <p:bgPr>
+        <a:solidFill>
+          <a:schemeClr val="bg2"/>
+        </a:solidFill>
+        <a:effectLst/>
+      </p:bgPr>
+    </p:bg>
     <p:spTree>
       <p:nvGrpSpPr>
         <p:cNvPr id="1" name=""/>
@@ -4761,7 +8583,7 @@
           <a:lstStyle/>
           <a:p>
             <a:r>
-              <a:rPr lang="en-US" sz="6000" dirty="0"/>
+              <a:rPr lang="en-US" sz="6000"/>
               <a:t>Thank you</a:t>
             </a:r>
           </a:p>
@@ -4819,16 +8641,16 @@
           <a:lstStyle/>
           <a:p>
             <a:r>
-              <a:rPr lang="en-US" dirty="0">
+              <a:rPr lang="en-US">
                 <a:solidFill>
                   <a:srgbClr val="000000"/>
                 </a:solidFill>
                 <a:ea typeface="+mj-lt"/>
                 <a:cs typeface="+mj-lt"/>
               </a:rPr>
-              <a:t>The Problems</a:t>
-            </a:r>
-            <a:endParaRPr lang="en-US" dirty="0"/>
+              <a:t>The Challenge in E-Commerce</a:t>
+            </a:r>
+            <a:endParaRPr lang="en-US"/>
           </a:p>
         </p:txBody>
       </p:sp>
@@ -4850,8 +8672,8 @@
         </p:nvSpPr>
         <p:spPr>
           <a:xfrm>
-            <a:off x="838200" y="1825625"/>
-            <a:ext cx="10526805" cy="967162"/>
+            <a:off x="838200" y="2280708"/>
+            <a:ext cx="10505639" cy="2279495"/>
           </a:xfrm>
         </p:spPr>
         <p:txBody>
@@ -4860,34 +8682,70 @@
           </a:bodyPr>
           <a:lstStyle/>
           <a:p>
-            <a:r>
-              <a:rPr lang="en-US" dirty="0">
+            <a:pPr marL="0" indent="0" algn="ctr">
+              <a:buNone/>
+            </a:pPr>
+            <a:r>
+              <a:rPr lang="en-US">
                 <a:ea typeface="+mn-lt"/>
                 <a:cs typeface="+mn-lt"/>
               </a:rPr>
-              <a:t>In digital age, understanding online shopper behavior is crucial for e-commerce success.</a:t>
+              <a:t>Understanding the vast, varied </a:t>
+            </a:r>
+            <a:r>
+              <a:rPr lang="en-US">
+                <a:highlight>
+                  <a:srgbClr val="FFFF00"/>
+                </a:highlight>
+                <a:ea typeface="+mn-lt"/>
+                <a:cs typeface="+mn-lt"/>
+              </a:rPr>
+              <a:t>behaviors of online shoppers</a:t>
+            </a:r>
+            <a:r>
+              <a:rPr lang="en-US">
+                <a:ea typeface="+mn-lt"/>
+                <a:cs typeface="+mn-lt"/>
+              </a:rPr>
+              <a:t> is a major challenge.</a:t>
+            </a:r>
+            <a:endParaRPr lang="en-US"/>
+          </a:p>
+          <a:p>
+            <a:pPr marL="0" indent="0" algn="ctr">
+              <a:buNone/>
+            </a:pPr>
+            <a:endParaRPr lang="en-US">
+              <a:ea typeface="+mn-lt"/>
+              <a:cs typeface="+mn-lt"/>
+            </a:endParaRPr>
+          </a:p>
+          <a:p>
+            <a:pPr marL="0" indent="0" algn="ctr">
+              <a:buNone/>
+            </a:pPr>
+            <a:r>
+              <a:rPr lang="en-US">
+                <a:ea typeface="+mn-lt"/>
+                <a:cs typeface="+mn-lt"/>
+              </a:rPr>
+              <a:t>Predicting these behaviors enhances consumer engagement, making interactions more personalized and effective.</a:t>
             </a:r>
           </a:p>
           <a:p>
             <a:pPr marL="0" indent="0">
               <a:buNone/>
             </a:pPr>
-            <a:endParaRPr lang="en-US" dirty="0">
+            <a:endParaRPr lang="en-US">
               <a:ea typeface="+mn-lt"/>
               <a:cs typeface="+mn-lt"/>
             </a:endParaRPr>
           </a:p>
           <a:p>
-            <a:pPr marL="0" indent="0">
-              <a:buNone/>
-            </a:pPr>
-            <a:endParaRPr lang="en-US" dirty="0">
+            <a:endParaRPr lang="en-US">
               <a:ea typeface="+mn-lt"/>
               <a:cs typeface="+mn-lt"/>
             </a:endParaRPr>
-          </a:p>
-          <a:p>
-            <a:endParaRPr lang="en-US" dirty="0"/>
           </a:p>
         </p:txBody>
       </p:sp>
@@ -4922,103 +8780,36 @@
       </p:sp>
       <p:sp>
         <p:nvSpPr>
-          <p:cNvPr id="5" name="Title 1">
-            <a:extLst>
-              <a:ext uri="{FF2B5EF4-FFF2-40B4-BE49-F238E27FC236}">
-                <a16:creationId xmlns:a16="http://schemas.microsoft.com/office/drawing/2014/main" id="{8D1F7077-55E2-B225-CD51-417F61AD2AFB}"/>
-              </a:ext>
-            </a:extLst>
-          </p:cNvPr>
-          <p:cNvSpPr>
-            <a:spLocks noGrp="1"/>
-          </p:cNvSpPr>
+          <p:cNvPr id="7" name="TextBox 4">
+            <a:extLst>
+              <a:ext uri="{FF2B5EF4-FFF2-40B4-BE49-F238E27FC236}">
+                <a16:creationId xmlns:a16="http://schemas.microsoft.com/office/drawing/2014/main" id="{4F2D1CE0-FEBD-89E6-8484-5F0E1A33B87E}"/>
+              </a:ext>
+            </a:extLst>
+          </p:cNvPr>
+          <p:cNvSpPr txBox="1"/>
           <p:nvPr/>
         </p:nvSpPr>
         <p:spPr>
           <a:xfrm>
-            <a:off x="838200" y="3120705"/>
-            <a:ext cx="10515600" cy="1325563"/>
+            <a:off x="840161" y="5708651"/>
+            <a:ext cx="10570751" cy="646331"/>
           </a:xfrm>
           <a:prstGeom prst="rect">
             <a:avLst/>
           </a:prstGeom>
+          <a:noFill/>
         </p:spPr>
         <p:txBody>
-          <a:bodyPr vert="horz" lIns="91440" tIns="45720" rIns="91440" bIns="45720" rtlCol="0" anchor="ctr">
-            <a:normAutofit/>
+          <a:bodyPr wrap="square" lIns="91440" tIns="45720" rIns="91440" bIns="45720" rtlCol="0" anchor="t">
+            <a:spAutoFit/>
           </a:bodyPr>
           <a:lstStyle>
-            <a:lvl1pPr algn="l" defTabSz="914400" rtl="0" eaLnBrk="1" latinLnBrk="0" hangingPunct="1">
-              <a:lnSpc>
-                <a:spcPct val="90000"/>
-              </a:lnSpc>
-              <a:spcBef>
-                <a:spcPct val="0"/>
-              </a:spcBef>
-              <a:buNone/>
-              <a:defRPr sz="4400" kern="1200">
-                <a:solidFill>
-                  <a:schemeClr val="tx1"/>
-                </a:solidFill>
-                <a:latin typeface="+mj-lt"/>
-                <a:ea typeface="+mj-ea"/>
-                <a:cs typeface="+mj-cs"/>
-              </a:defRPr>
-            </a:lvl1pPr>
-          </a:lstStyle>
-          <a:p>
-            <a:r>
-              <a:rPr lang="en-US" dirty="0">
-                <a:solidFill>
-                  <a:srgbClr val="000000"/>
-                </a:solidFill>
-                <a:ea typeface="+mj-lt"/>
-                <a:cs typeface="+mj-lt"/>
-              </a:rPr>
-              <a:t>Why this Matters?</a:t>
-            </a:r>
-            <a:endParaRPr lang="en-US" dirty="0"/>
-          </a:p>
-        </p:txBody>
-      </p:sp>
-      <p:sp>
-        <p:nvSpPr>
-          <p:cNvPr id="6" name="Content Placeholder 2">
-            <a:extLst>
-              <a:ext uri="{FF2B5EF4-FFF2-40B4-BE49-F238E27FC236}">
-                <a16:creationId xmlns:a16="http://schemas.microsoft.com/office/drawing/2014/main" id="{EBC3A319-6831-CFB9-EA13-9AC3614280F7}"/>
-              </a:ext>
-            </a:extLst>
-          </p:cNvPr>
-          <p:cNvSpPr>
-            <a:spLocks noGrp="1"/>
-          </p:cNvSpPr>
-          <p:nvPr/>
-        </p:nvSpPr>
-        <p:spPr>
-          <a:xfrm>
-            <a:off x="838200" y="4581205"/>
-            <a:ext cx="10526805" cy="1930869"/>
-          </a:xfrm>
-          <a:prstGeom prst="rect">
-            <a:avLst/>
-          </a:prstGeom>
-        </p:spPr>
-        <p:txBody>
-          <a:bodyPr vert="horz" lIns="91440" tIns="45720" rIns="91440" bIns="45720" rtlCol="0" anchor="t">
-            <a:normAutofit/>
-          </a:bodyPr>
-          <a:lstStyle>
-            <a:lvl1pPr marL="228600" indent="-228600" algn="l" defTabSz="914400" rtl="0" eaLnBrk="1" latinLnBrk="0" hangingPunct="1">
-              <a:lnSpc>
-                <a:spcPct val="90000"/>
-              </a:lnSpc>
-              <a:spcBef>
-                <a:spcPts val="1000"/>
-              </a:spcBef>
-              <a:buFont typeface="Arial" panose="020B0604020202020204" pitchFamily="34" charset="0"/>
-              <a:buChar char="•"/>
-              <a:defRPr sz="2800" kern="1200">
+            <a:defPPr>
+              <a:defRPr lang="en-US"/>
+            </a:defPPr>
+            <a:lvl1pPr marL="0" algn="l" defTabSz="914400" rtl="0" eaLnBrk="1" latinLnBrk="0" hangingPunct="1">
+              <a:defRPr sz="1800" kern="1200">
                 <a:solidFill>
                   <a:schemeClr val="tx1"/>
                 </a:solidFill>
@@ -5027,16 +8818,8 @@
                 <a:cs typeface="+mn-cs"/>
               </a:defRPr>
             </a:lvl1pPr>
-            <a:lvl2pPr marL="685800" indent="-228600" algn="l" defTabSz="914400" rtl="0" eaLnBrk="1" latinLnBrk="0" hangingPunct="1">
-              <a:lnSpc>
-                <a:spcPct val="90000"/>
-              </a:lnSpc>
-              <a:spcBef>
-                <a:spcPts val="500"/>
-              </a:spcBef>
-              <a:buFont typeface="Arial" panose="020B0604020202020204" pitchFamily="34" charset="0"/>
-              <a:buChar char="•"/>
-              <a:defRPr sz="2400" kern="1200">
+            <a:lvl2pPr marL="457200" algn="l" defTabSz="914400" rtl="0" eaLnBrk="1" latinLnBrk="0" hangingPunct="1">
+              <a:defRPr sz="1800" kern="1200">
                 <a:solidFill>
                   <a:schemeClr val="tx1"/>
                 </a:solidFill>
@@ -5045,16 +8828,8 @@
                 <a:cs typeface="+mn-cs"/>
               </a:defRPr>
             </a:lvl2pPr>
-            <a:lvl3pPr marL="1143000" indent="-228600" algn="l" defTabSz="914400" rtl="0" eaLnBrk="1" latinLnBrk="0" hangingPunct="1">
-              <a:lnSpc>
-                <a:spcPct val="90000"/>
-              </a:lnSpc>
-              <a:spcBef>
-                <a:spcPts val="500"/>
-              </a:spcBef>
-              <a:buFont typeface="Arial" panose="020B0604020202020204" pitchFamily="34" charset="0"/>
-              <a:buChar char="•"/>
-              <a:defRPr sz="2000" kern="1200">
+            <a:lvl3pPr marL="914400" algn="l" defTabSz="914400" rtl="0" eaLnBrk="1" latinLnBrk="0" hangingPunct="1">
+              <a:defRPr sz="1800" kern="1200">
                 <a:solidFill>
                   <a:schemeClr val="tx1"/>
                 </a:solidFill>
@@ -5063,15 +8838,7 @@
                 <a:cs typeface="+mn-cs"/>
               </a:defRPr>
             </a:lvl3pPr>
-            <a:lvl4pPr marL="1600200" indent="-228600" algn="l" defTabSz="914400" rtl="0" eaLnBrk="1" latinLnBrk="0" hangingPunct="1">
-              <a:lnSpc>
-                <a:spcPct val="90000"/>
-              </a:lnSpc>
-              <a:spcBef>
-                <a:spcPts val="500"/>
-              </a:spcBef>
-              <a:buFont typeface="Arial" panose="020B0604020202020204" pitchFamily="34" charset="0"/>
-              <a:buChar char="•"/>
+            <a:lvl4pPr marL="1371600" algn="l" defTabSz="914400" rtl="0" eaLnBrk="1" latinLnBrk="0" hangingPunct="1">
               <a:defRPr sz="1800" kern="1200">
                 <a:solidFill>
                   <a:schemeClr val="tx1"/>
@@ -5081,15 +8848,7 @@
                 <a:cs typeface="+mn-cs"/>
               </a:defRPr>
             </a:lvl4pPr>
-            <a:lvl5pPr marL="2057400" indent="-228600" algn="l" defTabSz="914400" rtl="0" eaLnBrk="1" latinLnBrk="0" hangingPunct="1">
-              <a:lnSpc>
-                <a:spcPct val="90000"/>
-              </a:lnSpc>
-              <a:spcBef>
-                <a:spcPts val="500"/>
-              </a:spcBef>
-              <a:buFont typeface="Arial" panose="020B0604020202020204" pitchFamily="34" charset="0"/>
-              <a:buChar char="•"/>
+            <a:lvl5pPr marL="1828800" algn="l" defTabSz="914400" rtl="0" eaLnBrk="1" latinLnBrk="0" hangingPunct="1">
               <a:defRPr sz="1800" kern="1200">
                 <a:solidFill>
                   <a:schemeClr val="tx1"/>
@@ -5099,15 +8858,7 @@
                 <a:cs typeface="+mn-cs"/>
               </a:defRPr>
             </a:lvl5pPr>
-            <a:lvl6pPr marL="2514600" indent="-228600" algn="l" defTabSz="914400" rtl="0" eaLnBrk="1" latinLnBrk="0" hangingPunct="1">
-              <a:lnSpc>
-                <a:spcPct val="90000"/>
-              </a:lnSpc>
-              <a:spcBef>
-                <a:spcPts val="500"/>
-              </a:spcBef>
-              <a:buFont typeface="Arial" panose="020B0604020202020204" pitchFamily="34" charset="0"/>
-              <a:buChar char="•"/>
+            <a:lvl6pPr marL="2286000" algn="l" defTabSz="914400" rtl="0" eaLnBrk="1" latinLnBrk="0" hangingPunct="1">
               <a:defRPr sz="1800" kern="1200">
                 <a:solidFill>
                   <a:schemeClr val="tx1"/>
@@ -5117,15 +8868,7 @@
                 <a:cs typeface="+mn-cs"/>
               </a:defRPr>
             </a:lvl6pPr>
-            <a:lvl7pPr marL="2971800" indent="-228600" algn="l" defTabSz="914400" rtl="0" eaLnBrk="1" latinLnBrk="0" hangingPunct="1">
-              <a:lnSpc>
-                <a:spcPct val="90000"/>
-              </a:lnSpc>
-              <a:spcBef>
-                <a:spcPts val="500"/>
-              </a:spcBef>
-              <a:buFont typeface="Arial" panose="020B0604020202020204" pitchFamily="34" charset="0"/>
-              <a:buChar char="•"/>
+            <a:lvl7pPr marL="2743200" algn="l" defTabSz="914400" rtl="0" eaLnBrk="1" latinLnBrk="0" hangingPunct="1">
               <a:defRPr sz="1800" kern="1200">
                 <a:solidFill>
                   <a:schemeClr val="tx1"/>
@@ -5135,15 +8878,7 @@
                 <a:cs typeface="+mn-cs"/>
               </a:defRPr>
             </a:lvl7pPr>
-            <a:lvl8pPr marL="3429000" indent="-228600" algn="l" defTabSz="914400" rtl="0" eaLnBrk="1" latinLnBrk="0" hangingPunct="1">
-              <a:lnSpc>
-                <a:spcPct val="90000"/>
-              </a:lnSpc>
-              <a:spcBef>
-                <a:spcPts val="500"/>
-              </a:spcBef>
-              <a:buFont typeface="Arial" panose="020B0604020202020204" pitchFamily="34" charset="0"/>
-              <a:buChar char="•"/>
+            <a:lvl8pPr marL="3200400" algn="l" defTabSz="914400" rtl="0" eaLnBrk="1" latinLnBrk="0" hangingPunct="1">
               <a:defRPr sz="1800" kern="1200">
                 <a:solidFill>
                   <a:schemeClr val="tx1"/>
@@ -5153,15 +8888,7 @@
                 <a:cs typeface="+mn-cs"/>
               </a:defRPr>
             </a:lvl8pPr>
-            <a:lvl9pPr marL="3886200" indent="-228600" algn="l" defTabSz="914400" rtl="0" eaLnBrk="1" latinLnBrk="0" hangingPunct="1">
-              <a:lnSpc>
-                <a:spcPct val="90000"/>
-              </a:lnSpc>
-              <a:spcBef>
-                <a:spcPts val="500"/>
-              </a:spcBef>
-              <a:buFont typeface="Arial" panose="020B0604020202020204" pitchFamily="34" charset="0"/>
-              <a:buChar char="•"/>
+            <a:lvl9pPr marL="3657600" algn="l" defTabSz="914400" rtl="0" eaLnBrk="1" latinLnBrk="0" hangingPunct="1">
               <a:defRPr sz="1800" kern="1200">
                 <a:solidFill>
                   <a:schemeClr val="tx1"/>
@@ -5174,25 +8901,45 @@
           </a:lstStyle>
           <a:p>
             <a:r>
-              <a:rPr lang="en-US" dirty="0">
+              <a:rPr lang="en-US">
+                <a:solidFill>
+                  <a:srgbClr val="222222"/>
+                </a:solidFill>
                 <a:ea typeface="+mn-lt"/>
                 <a:cs typeface="+mn-lt"/>
               </a:rPr>
-              <a:t>Accurate predictions can improve customer interactions and shopping experiences.</a:t>
-            </a:r>
-          </a:p>
-          <a:p>
-            <a:endParaRPr lang="en-US" dirty="0">
+              <a:t>Huseynov, F., &amp; Özkan Yıldırım, S. (2019). Online consumer typologies and their shopping behaviors in B2C</a:t>
+            </a:r>
+            <a:endParaRPr lang="en-US">
+              <a:solidFill>
+                <a:srgbClr val="000000"/>
+              </a:solidFill>
               <a:ea typeface="+mn-lt"/>
               <a:cs typeface="+mn-lt"/>
             </a:endParaRPr>
           </a:p>
+          <a:p>
+            <a:r>
+              <a:rPr lang="en-US">
+                <a:solidFill>
+                  <a:srgbClr val="222222"/>
+                </a:solidFill>
+                <a:ea typeface="+mn-lt"/>
+                <a:cs typeface="+mn-lt"/>
+              </a:rPr>
+              <a:t>e-commerce platforms. Sage Open, 9(2), 2158244019854639.</a:t>
+            </a:r>
+            <a:endParaRPr lang="en-US">
+              <a:ea typeface="+mn-lt"/>
+              <a:cs typeface="+mn-lt"/>
+            </a:endParaRPr>
+          </a:p>
         </p:txBody>
       </p:sp>
     </p:spTree>
     <p:extLst>
       <p:ext uri="{BB962C8B-B14F-4D97-AF65-F5344CB8AC3E}">
-        <p14:creationId xmlns:p14="http://schemas.microsoft.com/office/powerpoint/2010/main" val="2291164195"/>
+        <p14:creationId xmlns:p14="http://schemas.microsoft.com/office/powerpoint/2010/main" val="445122182"/>
       </p:ext>
     </p:extLst>
   </p:cSld>
@@ -5221,6 +8968,56 @@
       </p:grpSpPr>
       <p:sp>
         <p:nvSpPr>
+          <p:cNvPr id="6" name="Rectangle: Rounded Corners 5">
+            <a:extLst>
+              <a:ext uri="{FF2B5EF4-FFF2-40B4-BE49-F238E27FC236}">
+                <a16:creationId xmlns:a16="http://schemas.microsoft.com/office/drawing/2014/main" id="{44059034-6E11-C8B9-0121-66C092109C0D}"/>
+              </a:ext>
+            </a:extLst>
+          </p:cNvPr>
+          <p:cNvSpPr/>
+          <p:nvPr/>
+        </p:nvSpPr>
+        <p:spPr>
+          <a:xfrm>
+            <a:off x="2518834" y="2550583"/>
+            <a:ext cx="7154333" cy="2031999"/>
+          </a:xfrm>
+          <a:prstGeom prst="roundRect">
+            <a:avLst/>
+          </a:prstGeom>
+          <a:solidFill>
+            <a:schemeClr val="bg1"/>
+          </a:solidFill>
+          <a:ln w="28575"/>
+        </p:spPr>
+        <p:style>
+          <a:lnRef idx="2">
+            <a:schemeClr val="accent1">
+              <a:shade val="15000"/>
+            </a:schemeClr>
+          </a:lnRef>
+          <a:fillRef idx="1">
+            <a:schemeClr val="accent1"/>
+          </a:fillRef>
+          <a:effectRef idx="0">
+            <a:schemeClr val="accent1"/>
+          </a:effectRef>
+          <a:fontRef idx="minor">
+            <a:schemeClr val="lt1"/>
+          </a:fontRef>
+        </p:style>
+        <p:txBody>
+          <a:bodyPr rtlCol="0" anchor="ctr"/>
+          <a:lstStyle/>
+          <a:p>
+            <a:pPr algn="ctr"/>
+            <a:endParaRPr lang="en-US"/>
+          </a:p>
+        </p:txBody>
+      </p:sp>
+      <p:sp>
+        <p:nvSpPr>
           <p:cNvPr id="2" name="Title 1">
             <a:extLst>
               <a:ext uri="{FF2B5EF4-FFF2-40B4-BE49-F238E27FC236}">
@@ -5241,8 +9038,8 @@
           <a:lstStyle/>
           <a:p>
             <a:r>
-              <a:rPr lang="en-US" dirty="0"/>
-              <a:t>Objective &amp; Goals</a:t>
+              <a:rPr lang="en-US"/>
+              <a:t>Objective &amp; Goal</a:t>
             </a:r>
           </a:p>
         </p:txBody>
@@ -5263,36 +9060,37 @@
             <p:ph idx="1"/>
           </p:nvPr>
         </p:nvSpPr>
-        <p:spPr/>
+        <p:spPr>
+          <a:xfrm>
+            <a:off x="838200" y="2799292"/>
+            <a:ext cx="10505017" cy="1663172"/>
+          </a:xfrm>
+        </p:spPr>
         <p:txBody>
           <a:bodyPr vert="horz" lIns="91440" tIns="45720" rIns="91440" bIns="45720" rtlCol="0" anchor="t">
             <a:normAutofit/>
           </a:bodyPr>
           <a:lstStyle/>
           <a:p>
-            <a:r>
-              <a:rPr lang="en-US" b="1" dirty="0">
+            <a:pPr marL="0" indent="0" algn="ctr">
+              <a:buNone/>
+            </a:pPr>
+            <a:r>
+              <a:rPr lang="en-US">
                 <a:ea typeface="+mn-lt"/>
                 <a:cs typeface="+mn-lt"/>
               </a:rPr>
-              <a:t>Objective:</a:t>
-            </a:r>
-            <a:r>
-              <a:rPr lang="en-US" dirty="0">
-                <a:ea typeface="+mn-lt"/>
-                <a:cs typeface="+mn-lt"/>
-              </a:rPr>
-              <a:t> To build a model</a:t>
-            </a:r>
-            <a:r>
-              <a:rPr lang="en-US" dirty="0">
+              <a:t>Build machine learning model</a:t>
+            </a:r>
+            <a:r>
+              <a:rPr lang="en-US">
                 <a:ea typeface="+mn-lt"/>
                 <a:cs typeface="Arial"/>
               </a:rPr>
-              <a:t> that</a:t>
-            </a:r>
-            <a:r>
-              <a:rPr lang="en-US" dirty="0">
+              <a:t> that</a:t>
+            </a:r>
+            <a:r>
+              <a:rPr lang="en-US">
                 <a:solidFill>
                   <a:srgbClr val="000000"/>
                 </a:solidFill>
@@ -5303,69 +9101,86 @@
               <a:t> </a:t>
             </a:r>
             <a:r>
-              <a:rPr lang="en-US" dirty="0">
+              <a:rPr lang="en-US">
+                <a:solidFill>
+                  <a:srgbClr val="000000"/>
+                </a:solidFill>
+                <a:ea typeface="+mn-lt"/>
+                <a:cs typeface="Arial"/>
+              </a:rPr>
+              <a:t>can </a:t>
+            </a:r>
+            <a:endParaRPr lang="en-US">
+              <a:solidFill>
+                <a:srgbClr val="000000"/>
+              </a:solidFill>
+              <a:ea typeface="+mn-lt"/>
+              <a:cs typeface="+mn-lt"/>
+            </a:endParaRPr>
+          </a:p>
+          <a:p>
+            <a:pPr marL="0" indent="0" algn="ctr">
+              <a:buNone/>
+            </a:pPr>
+            <a:r>
+              <a:rPr lang="en-US" b="1">
                 <a:solidFill>
                   <a:srgbClr val="000000"/>
                 </a:solidFill>
                 <a:ea typeface="+mn-lt"/>
                 <a:cs typeface="+mn-lt"/>
               </a:rPr>
-              <a:t>predict</a:t>
-            </a:r>
-            <a:r>
-              <a:rPr lang="en-US" dirty="0">
+              <a:t>Predict</a:t>
+            </a:r>
+            <a:r>
+              <a:rPr lang="en-US" b="1">
                 <a:ea typeface="+mn-lt"/>
                 <a:cs typeface="+mn-lt"/>
               </a:rPr>
-              <a:t> purchases from browsing behavior.</a:t>
-            </a:r>
-          </a:p>
-          <a:p>
-            <a:r>
-              <a:rPr lang="en-US" b="1" dirty="0">
+              <a:t> Purchases</a:t>
+            </a:r>
+            <a:r>
+              <a:rPr lang="en-US">
                 <a:ea typeface="+mn-lt"/>
                 <a:cs typeface="+mn-lt"/>
               </a:rPr>
-              <a:t>Goal:</a:t>
-            </a:r>
-            <a:r>
-              <a:rPr lang="en-US" dirty="0">
+              <a:t> from </a:t>
+            </a:r>
+            <a:r>
+              <a:rPr lang="en-US" b="1">
                 <a:ea typeface="+mn-lt"/>
                 <a:cs typeface="+mn-lt"/>
               </a:rPr>
-              <a:t> To surpass baseline accuracy by 10%.</a:t>
-            </a:r>
-          </a:p>
-          <a:p>
-            <a:r>
-              <a:rPr lang="en-US" b="1" dirty="0">
+              <a:t>Browsing Behavior</a:t>
+            </a:r>
+            <a:endParaRPr lang="en-US"/>
+          </a:p>
+          <a:p>
+            <a:pPr marL="0" indent="0" algn="ctr">
+              <a:buNone/>
+            </a:pPr>
+            <a:r>
+              <a:rPr lang="en-US">
                 <a:ea typeface="+mn-lt"/>
                 <a:cs typeface="+mn-lt"/>
               </a:rPr>
-              <a:t>Output:</a:t>
-            </a:r>
-            <a:r>
-              <a:rPr lang="en-US" dirty="0">
+              <a:t>with </a:t>
+            </a:r>
+            <a:r>
+              <a:rPr lang="en-US" b="1">
                 <a:ea typeface="+mn-lt"/>
                 <a:cs typeface="+mn-lt"/>
               </a:rPr>
-              <a:t> A </a:t>
-            </a:r>
-            <a:r>
-              <a:rPr lang="en-US" dirty="0" err="1">
+              <a:t>Accuracy &gt; 80%</a:t>
+            </a:r>
+            <a:r>
+              <a:rPr lang="en-US">
                 <a:ea typeface="+mn-lt"/>
                 <a:cs typeface="+mn-lt"/>
               </a:rPr>
-              <a:t>Jupyter</a:t>
-            </a:r>
-            <a:r>
-              <a:rPr lang="en-US" dirty="0">
-                <a:ea typeface="+mn-lt"/>
-                <a:cs typeface="+mn-lt"/>
-              </a:rPr>
-              <a:t> Notebook with model with the predictive model and insights.</a:t>
-            </a:r>
-            <a:endParaRPr lang="en-US" dirty="0"/>
+              <a:t>.</a:t>
+            </a:r>
+            <a:endParaRPr lang="en-US"/>
           </a:p>
         </p:txBody>
       </p:sp>
@@ -5401,7 +9216,7 @@
     </p:spTree>
     <p:extLst>
       <p:ext uri="{BB962C8B-B14F-4D97-AF65-F5344CB8AC3E}">
-        <p14:creationId xmlns:p14="http://schemas.microsoft.com/office/powerpoint/2010/main" val="4224116924"/>
+        <p14:creationId xmlns:p14="http://schemas.microsoft.com/office/powerpoint/2010/main" val="601183628"/>
       </p:ext>
     </p:extLst>
   </p:cSld>
@@ -5450,17 +9265,13 @@
           <a:lstStyle/>
           <a:p>
             <a:r>
-              <a:rPr lang="en-US" dirty="0"/>
-              <a:t>The</a:t>
-            </a:r>
-            <a:r>
-              <a:rPr lang="en-US" dirty="0">
+              <a:rPr lang="en-US">
                 <a:ea typeface="+mj-lt"/>
                 <a:cs typeface="+mj-lt"/>
               </a:rPr>
-              <a:t> Dataset</a:t>
-            </a:r>
-            <a:endParaRPr lang="en-US" dirty="0"/>
+              <a:t>Why?</a:t>
+            </a:r>
+            <a:endParaRPr lang="en-US"/>
           </a:p>
         </p:txBody>
       </p:sp>
@@ -5480,60 +9291,148 @@
             <p:ph idx="1"/>
           </p:nvPr>
         </p:nvSpPr>
-        <p:spPr/>
+        <p:spPr>
+          <a:xfrm>
+            <a:off x="838200" y="1825625"/>
+            <a:ext cx="10505017" cy="4552421"/>
+          </a:xfrm>
+        </p:spPr>
         <p:txBody>
           <a:bodyPr vert="horz" lIns="91440" tIns="45720" rIns="91440" bIns="45720" rtlCol="0" anchor="t">
             <a:normAutofit/>
           </a:bodyPr>
           <a:lstStyle/>
           <a:p>
-            <a:r>
-              <a:rPr lang="en-US" b="1" dirty="0">
+            <a:pPr marL="0" indent="0">
+              <a:buNone/>
+            </a:pPr>
+            <a:r>
+              <a:rPr lang="en-US">
                 <a:ea typeface="+mn-lt"/>
                 <a:cs typeface="+mn-lt"/>
               </a:rPr>
-              <a:t>Source:</a:t>
-            </a:r>
-            <a:r>
-              <a:rPr lang="en-US" dirty="0">
+              <a:t>Patterns &amp; insight from model will enables data-driven decisions:</a:t>
+            </a:r>
+            <a:endParaRPr lang="en-US"/>
+          </a:p>
+          <a:p>
+            <a:pPr marL="457200" indent="-457200"/>
+            <a:r>
+              <a:rPr lang="en-US" u="sng">
                 <a:ea typeface="+mn-lt"/>
                 <a:cs typeface="+mn-lt"/>
               </a:rPr>
-              <a:t> Kaggle. </a:t>
-            </a:r>
-            <a:endParaRPr lang="en-US" dirty="0"/>
-          </a:p>
-          <a:p>
-            <a:r>
-              <a:rPr lang="en-US" b="1" dirty="0">
+              <a:t>Personalize</a:t>
+            </a:r>
+            <a:r>
+              <a:rPr lang="en-US">
                 <a:ea typeface="+mn-lt"/>
                 <a:cs typeface="+mn-lt"/>
               </a:rPr>
-              <a:t>Focus: </a:t>
-            </a:r>
-            <a:r>
-              <a:rPr lang="en-US" dirty="0">
+              <a:t> Product Recommendations</a:t>
+            </a:r>
+          </a:p>
+          <a:p>
+            <a:pPr marL="457200" indent="-457200"/>
+            <a:r>
+              <a:rPr lang="en-US" u="sng">
                 <a:ea typeface="+mn-lt"/>
                 <a:cs typeface="+mn-lt"/>
               </a:rPr>
-              <a:t>Browsing behavior features.</a:t>
-            </a:r>
-          </a:p>
-          <a:p>
-            <a:r>
-              <a:rPr lang="en-US" b="1" dirty="0">
+              <a:t>Optimize</a:t>
+            </a:r>
+            <a:r>
+              <a:rPr lang="en-US">
                 <a:ea typeface="+mn-lt"/>
                 <a:cs typeface="+mn-lt"/>
               </a:rPr>
-              <a:t>Assumption:</a:t>
-            </a:r>
-            <a:r>
-              <a:rPr lang="en-US" dirty="0">
+              <a:t> Marketing Campaigns</a:t>
+            </a:r>
+            <a:endParaRPr lang="en-US"/>
+          </a:p>
+          <a:p>
+            <a:pPr marL="457200" indent="-457200"/>
+            <a:r>
+              <a:rPr lang="en-US" u="sng">
                 <a:ea typeface="+mn-lt"/>
                 <a:cs typeface="+mn-lt"/>
               </a:rPr>
-              <a:t> Data mirrors online shopper trends and behaviors.</a:t>
-            </a:r>
+              <a:t>Improve</a:t>
+            </a:r>
+            <a:r>
+              <a:rPr lang="en-US">
+                <a:ea typeface="+mn-lt"/>
+                <a:cs typeface="+mn-lt"/>
+              </a:rPr>
+              <a:t> Customer Engagement</a:t>
+            </a:r>
+          </a:p>
+          <a:p>
+            <a:pPr marL="0" indent="0">
+              <a:buNone/>
+            </a:pPr>
+            <a:endParaRPr lang="en-US"/>
+          </a:p>
+          <a:p>
+            <a:pPr marL="0" indent="0">
+              <a:buNone/>
+            </a:pPr>
+            <a:r>
+              <a:rPr lang="en-US"/>
+              <a:t>Thus...</a:t>
+            </a:r>
+          </a:p>
+          <a:p>
+            <a:pPr marL="0" indent="0">
+              <a:buNone/>
+            </a:pPr>
+            <a:endParaRPr lang="en-US"/>
+          </a:p>
+          <a:p>
+            <a:pPr marL="0" indent="0" algn="ctr">
+              <a:buNone/>
+            </a:pPr>
+            <a:r>
+              <a:rPr lang="en-US"/>
+              <a:t>Increased </a:t>
+            </a:r>
+            <a:r>
+              <a:rPr lang="en-US" b="1"/>
+              <a:t>Revenue</a:t>
+            </a:r>
+            <a:r>
+              <a:rPr lang="en-US"/>
+              <a:t> &amp; </a:t>
+            </a:r>
+            <a:r>
+              <a:rPr lang="en-US" b="1"/>
+              <a:t>Customer Satisfaction</a:t>
+            </a:r>
+            <a:endParaRPr lang="en-US"/>
+          </a:p>
+          <a:p>
+            <a:pPr marL="0" indent="0">
+              <a:buNone/>
+            </a:pPr>
+            <a:endParaRPr lang="en-US"/>
+          </a:p>
+          <a:p>
+            <a:pPr marL="0" indent="0">
+              <a:buNone/>
+            </a:pPr>
+            <a:endParaRPr lang="en-US"/>
+          </a:p>
+          <a:p>
+            <a:pPr marL="0" indent="0">
+              <a:buNone/>
+            </a:pPr>
+            <a:endParaRPr lang="en-US"/>
+          </a:p>
+          <a:p>
+            <a:pPr marL="0" indent="0">
+              <a:buNone/>
+            </a:pPr>
+            <a:endParaRPr lang="en-US"/>
           </a:p>
         </p:txBody>
       </p:sp>
@@ -5569,7 +9468,7 @@
     </p:spTree>
     <p:extLst>
       <p:ext uri="{BB962C8B-B14F-4D97-AF65-F5344CB8AC3E}">
-        <p14:creationId xmlns:p14="http://schemas.microsoft.com/office/powerpoint/2010/main" val="4222527696"/>
+        <p14:creationId xmlns:p14="http://schemas.microsoft.com/office/powerpoint/2010/main" val="261050189"/>
       </p:ext>
     </p:extLst>
   </p:cSld>
@@ -5598,10 +9497,137 @@
       </p:grpSpPr>
       <p:sp>
         <p:nvSpPr>
+          <p:cNvPr id="7" name="Rectangle: Rounded Corners 6">
+            <a:extLst>
+              <a:ext uri="{FF2B5EF4-FFF2-40B4-BE49-F238E27FC236}">
+                <a16:creationId xmlns:a16="http://schemas.microsoft.com/office/drawing/2014/main" id="{0ECA895D-5364-04DD-34E0-B736FD49498D}"/>
+              </a:ext>
+            </a:extLst>
+          </p:cNvPr>
+          <p:cNvSpPr/>
+          <p:nvPr/>
+        </p:nvSpPr>
+        <p:spPr>
+          <a:xfrm>
+            <a:off x="4623288" y="2169581"/>
+            <a:ext cx="5139428" cy="1915583"/>
+          </a:xfrm>
+          <a:prstGeom prst="roundRect">
+            <a:avLst/>
+          </a:prstGeom>
+          <a:ln>
+            <a:noFill/>
+          </a:ln>
+        </p:spPr>
+        <p:style>
+          <a:lnRef idx="2">
+            <a:schemeClr val="accent1">
+              <a:shade val="15000"/>
+            </a:schemeClr>
+          </a:lnRef>
+          <a:fillRef idx="1">
+            <a:schemeClr val="accent1"/>
+          </a:fillRef>
+          <a:effectRef idx="0">
+            <a:schemeClr val="accent1"/>
+          </a:effectRef>
+          <a:fontRef idx="minor">
+            <a:schemeClr val="lt1"/>
+          </a:fontRef>
+        </p:style>
+        <p:txBody>
+          <a:bodyPr lIns="91440" tIns="45720" rIns="91440" bIns="45720" rtlCol="0" anchor="ctr"/>
+          <a:lstStyle/>
+          <a:p>
+            <a:pPr algn="ctr"/>
+            <a:r>
+              <a:rPr lang="en-US"/>
+              <a:t>Platform</a:t>
+            </a:r>
+          </a:p>
+          <a:p>
+            <a:pPr algn="ctr"/>
+            <a:endParaRPr lang="en-US"/>
+          </a:p>
+          <a:p>
+            <a:pPr algn="ctr"/>
+            <a:endParaRPr lang="en-US"/>
+          </a:p>
+          <a:p>
+            <a:pPr algn="ctr"/>
+            <a:endParaRPr lang="en-US"/>
+          </a:p>
+          <a:p>
+            <a:pPr algn="ctr"/>
+            <a:endParaRPr lang="en-US"/>
+          </a:p>
+          <a:p>
+            <a:pPr algn="ctr"/>
+            <a:endParaRPr lang="en-US"/>
+          </a:p>
+        </p:txBody>
+      </p:sp>
+      <p:sp>
+        <p:nvSpPr>
+          <p:cNvPr id="3" name="Rectangle: Rounded Corners 2">
+            <a:extLst>
+              <a:ext uri="{FF2B5EF4-FFF2-40B4-BE49-F238E27FC236}">
+                <a16:creationId xmlns:a16="http://schemas.microsoft.com/office/drawing/2014/main" id="{95E02BFD-75BB-A9EC-51B6-0F43C25EE366}"/>
+              </a:ext>
+            </a:extLst>
+          </p:cNvPr>
+          <p:cNvSpPr/>
+          <p:nvPr/>
+        </p:nvSpPr>
+        <p:spPr>
+          <a:xfrm>
+            <a:off x="8018909" y="3400506"/>
+            <a:ext cx="1620878" cy="599994"/>
+          </a:xfrm>
+          <a:prstGeom prst="roundRect">
+            <a:avLst/>
+          </a:prstGeom>
+          <a:solidFill>
+            <a:schemeClr val="bg1"/>
+          </a:solidFill>
+          <a:ln>
+            <a:noFill/>
+          </a:ln>
+        </p:spPr>
+        <p:style>
+          <a:lnRef idx="2">
+            <a:schemeClr val="accent1">
+              <a:shade val="15000"/>
+            </a:schemeClr>
+          </a:lnRef>
+          <a:fillRef idx="1">
+            <a:schemeClr val="accent1"/>
+          </a:fillRef>
+          <a:effectRef idx="0">
+            <a:schemeClr val="accent1"/>
+          </a:effectRef>
+          <a:fontRef idx="minor">
+            <a:schemeClr val="lt1"/>
+          </a:fontRef>
+        </p:style>
+        <p:txBody>
+          <a:bodyPr rtlCol="0" anchor="ctr"/>
+          <a:lstStyle/>
+          <a:p>
+            <a:pPr algn="ctr"/>
+            <a:r>
+              <a:rPr lang="en-US"/>
+              <a:t>Predictive Model</a:t>
+            </a:r>
+          </a:p>
+        </p:txBody>
+      </p:sp>
+      <p:sp>
+        <p:nvSpPr>
           <p:cNvPr id="2" name="Title 1">
             <a:extLst>
               <a:ext uri="{FF2B5EF4-FFF2-40B4-BE49-F238E27FC236}">
-                <a16:creationId xmlns:a16="http://schemas.microsoft.com/office/drawing/2014/main" id="{8D1F7077-55E2-B225-CD51-417F61AD2AFB}"/>
+                <a16:creationId xmlns:a16="http://schemas.microsoft.com/office/drawing/2014/main" id="{75470DD6-CE10-B8C3-CEB2-121859259ABA}"/>
               </a:ext>
             </a:extLst>
           </p:cNvPr>
@@ -5618,129 +9644,13 @@
           <a:lstStyle/>
           <a:p>
             <a:r>
-              <a:rPr lang="en-US" dirty="0">
-                <a:solidFill>
-                  <a:srgbClr val="000000"/>
-                </a:solidFill>
+              <a:rPr lang="en-US">
                 <a:ea typeface="+mj-lt"/>
                 <a:cs typeface="+mj-lt"/>
               </a:rPr>
-              <a:t>The Approach</a:t>
-            </a:r>
-            <a:endParaRPr lang="en-US" dirty="0">
-              <a:ea typeface="+mj-lt"/>
-              <a:cs typeface="+mj-lt"/>
-            </a:endParaRPr>
-          </a:p>
-        </p:txBody>
-      </p:sp>
-      <p:sp>
-        <p:nvSpPr>
-          <p:cNvPr id="3" name="Content Placeholder 2">
-            <a:extLst>
-              <a:ext uri="{FF2B5EF4-FFF2-40B4-BE49-F238E27FC236}">
-                <a16:creationId xmlns:a16="http://schemas.microsoft.com/office/drawing/2014/main" id="{EBC3A319-6831-CFB9-EA13-9AC3614280F7}"/>
-              </a:ext>
-            </a:extLst>
-          </p:cNvPr>
-          <p:cNvSpPr>
-            <a:spLocks noGrp="1"/>
-          </p:cNvSpPr>
-          <p:nvPr>
-            <p:ph idx="1"/>
-          </p:nvPr>
-        </p:nvSpPr>
-        <p:spPr/>
-        <p:txBody>
-          <a:bodyPr vert="horz" lIns="91440" tIns="45720" rIns="91440" bIns="45720" rtlCol="0" anchor="t">
-            <a:normAutofit/>
-          </a:bodyPr>
-          <a:lstStyle/>
-          <a:p>
-            <a:pPr marL="514350" indent="-514350">
-              <a:buAutoNum type="arabicPeriod"/>
-            </a:pPr>
-            <a:r>
-              <a:rPr lang="en-US" b="1" dirty="0">
-                <a:ea typeface="+mn-lt"/>
-                <a:cs typeface="+mn-lt"/>
-              </a:rPr>
-              <a:t>EDA:</a:t>
-            </a:r>
-            <a:r>
-              <a:rPr lang="en-US" dirty="0">
-                <a:ea typeface="+mn-lt"/>
-                <a:cs typeface="+mn-lt"/>
-              </a:rPr>
-              <a:t> Identify patterns, outliers, and skewness.</a:t>
-            </a:r>
-            <a:endParaRPr lang="en-US" dirty="0"/>
-          </a:p>
-          <a:p>
-            <a:pPr marL="514350" indent="-514350">
-              <a:buAutoNum type="arabicPeriod"/>
-            </a:pPr>
-            <a:r>
-              <a:rPr lang="en-US" b="1" dirty="0">
-                <a:ea typeface="+mn-lt"/>
-                <a:cs typeface="+mn-lt"/>
-              </a:rPr>
-              <a:t>Data Processing: </a:t>
-            </a:r>
-            <a:r>
-              <a:rPr lang="en-US" dirty="0">
-                <a:ea typeface="+mn-lt"/>
-                <a:cs typeface="+mn-lt"/>
-              </a:rPr>
-              <a:t>Address skewness, outliers, and class imbalance.</a:t>
-            </a:r>
-          </a:p>
-          <a:p>
-            <a:pPr marL="514350" indent="-514350">
-              <a:buAutoNum type="arabicPeriod"/>
-            </a:pPr>
-            <a:r>
-              <a:rPr lang="en-US" b="1" dirty="0">
-                <a:ea typeface="+mn-lt"/>
-                <a:cs typeface="+mn-lt"/>
-              </a:rPr>
-              <a:t>Modeling:</a:t>
-            </a:r>
-            <a:r>
-              <a:rPr lang="en-US" dirty="0">
-                <a:ea typeface="+mn-lt"/>
-                <a:cs typeface="+mn-lt"/>
-              </a:rPr>
-              <a:t> Experiment with Logistic Regression, KNN, Decision Trees, Random Forests.</a:t>
-            </a:r>
-          </a:p>
-          <a:p>
-            <a:pPr marL="514350" indent="-514350">
-              <a:buAutoNum type="arabicPeriod"/>
-            </a:pPr>
-            <a:r>
-              <a:rPr lang="en-US" b="1" dirty="0">
-                <a:ea typeface="+mn-lt"/>
-                <a:cs typeface="+mn-lt"/>
-              </a:rPr>
-              <a:t>Tuning:</a:t>
-            </a:r>
-            <a:r>
-              <a:rPr lang="en-US" dirty="0">
-                <a:ea typeface="+mn-lt"/>
-                <a:cs typeface="+mn-lt"/>
-              </a:rPr>
-              <a:t> Optimize the best model.</a:t>
-            </a:r>
-          </a:p>
-          <a:p>
-            <a:pPr>
-              <a:buAutoNum type="arabicPeriod"/>
-            </a:pPr>
-            <a:endParaRPr lang="en-US" dirty="0">
-              <a:ea typeface="+mn-lt"/>
-              <a:cs typeface="+mn-lt"/>
-            </a:endParaRPr>
+              <a:t>How?</a:t>
+            </a:r>
+            <a:endParaRPr lang="en-US"/>
           </a:p>
         </p:txBody>
       </p:sp>
@@ -5749,7 +9659,7 @@
           <p:cNvPr id="4" name="Slide Number Placeholder 3">
             <a:extLst>
               <a:ext uri="{FF2B5EF4-FFF2-40B4-BE49-F238E27FC236}">
-                <a16:creationId xmlns:a16="http://schemas.microsoft.com/office/drawing/2014/main" id="{1D0F2AEE-F72C-4895-F25C-E61CF124A72C}"/>
+                <a16:creationId xmlns:a16="http://schemas.microsoft.com/office/drawing/2014/main" id="{EE96DF42-6EBC-0FBF-942B-14EEF124E2E4}"/>
               </a:ext>
             </a:extLst>
           </p:cNvPr>
@@ -5769,14 +9679,839 @@
               <a:rPr lang="en-US" dirty="0" smtClean="0"/>
               <a:t>5</a:t>
             </a:fld>
+            <a:endParaRPr lang="en-US"/>
+          </a:p>
+        </p:txBody>
+      </p:sp>
+      <p:sp>
+        <p:nvSpPr>
+          <p:cNvPr id="21" name="Rectangle: Rounded Corners 20">
+            <a:extLst>
+              <a:ext uri="{FF2B5EF4-FFF2-40B4-BE49-F238E27FC236}">
+                <a16:creationId xmlns:a16="http://schemas.microsoft.com/office/drawing/2014/main" id="{06F13322-23AB-DE3A-BDAB-A5011A598DD0}"/>
+              </a:ext>
+            </a:extLst>
+          </p:cNvPr>
+          <p:cNvSpPr/>
+          <p:nvPr/>
+        </p:nvSpPr>
+        <p:spPr>
+          <a:xfrm>
+            <a:off x="1397000" y="2169580"/>
+            <a:ext cx="2307165" cy="1915583"/>
+          </a:xfrm>
+          <a:prstGeom prst="roundRect">
+            <a:avLst/>
+          </a:prstGeom>
+          <a:ln>
+            <a:noFill/>
+          </a:ln>
+        </p:spPr>
+        <p:style>
+          <a:lnRef idx="2">
+            <a:schemeClr val="accent1">
+              <a:shade val="15000"/>
+            </a:schemeClr>
+          </a:lnRef>
+          <a:fillRef idx="1">
+            <a:schemeClr val="accent1"/>
+          </a:fillRef>
+          <a:effectRef idx="0">
+            <a:schemeClr val="accent1"/>
+          </a:effectRef>
+          <a:fontRef idx="minor">
+            <a:schemeClr val="lt1"/>
+          </a:fontRef>
+        </p:style>
+        <p:txBody>
+          <a:bodyPr lIns="91440" tIns="45720" rIns="91440" bIns="45720" rtlCol="0" anchor="ctr"/>
+          <a:lstStyle/>
+          <a:p>
+            <a:pPr algn="ctr"/>
+            <a:r>
+              <a:rPr lang="en-US"/>
+              <a:t>Shopper</a:t>
+            </a:r>
+          </a:p>
+          <a:p>
+            <a:pPr algn="ctr"/>
+            <a:endParaRPr lang="en-US"/>
+          </a:p>
+          <a:p>
+            <a:pPr algn="ctr"/>
+            <a:endParaRPr lang="en-US"/>
+          </a:p>
+          <a:p>
+            <a:pPr algn="ctr"/>
+            <a:endParaRPr lang="en-US"/>
+          </a:p>
+          <a:p>
+            <a:pPr algn="ctr"/>
+            <a:endParaRPr lang="en-US"/>
+          </a:p>
+          <a:p>
+            <a:pPr algn="ctr"/>
+            <a:endParaRPr lang="en-US"/>
+          </a:p>
+        </p:txBody>
+      </p:sp>
+      <p:sp>
+        <p:nvSpPr>
+          <p:cNvPr id="22" name="Rectangle: Rounded Corners 21">
+            <a:extLst>
+              <a:ext uri="{FF2B5EF4-FFF2-40B4-BE49-F238E27FC236}">
+                <a16:creationId xmlns:a16="http://schemas.microsoft.com/office/drawing/2014/main" id="{B675B5F6-45BD-4296-7E5F-00A100533C97}"/>
+              </a:ext>
+            </a:extLst>
+          </p:cNvPr>
+          <p:cNvSpPr/>
+          <p:nvPr/>
+        </p:nvSpPr>
+        <p:spPr>
+          <a:xfrm>
+            <a:off x="1460498" y="2804582"/>
+            <a:ext cx="2169583" cy="1195916"/>
+          </a:xfrm>
+          <a:prstGeom prst="roundRect">
+            <a:avLst/>
+          </a:prstGeom>
+          <a:solidFill>
+            <a:schemeClr val="bg1"/>
+          </a:solidFill>
+          <a:ln>
+            <a:noFill/>
+          </a:ln>
+        </p:spPr>
+        <p:style>
+          <a:lnRef idx="2">
+            <a:schemeClr val="accent1">
+              <a:shade val="15000"/>
+            </a:schemeClr>
+          </a:lnRef>
+          <a:fillRef idx="1">
+            <a:schemeClr val="accent1"/>
+          </a:fillRef>
+          <a:effectRef idx="0">
+            <a:schemeClr val="accent1"/>
+          </a:effectRef>
+          <a:fontRef idx="minor">
+            <a:schemeClr val="lt1"/>
+          </a:fontRef>
+        </p:style>
+        <p:txBody>
+          <a:bodyPr rtlCol="0" anchor="ctr"/>
+          <a:lstStyle/>
+          <a:p>
+            <a:pPr algn="ctr"/>
+            <a:r>
+              <a:rPr lang="en-US"/>
+              <a:t>Predictive Model</a:t>
+            </a:r>
+          </a:p>
+        </p:txBody>
+      </p:sp>
+      <p:sp>
+        <p:nvSpPr>
+          <p:cNvPr id="5" name="Rectangle: Rounded Corners 4">
+            <a:extLst>
+              <a:ext uri="{FF2B5EF4-FFF2-40B4-BE49-F238E27FC236}">
+                <a16:creationId xmlns:a16="http://schemas.microsoft.com/office/drawing/2014/main" id="{E7DB2D82-BF34-5528-DCA6-5369E4CB6DE2}"/>
+              </a:ext>
+            </a:extLst>
+          </p:cNvPr>
+          <p:cNvSpPr/>
+          <p:nvPr/>
+        </p:nvSpPr>
+        <p:spPr>
+          <a:xfrm>
+            <a:off x="4688416" y="2804584"/>
+            <a:ext cx="1534583" cy="1195916"/>
+          </a:xfrm>
+          <a:prstGeom prst="roundRect">
+            <a:avLst/>
+          </a:prstGeom>
+          <a:solidFill>
+            <a:srgbClr val="ED7D31"/>
+          </a:solidFill>
+          <a:ln>
+            <a:noFill/>
+          </a:ln>
+        </p:spPr>
+        <p:style>
+          <a:lnRef idx="2">
+            <a:schemeClr val="accent1">
+              <a:shade val="15000"/>
+            </a:schemeClr>
+          </a:lnRef>
+          <a:fillRef idx="1">
+            <a:schemeClr val="accent1"/>
+          </a:fillRef>
+          <a:effectRef idx="0">
+            <a:schemeClr val="accent1"/>
+          </a:effectRef>
+          <a:fontRef idx="minor">
+            <a:schemeClr val="lt1"/>
+          </a:fontRef>
+        </p:style>
+        <p:txBody>
+          <a:bodyPr rtlCol="0" anchor="ctr"/>
+          <a:lstStyle/>
+          <a:p>
+            <a:pPr algn="ctr"/>
+            <a:r>
+              <a:rPr lang="en-US"/>
+              <a:t>Predictive Model</a:t>
+            </a:r>
+          </a:p>
+        </p:txBody>
+      </p:sp>
+      <p:sp>
+        <p:nvSpPr>
+          <p:cNvPr id="10" name="TextBox 9">
+            <a:extLst>
+              <a:ext uri="{FF2B5EF4-FFF2-40B4-BE49-F238E27FC236}">
+                <a16:creationId xmlns:a16="http://schemas.microsoft.com/office/drawing/2014/main" id="{BF656B95-D33C-D2F9-26CA-508123783F89}"/>
+              </a:ext>
+            </a:extLst>
+          </p:cNvPr>
+          <p:cNvSpPr txBox="1"/>
+          <p:nvPr/>
+        </p:nvSpPr>
+        <p:spPr>
+          <a:xfrm>
+            <a:off x="4508499" y="5016501"/>
+            <a:ext cx="1907117" cy="646331"/>
+          </a:xfrm>
+          <a:prstGeom prst="rect">
+            <a:avLst/>
+          </a:prstGeom>
+          <a:noFill/>
+        </p:spPr>
+        <p:txBody>
+          <a:bodyPr rot="0" spcFirstLastPara="0" vertOverflow="overflow" horzOverflow="overflow" vert="horz" wrap="square" lIns="91440" tIns="45720" rIns="91440" bIns="45720" numCol="1" spcCol="0" rtlCol="0" fromWordArt="0" anchor="t" anchorCtr="0" forceAA="0" compatLnSpc="1">
+            <a:prstTxWarp prst="textNoShape">
+              <a:avLst/>
+            </a:prstTxWarp>
+            <a:spAutoFit/>
+          </a:bodyPr>
+          <a:lstStyle/>
+          <a:p>
+            <a:pPr marL="285750" indent="-285750">
+              <a:buFont typeface="Calibri"/>
+              <a:buChar char="-"/>
+            </a:pPr>
+            <a:r>
+              <a:rPr lang="en-US"/>
+              <a:t>API Integration</a:t>
+            </a:r>
+          </a:p>
+          <a:p>
+            <a:pPr marL="285750" indent="-285750">
+              <a:buFont typeface="Calibri"/>
+              <a:buChar char="-"/>
+            </a:pPr>
+            <a:r>
+              <a:rPr lang="en-US"/>
+              <a:t>Plugin</a:t>
+            </a:r>
+          </a:p>
+        </p:txBody>
+      </p:sp>
+      <p:sp>
+        <p:nvSpPr>
+          <p:cNvPr id="13" name="TextBox 12">
+            <a:extLst>
+              <a:ext uri="{FF2B5EF4-FFF2-40B4-BE49-F238E27FC236}">
+                <a16:creationId xmlns:a16="http://schemas.microsoft.com/office/drawing/2014/main" id="{2C27D631-B2A9-C381-67C1-6061B16A2F98}"/>
+              </a:ext>
+            </a:extLst>
+          </p:cNvPr>
+          <p:cNvSpPr txBox="1"/>
+          <p:nvPr/>
+        </p:nvSpPr>
+        <p:spPr>
+          <a:xfrm>
+            <a:off x="1598081" y="2804583"/>
+            <a:ext cx="2309283" cy="1200329"/>
+          </a:xfrm>
+          <a:prstGeom prst="rect">
+            <a:avLst/>
+          </a:prstGeom>
+          <a:noFill/>
+        </p:spPr>
+        <p:txBody>
+          <a:bodyPr rot="0" spcFirstLastPara="0" vertOverflow="overflow" horzOverflow="overflow" vert="horz" wrap="square" lIns="91440" tIns="45720" rIns="91440" bIns="45720" numCol="1" spcCol="0" rtlCol="0" fromWordArt="0" anchor="t" anchorCtr="0" forceAA="0" compatLnSpc="1">
+            <a:prstTxWarp prst="textNoShape">
+              <a:avLst/>
+            </a:prstTxWarp>
+            <a:spAutoFit/>
+          </a:bodyPr>
+          <a:lstStyle/>
+          <a:p>
+            <a:r>
+              <a:rPr lang="en-US"/>
+              <a:t>Input:</a:t>
+            </a:r>
+          </a:p>
+          <a:p>
+            <a:pPr marL="285750" indent="-285750">
+              <a:buFont typeface="Calibri"/>
+              <a:buChar char="-"/>
+            </a:pPr>
+            <a:r>
+              <a:rPr lang="en-US"/>
+              <a:t>Duration </a:t>
+            </a:r>
+          </a:p>
+          <a:p>
+            <a:pPr marL="285750" indent="-285750">
+              <a:buFont typeface="Calibri"/>
+              <a:buChar char="-"/>
+            </a:pPr>
+            <a:r>
+              <a:rPr lang="en-US"/>
+              <a:t>Scroll rate</a:t>
+            </a:r>
+          </a:p>
+          <a:p>
+            <a:pPr marL="285750" indent="-285750">
+              <a:buFont typeface="Calibri"/>
+              <a:buChar char="-"/>
+            </a:pPr>
+            <a:r>
+              <a:rPr lang="en-US"/>
+              <a:t>Click rate</a:t>
+            </a:r>
+          </a:p>
+        </p:txBody>
+      </p:sp>
+      <p:sp>
+        <p:nvSpPr>
+          <p:cNvPr id="19" name="Rectangle: Rounded Corners 18">
+            <a:extLst>
+              <a:ext uri="{FF2B5EF4-FFF2-40B4-BE49-F238E27FC236}">
+                <a16:creationId xmlns:a16="http://schemas.microsoft.com/office/drawing/2014/main" id="{C518B39F-27D9-D940-B367-75EED89C042A}"/>
+              </a:ext>
+            </a:extLst>
+          </p:cNvPr>
+          <p:cNvSpPr/>
+          <p:nvPr/>
+        </p:nvSpPr>
+        <p:spPr>
+          <a:xfrm>
+            <a:off x="8018909" y="2804583"/>
+            <a:ext cx="1620878" cy="385071"/>
+          </a:xfrm>
+          <a:prstGeom prst="roundRect">
+            <a:avLst/>
+          </a:prstGeom>
+          <a:solidFill>
+            <a:schemeClr val="bg1"/>
+          </a:solidFill>
+          <a:ln>
+            <a:noFill/>
+          </a:ln>
+        </p:spPr>
+        <p:style>
+          <a:lnRef idx="2">
+            <a:schemeClr val="accent1">
+              <a:shade val="15000"/>
+            </a:schemeClr>
+          </a:lnRef>
+          <a:fillRef idx="1">
+            <a:schemeClr val="accent1"/>
+          </a:fillRef>
+          <a:effectRef idx="0">
+            <a:schemeClr val="accent1"/>
+          </a:effectRef>
+          <a:fontRef idx="minor">
+            <a:schemeClr val="lt1"/>
+          </a:fontRef>
+        </p:style>
+        <p:txBody>
+          <a:bodyPr lIns="91440" tIns="45720" rIns="91440" bIns="45720" rtlCol="0" anchor="ctr"/>
+          <a:lstStyle/>
+          <a:p>
+            <a:pPr algn="ctr"/>
             <a:endParaRPr lang="en-US" dirty="0"/>
+          </a:p>
+        </p:txBody>
+      </p:sp>
+      <p:cxnSp>
+        <p:nvCxnSpPr>
+          <p:cNvPr id="17" name="Straight Arrow Connector 16">
+            <a:extLst>
+              <a:ext uri="{FF2B5EF4-FFF2-40B4-BE49-F238E27FC236}">
+                <a16:creationId xmlns:a16="http://schemas.microsoft.com/office/drawing/2014/main" id="{40A39D81-DC76-E53A-B0C7-7E28F24FAC8C}"/>
+              </a:ext>
+            </a:extLst>
+          </p:cNvPr>
+          <p:cNvCxnSpPr>
+            <a:cxnSpLocks/>
+          </p:cNvCxnSpPr>
+          <p:nvPr/>
+        </p:nvCxnSpPr>
+        <p:spPr>
+          <a:xfrm>
+            <a:off x="3691466" y="3395132"/>
+            <a:ext cx="929638" cy="11008"/>
+          </a:xfrm>
+          <a:prstGeom prst="straightConnector1">
+            <a:avLst/>
+          </a:prstGeom>
+          <a:ln>
+            <a:tailEnd type="triangle"/>
+          </a:ln>
+        </p:spPr>
+        <p:style>
+          <a:lnRef idx="1">
+            <a:schemeClr val="dk1"/>
+          </a:lnRef>
+          <a:fillRef idx="0">
+            <a:schemeClr val="dk1"/>
+          </a:fillRef>
+          <a:effectRef idx="0">
+            <a:schemeClr val="dk1"/>
+          </a:effectRef>
+          <a:fontRef idx="minor">
+            <a:schemeClr val="tx1"/>
+          </a:fontRef>
+        </p:style>
+      </p:cxnSp>
+      <p:cxnSp>
+        <p:nvCxnSpPr>
+          <p:cNvPr id="18" name="Straight Arrow Connector 17">
+            <a:extLst>
+              <a:ext uri="{FF2B5EF4-FFF2-40B4-BE49-F238E27FC236}">
+                <a16:creationId xmlns:a16="http://schemas.microsoft.com/office/drawing/2014/main" id="{DCED409E-6AC5-04BD-20B0-BCB7D19648C9}"/>
+              </a:ext>
+            </a:extLst>
+          </p:cNvPr>
+          <p:cNvCxnSpPr>
+            <a:cxnSpLocks/>
+          </p:cNvCxnSpPr>
+          <p:nvPr/>
+        </p:nvCxnSpPr>
+        <p:spPr>
+          <a:xfrm>
+            <a:off x="9760601" y="3193235"/>
+            <a:ext cx="929638" cy="11008"/>
+          </a:xfrm>
+          <a:prstGeom prst="straightConnector1">
+            <a:avLst/>
+          </a:prstGeom>
+          <a:ln>
+            <a:tailEnd type="triangle"/>
+          </a:ln>
+        </p:spPr>
+        <p:style>
+          <a:lnRef idx="1">
+            <a:schemeClr val="dk1"/>
+          </a:lnRef>
+          <a:fillRef idx="0">
+            <a:schemeClr val="dk1"/>
+          </a:fillRef>
+          <a:effectRef idx="0">
+            <a:schemeClr val="dk1"/>
+          </a:effectRef>
+          <a:fontRef idx="minor">
+            <a:schemeClr val="tx1"/>
+          </a:fontRef>
+        </p:style>
+      </p:cxnSp>
+      <p:sp>
+        <p:nvSpPr>
+          <p:cNvPr id="16" name="TextBox 15">
+            <a:extLst>
+              <a:ext uri="{FF2B5EF4-FFF2-40B4-BE49-F238E27FC236}">
+                <a16:creationId xmlns:a16="http://schemas.microsoft.com/office/drawing/2014/main" id="{12C3B8B7-7066-8649-6860-70A1709128ED}"/>
+              </a:ext>
+            </a:extLst>
+          </p:cNvPr>
+          <p:cNvSpPr txBox="1"/>
+          <p:nvPr/>
+        </p:nvSpPr>
+        <p:spPr>
+          <a:xfrm>
+            <a:off x="8018908" y="2804583"/>
+            <a:ext cx="1654744" cy="1190560"/>
+          </a:xfrm>
+          <a:prstGeom prst="rect">
+            <a:avLst/>
+          </a:prstGeom>
+          <a:noFill/>
+        </p:spPr>
+        <p:txBody>
+          <a:bodyPr rot="0" spcFirstLastPara="0" vertOverflow="overflow" horzOverflow="overflow" vert="horz" wrap="square" lIns="91440" tIns="45720" rIns="91440" bIns="45720" numCol="1" spcCol="0" rtlCol="0" fromWordArt="0" anchor="t" anchorCtr="0" forceAA="0" compatLnSpc="1">
+            <a:prstTxWarp prst="textNoShape">
+              <a:avLst/>
+            </a:prstTxWarp>
+            <a:spAutoFit/>
+          </a:bodyPr>
+          <a:lstStyle/>
+          <a:p>
+            <a:pPr marL="285750" indent="-285750">
+              <a:buFont typeface="Calibri"/>
+              <a:buChar char="-"/>
+            </a:pPr>
+            <a:r>
+              <a:rPr lang="en-US" dirty="0"/>
+              <a:t>Up sales</a:t>
+            </a:r>
+            <a:endParaRPr lang="en-US" dirty="0" err="1"/>
+          </a:p>
+          <a:p>
+            <a:pPr marL="285750" indent="-285750">
+              <a:buFont typeface="Calibri"/>
+              <a:buChar char="-"/>
+            </a:pPr>
+            <a:endParaRPr lang="en-US" dirty="0"/>
+          </a:p>
+          <a:p>
+            <a:pPr marL="285750" indent="-285750">
+              <a:buFont typeface="Calibri"/>
+              <a:buChar char="-"/>
+            </a:pPr>
+            <a:r>
+              <a:rPr lang="en-US" dirty="0"/>
+              <a:t>Discount</a:t>
+            </a:r>
+          </a:p>
+          <a:p>
+            <a:pPr marL="285750" indent="-285750">
+              <a:buFont typeface="Calibri"/>
+              <a:buChar char="-"/>
+            </a:pPr>
+            <a:r>
+              <a:rPr lang="en-US" dirty="0"/>
+              <a:t>Testimony</a:t>
+            </a:r>
+          </a:p>
+        </p:txBody>
+      </p:sp>
+      <p:sp>
+        <p:nvSpPr>
+          <p:cNvPr id="20" name="TextBox 19">
+            <a:extLst>
+              <a:ext uri="{FF2B5EF4-FFF2-40B4-BE49-F238E27FC236}">
+                <a16:creationId xmlns:a16="http://schemas.microsoft.com/office/drawing/2014/main" id="{FCE2D249-37F3-EB40-A86F-2B692E55E1AA}"/>
+              </a:ext>
+            </a:extLst>
+          </p:cNvPr>
+          <p:cNvSpPr txBox="1"/>
+          <p:nvPr/>
+        </p:nvSpPr>
+        <p:spPr>
+          <a:xfrm>
+            <a:off x="10678581" y="2931583"/>
+            <a:ext cx="1282701" cy="523220"/>
+          </a:xfrm>
+          <a:prstGeom prst="rect">
+            <a:avLst/>
+          </a:prstGeom>
+          <a:noFill/>
+        </p:spPr>
+        <p:txBody>
+          <a:bodyPr rot="0" spcFirstLastPara="0" vertOverflow="overflow" horzOverflow="overflow" vert="horz" wrap="square" lIns="91440" tIns="45720" rIns="91440" bIns="45720" numCol="1" spcCol="0" rtlCol="0" fromWordArt="0" anchor="t" anchorCtr="0" forceAA="0" compatLnSpc="1">
+            <a:prstTxWarp prst="textNoShape">
+              <a:avLst/>
+            </a:prstTxWarp>
+            <a:spAutoFit/>
+          </a:bodyPr>
+          <a:lstStyle/>
+          <a:p>
+            <a:r>
+              <a:rPr lang="en-US" sz="2800" b="1"/>
+              <a:t>Sales!</a:t>
+            </a:r>
+          </a:p>
+        </p:txBody>
+      </p:sp>
+      <p:cxnSp>
+        <p:nvCxnSpPr>
+          <p:cNvPr id="23" name="Straight Arrow Connector 22">
+            <a:extLst>
+              <a:ext uri="{FF2B5EF4-FFF2-40B4-BE49-F238E27FC236}">
+                <a16:creationId xmlns:a16="http://schemas.microsoft.com/office/drawing/2014/main" id="{FC637629-CB01-9996-3628-65C0E3276561}"/>
+              </a:ext>
+            </a:extLst>
+          </p:cNvPr>
+          <p:cNvCxnSpPr>
+            <a:cxnSpLocks/>
+          </p:cNvCxnSpPr>
+          <p:nvPr/>
+        </p:nvCxnSpPr>
+        <p:spPr>
+          <a:xfrm flipH="1" flipV="1">
+            <a:off x="5436020" y="4019127"/>
+            <a:ext cx="12278" cy="878838"/>
+          </a:xfrm>
+          <a:prstGeom prst="straightConnector1">
+            <a:avLst/>
+          </a:prstGeom>
+          <a:ln>
+            <a:tailEnd type="triangle"/>
+          </a:ln>
+        </p:spPr>
+        <p:style>
+          <a:lnRef idx="1">
+            <a:schemeClr val="dk1"/>
+          </a:lnRef>
+          <a:fillRef idx="0">
+            <a:schemeClr val="dk1"/>
+          </a:fillRef>
+          <a:effectRef idx="0">
+            <a:schemeClr val="dk1"/>
+          </a:effectRef>
+          <a:fontRef idx="minor">
+            <a:schemeClr val="tx1"/>
+          </a:fontRef>
+        </p:style>
+      </p:cxnSp>
+      <p:cxnSp>
+        <p:nvCxnSpPr>
+          <p:cNvPr id="8" name="Straight Arrow Connector 7">
+            <a:extLst>
+              <a:ext uri="{FF2B5EF4-FFF2-40B4-BE49-F238E27FC236}">
+                <a16:creationId xmlns:a16="http://schemas.microsoft.com/office/drawing/2014/main" id="{EC2EAA50-5CB9-8EFB-988F-1B70052CF9E3}"/>
+              </a:ext>
+            </a:extLst>
+          </p:cNvPr>
+          <p:cNvCxnSpPr>
+            <a:cxnSpLocks/>
+          </p:cNvCxnSpPr>
+          <p:nvPr/>
+        </p:nvCxnSpPr>
+        <p:spPr>
+          <a:xfrm>
+            <a:off x="7091158" y="2984824"/>
+            <a:ext cx="929638" cy="11008"/>
+          </a:xfrm>
+          <a:prstGeom prst="straightConnector1">
+            <a:avLst/>
+          </a:prstGeom>
+          <a:ln>
+            <a:tailEnd type="triangle"/>
+          </a:ln>
+        </p:spPr>
+        <p:style>
+          <a:lnRef idx="1">
+            <a:schemeClr val="dk1"/>
+          </a:lnRef>
+          <a:fillRef idx="0">
+            <a:schemeClr val="dk1"/>
+          </a:fillRef>
+          <a:effectRef idx="0">
+            <a:schemeClr val="dk1"/>
+          </a:effectRef>
+          <a:fontRef idx="minor">
+            <a:schemeClr val="tx1"/>
+          </a:fontRef>
+        </p:style>
+      </p:cxnSp>
+      <p:cxnSp>
+        <p:nvCxnSpPr>
+          <p:cNvPr id="9" name="Straight Arrow Connector 8">
+            <a:extLst>
+              <a:ext uri="{FF2B5EF4-FFF2-40B4-BE49-F238E27FC236}">
+                <a16:creationId xmlns:a16="http://schemas.microsoft.com/office/drawing/2014/main" id="{AA27F219-C62D-E78D-CBE9-91DAEC776E11}"/>
+              </a:ext>
+            </a:extLst>
+          </p:cNvPr>
+          <p:cNvCxnSpPr>
+            <a:cxnSpLocks/>
+          </p:cNvCxnSpPr>
+          <p:nvPr/>
+        </p:nvCxnSpPr>
+        <p:spPr>
+          <a:xfrm>
+            <a:off x="7091158" y="3697977"/>
+            <a:ext cx="929638" cy="11008"/>
+          </a:xfrm>
+          <a:prstGeom prst="straightConnector1">
+            <a:avLst/>
+          </a:prstGeom>
+          <a:ln>
+            <a:tailEnd type="triangle"/>
+          </a:ln>
+        </p:spPr>
+        <p:style>
+          <a:lnRef idx="1">
+            <a:schemeClr val="dk1"/>
+          </a:lnRef>
+          <a:fillRef idx="0">
+            <a:schemeClr val="dk1"/>
+          </a:fillRef>
+          <a:effectRef idx="0">
+            <a:schemeClr val="dk1"/>
+          </a:effectRef>
+          <a:fontRef idx="minor">
+            <a:schemeClr val="tx1"/>
+          </a:fontRef>
+        </p:style>
+      </p:cxnSp>
+      <p:cxnSp>
+        <p:nvCxnSpPr>
+          <p:cNvPr id="11" name="Straight Arrow Connector 10">
+            <a:extLst>
+              <a:ext uri="{FF2B5EF4-FFF2-40B4-BE49-F238E27FC236}">
+                <a16:creationId xmlns:a16="http://schemas.microsoft.com/office/drawing/2014/main" id="{E2878839-EFD8-E986-8DC6-3337E3200057}"/>
+              </a:ext>
+            </a:extLst>
+          </p:cNvPr>
+          <p:cNvCxnSpPr/>
+          <p:nvPr/>
+        </p:nvCxnSpPr>
+        <p:spPr>
+          <a:xfrm>
+            <a:off x="7084645" y="2991339"/>
+            <a:ext cx="5863" cy="709246"/>
+          </a:xfrm>
+          <a:prstGeom prst="straightConnector1">
+            <a:avLst/>
+          </a:prstGeom>
+          <a:ln>
+            <a:solidFill>
+              <a:schemeClr val="tx1"/>
+            </a:solidFill>
+          </a:ln>
+        </p:spPr>
+        <p:style>
+          <a:lnRef idx="2">
+            <a:schemeClr val="accent1"/>
+          </a:lnRef>
+          <a:fillRef idx="0">
+            <a:schemeClr val="accent1"/>
+          </a:fillRef>
+          <a:effectRef idx="1">
+            <a:schemeClr val="accent1"/>
+          </a:effectRef>
+          <a:fontRef idx="minor">
+            <a:schemeClr val="tx1"/>
+          </a:fontRef>
+        </p:style>
+      </p:cxnSp>
+      <p:cxnSp>
+        <p:nvCxnSpPr>
+          <p:cNvPr id="12" name="Straight Arrow Connector 11">
+            <a:extLst>
+              <a:ext uri="{FF2B5EF4-FFF2-40B4-BE49-F238E27FC236}">
+                <a16:creationId xmlns:a16="http://schemas.microsoft.com/office/drawing/2014/main" id="{C9278330-031B-803A-FCA7-BFCB240326A4}"/>
+              </a:ext>
+            </a:extLst>
+          </p:cNvPr>
+          <p:cNvCxnSpPr/>
+          <p:nvPr/>
+        </p:nvCxnSpPr>
+        <p:spPr>
+          <a:xfrm flipV="1">
+            <a:off x="6221290" y="3452691"/>
+            <a:ext cx="826478" cy="3907"/>
+          </a:xfrm>
+          <a:prstGeom prst="straightConnector1">
+            <a:avLst/>
+          </a:prstGeom>
+          <a:ln>
+            <a:solidFill>
+              <a:schemeClr val="tx1"/>
+            </a:solidFill>
+          </a:ln>
+        </p:spPr>
+        <p:style>
+          <a:lnRef idx="2">
+            <a:schemeClr val="accent1"/>
+          </a:lnRef>
+          <a:fillRef idx="0">
+            <a:schemeClr val="accent1"/>
+          </a:fillRef>
+          <a:effectRef idx="1">
+            <a:schemeClr val="accent1"/>
+          </a:effectRef>
+          <a:fontRef idx="minor">
+            <a:schemeClr val="tx1"/>
+          </a:fontRef>
+        </p:style>
+      </p:cxnSp>
+      <p:sp>
+        <p:nvSpPr>
+          <p:cNvPr id="14" name="TextBox 13">
+            <a:extLst>
+              <a:ext uri="{FF2B5EF4-FFF2-40B4-BE49-F238E27FC236}">
+                <a16:creationId xmlns:a16="http://schemas.microsoft.com/office/drawing/2014/main" id="{9B76992F-3F3F-FFC3-E30E-E339F897D2D5}"/>
+              </a:ext>
+            </a:extLst>
+          </p:cNvPr>
+          <p:cNvSpPr txBox="1"/>
+          <p:nvPr/>
+        </p:nvSpPr>
+        <p:spPr>
+          <a:xfrm>
+            <a:off x="7409960" y="2671885"/>
+            <a:ext cx="285425" cy="379101"/>
+          </a:xfrm>
+          <a:prstGeom prst="rect">
+            <a:avLst/>
+          </a:prstGeom>
+          <a:noFill/>
+        </p:spPr>
+        <p:txBody>
+          <a:bodyPr rot="0" spcFirstLastPara="0" vertOverflow="overflow" horzOverflow="overflow" vert="horz" wrap="square" lIns="91440" tIns="45720" rIns="91440" bIns="45720" numCol="1" spcCol="0" rtlCol="0" fromWordArt="0" anchor="t" anchorCtr="0" forceAA="0" compatLnSpc="1">
+            <a:prstTxWarp prst="textNoShape">
+              <a:avLst/>
+            </a:prstTxWarp>
+            <a:spAutoFit/>
+          </a:bodyPr>
+          <a:lstStyle/>
+          <a:p>
+            <a:r>
+              <a:rPr lang="en-US" dirty="0"/>
+              <a:t>Y</a:t>
+            </a:r>
+          </a:p>
+        </p:txBody>
+      </p:sp>
+      <p:sp>
+        <p:nvSpPr>
+          <p:cNvPr id="24" name="TextBox 23">
+            <a:extLst>
+              <a:ext uri="{FF2B5EF4-FFF2-40B4-BE49-F238E27FC236}">
+                <a16:creationId xmlns:a16="http://schemas.microsoft.com/office/drawing/2014/main" id="{CE16402E-3C84-06C8-29A3-6403AB6ABE4F}"/>
+              </a:ext>
+            </a:extLst>
+          </p:cNvPr>
+          <p:cNvSpPr txBox="1"/>
+          <p:nvPr/>
+        </p:nvSpPr>
+        <p:spPr>
+          <a:xfrm>
+            <a:off x="7409960" y="3326423"/>
+            <a:ext cx="285425" cy="369332"/>
+          </a:xfrm>
+          <a:prstGeom prst="rect">
+            <a:avLst/>
+          </a:prstGeom>
+          <a:noFill/>
+        </p:spPr>
+        <p:txBody>
+          <a:bodyPr rot="0" spcFirstLastPara="0" vertOverflow="overflow" horzOverflow="overflow" vert="horz" wrap="square" lIns="91440" tIns="45720" rIns="91440" bIns="45720" numCol="1" spcCol="0" rtlCol="0" fromWordArt="0" anchor="t" anchorCtr="0" forceAA="0" compatLnSpc="1">
+            <a:prstTxWarp prst="textNoShape">
+              <a:avLst/>
+            </a:prstTxWarp>
+            <a:spAutoFit/>
+          </a:bodyPr>
+          <a:lstStyle/>
+          <a:p>
+            <a:r>
+              <a:rPr lang="en-US" dirty="0"/>
+              <a:t>N</a:t>
+            </a:r>
           </a:p>
         </p:txBody>
       </p:sp>
     </p:spTree>
     <p:extLst>
       <p:ext uri="{BB962C8B-B14F-4D97-AF65-F5344CB8AC3E}">
-        <p14:creationId xmlns:p14="http://schemas.microsoft.com/office/powerpoint/2010/main" val="2975418285"/>
+        <p14:creationId xmlns:p14="http://schemas.microsoft.com/office/powerpoint/2010/main" val="409528574"/>
       </p:ext>
     </p:extLst>
   </p:cSld>
@@ -5789,6 +10524,14 @@
 <file path=ppt/slides/slide6.xml><?xml version="1.0" encoding="utf-8"?>
 <p:sld xmlns:a="http://schemas.openxmlformats.org/drawingml/2006/main" xmlns:r="http://schemas.openxmlformats.org/officeDocument/2006/relationships" xmlns:p="http://schemas.openxmlformats.org/presentationml/2006/main">
   <p:cSld>
+    <p:bg>
+      <p:bgPr>
+        <a:solidFill>
+          <a:schemeClr val="bg2"/>
+        </a:solidFill>
+        <a:effectLst/>
+      </p:bgPr>
+    </p:bg>
     <p:spTree>
       <p:nvGrpSpPr>
         <p:cNvPr id="1" name=""/>
@@ -5808,7 +10551,7 @@
           <p:cNvPr id="2" name="Title 1">
             <a:extLst>
               <a:ext uri="{FF2B5EF4-FFF2-40B4-BE49-F238E27FC236}">
-                <a16:creationId xmlns:a16="http://schemas.microsoft.com/office/drawing/2014/main" id="{038CBDEB-27AC-CC24-D0AE-23F68E3A8F11}"/>
+                <a16:creationId xmlns:a16="http://schemas.microsoft.com/office/drawing/2014/main" id="{9AAD7701-972C-34DD-CEEF-313949E62BC1}"/>
               </a:ext>
             </a:extLst>
           </p:cNvPr>
@@ -5819,109 +10562,20 @@
             <p:ph type="title"/>
           </p:nvPr>
         </p:nvSpPr>
-        <p:spPr/>
+        <p:spPr>
+          <a:xfrm>
+            <a:off x="842433" y="2006072"/>
+            <a:ext cx="10515600" cy="2852737"/>
+          </a:xfrm>
+        </p:spPr>
         <p:txBody>
           <a:bodyPr/>
           <a:lstStyle/>
           <a:p>
             <a:r>
-              <a:rPr lang="en-US" dirty="0">
-                <a:ea typeface="+mj-lt"/>
-                <a:cs typeface="+mj-lt"/>
-              </a:rPr>
-              <a:t>EDA Insight</a:t>
-            </a:r>
-            <a:endParaRPr lang="en-US" dirty="0"/>
-          </a:p>
-        </p:txBody>
-      </p:sp>
-      <p:sp>
-        <p:nvSpPr>
-          <p:cNvPr id="3" name="Content Placeholder 2">
-            <a:extLst>
-              <a:ext uri="{FF2B5EF4-FFF2-40B4-BE49-F238E27FC236}">
-                <a16:creationId xmlns:a16="http://schemas.microsoft.com/office/drawing/2014/main" id="{6E5771D1-87A5-1BAE-7499-1B1C81E42674}"/>
-              </a:ext>
-            </a:extLst>
-          </p:cNvPr>
-          <p:cNvSpPr>
-            <a:spLocks noGrp="1"/>
-          </p:cNvSpPr>
-          <p:nvPr>
-            <p:ph idx="1"/>
-          </p:nvPr>
-        </p:nvSpPr>
-        <p:spPr/>
-        <p:txBody>
-          <a:bodyPr vert="horz" lIns="91440" tIns="45720" rIns="91440" bIns="45720" rtlCol="0" anchor="t">
-            <a:normAutofit/>
-          </a:bodyPr>
-          <a:lstStyle/>
-          <a:p>
-            <a:r>
-              <a:rPr lang="en-US" u="sng" dirty="0">
-                <a:ea typeface="+mn-lt"/>
-                <a:cs typeface="+mn-lt"/>
-              </a:rPr>
-              <a:t>Outliers</a:t>
-            </a:r>
-            <a:r>
-              <a:rPr lang="en-US" dirty="0">
-                <a:ea typeface="+mn-lt"/>
-                <a:cs typeface="+mn-lt"/>
-              </a:rPr>
-              <a:t> and </a:t>
-            </a:r>
-            <a:r>
-              <a:rPr lang="en-US" u="sng" dirty="0">
-                <a:ea typeface="+mn-lt"/>
-                <a:cs typeface="+mn-lt"/>
-              </a:rPr>
-              <a:t>skewness</a:t>
-            </a:r>
-            <a:r>
-              <a:rPr lang="en-US" dirty="0">
-                <a:ea typeface="+mn-lt"/>
-                <a:cs typeface="+mn-lt"/>
-              </a:rPr>
-              <a:t> were identified across features.</a:t>
-            </a:r>
-          </a:p>
-          <a:p>
-            <a:r>
-              <a:rPr lang="en-US" u="sng" dirty="0">
-                <a:ea typeface="+mn-lt"/>
-                <a:cs typeface="+mn-lt"/>
-              </a:rPr>
-              <a:t>Class imbalance</a:t>
-            </a:r>
-            <a:r>
-              <a:rPr lang="en-US" dirty="0">
-                <a:ea typeface="+mn-lt"/>
-                <a:cs typeface="+mn-lt"/>
-              </a:rPr>
-              <a:t> observed, affecting model bias.</a:t>
-            </a:r>
-            <a:endParaRPr lang="en-US" dirty="0"/>
-          </a:p>
-          <a:p>
-            <a:r>
-              <a:rPr lang="en-US" u="sng" dirty="0">
-                <a:ea typeface="+mn-lt"/>
-                <a:cs typeface="+mn-lt"/>
-              </a:rPr>
-              <a:t>Negative correlation</a:t>
-            </a:r>
-            <a:r>
-              <a:rPr lang="en-US" dirty="0">
-                <a:ea typeface="+mn-lt"/>
-                <a:cs typeface="+mn-lt"/>
-              </a:rPr>
-              <a:t> in some features could impact purchase predictions.</a:t>
-            </a:r>
-          </a:p>
-          <a:p>
-            <a:endParaRPr lang="en-US" dirty="0"/>
+              <a:rPr lang="en-US"/>
+              <a:t>Modeling Approach</a:t>
+            </a:r>
           </a:p>
         </p:txBody>
       </p:sp>
@@ -5930,7 +10584,7 @@
           <p:cNvPr id="4" name="Slide Number Placeholder 3">
             <a:extLst>
               <a:ext uri="{FF2B5EF4-FFF2-40B4-BE49-F238E27FC236}">
-                <a16:creationId xmlns:a16="http://schemas.microsoft.com/office/drawing/2014/main" id="{630318CD-D265-3AB9-AAA1-C3296D374C2C}"/>
+                <a16:creationId xmlns:a16="http://schemas.microsoft.com/office/drawing/2014/main" id="{B2274738-BE95-925C-4A02-C2AB7DA0D7AF}"/>
               </a:ext>
             </a:extLst>
           </p:cNvPr>
@@ -5957,7 +10611,7 @@
     </p:spTree>
     <p:extLst>
       <p:ext uri="{BB962C8B-B14F-4D97-AF65-F5344CB8AC3E}">
-        <p14:creationId xmlns:p14="http://schemas.microsoft.com/office/powerpoint/2010/main" val="2779053930"/>
+        <p14:creationId xmlns:p14="http://schemas.microsoft.com/office/powerpoint/2010/main" val="1489646120"/>
       </p:ext>
     </p:extLst>
   </p:cSld>
@@ -5986,76 +10640,10 @@
       </p:grpSpPr>
       <p:sp>
         <p:nvSpPr>
-          <p:cNvPr id="2" name="Title 1">
-            <a:extLst>
-              <a:ext uri="{FF2B5EF4-FFF2-40B4-BE49-F238E27FC236}">
-                <a16:creationId xmlns:a16="http://schemas.microsoft.com/office/drawing/2014/main" id="{038CBDEB-27AC-CC24-D0AE-23F68E3A8F11}"/>
-              </a:ext>
-            </a:extLst>
-          </p:cNvPr>
-          <p:cNvSpPr>
-            <a:spLocks noGrp="1"/>
-          </p:cNvSpPr>
-          <p:nvPr>
-            <p:ph type="title"/>
-          </p:nvPr>
-        </p:nvSpPr>
-        <p:spPr/>
-        <p:txBody>
-          <a:bodyPr/>
-          <a:lstStyle/>
-          <a:p>
-            <a:r>
-              <a:rPr lang="en-US" dirty="0">
-                <a:ea typeface="+mj-lt"/>
-                <a:cs typeface="+mj-lt"/>
-              </a:rPr>
-              <a:t>Data Preparation</a:t>
-            </a:r>
-            <a:endParaRPr lang="en-US" dirty="0"/>
-          </a:p>
-        </p:txBody>
-      </p:sp>
-      <p:sp>
-        <p:nvSpPr>
-          <p:cNvPr id="3" name="Content Placeholder 2">
-            <a:extLst>
-              <a:ext uri="{FF2B5EF4-FFF2-40B4-BE49-F238E27FC236}">
-                <a16:creationId xmlns:a16="http://schemas.microsoft.com/office/drawing/2014/main" id="{6E5771D1-87A5-1BAE-7499-1B1C81E42674}"/>
-              </a:ext>
-            </a:extLst>
-          </p:cNvPr>
-          <p:cNvSpPr>
-            <a:spLocks noGrp="1"/>
-          </p:cNvSpPr>
-          <p:nvPr>
-            <p:ph idx="1"/>
-          </p:nvPr>
-        </p:nvSpPr>
-        <p:spPr/>
-        <p:txBody>
-          <a:bodyPr vert="horz" lIns="91440" tIns="45720" rIns="91440" bIns="45720" rtlCol="0" anchor="t">
-            <a:normAutofit/>
-          </a:bodyPr>
-          <a:lstStyle/>
-          <a:p>
-            <a:r>
-              <a:rPr lang="en-US" dirty="0">
-                <a:ea typeface="+mn-lt"/>
-                <a:cs typeface="+mn-lt"/>
-              </a:rPr>
-              <a:t>Outliers? Detect &amp; remove using IQR method </a:t>
-            </a:r>
-            <a:endParaRPr lang="en-US" dirty="0"/>
-          </a:p>
-        </p:txBody>
-      </p:sp>
-      <p:sp>
-        <p:nvSpPr>
           <p:cNvPr id="4" name="Slide Number Placeholder 3">
             <a:extLst>
               <a:ext uri="{FF2B5EF4-FFF2-40B4-BE49-F238E27FC236}">
-                <a16:creationId xmlns:a16="http://schemas.microsoft.com/office/drawing/2014/main" id="{630318CD-D265-3AB9-AAA1-C3296D374C2C}"/>
+                <a16:creationId xmlns:a16="http://schemas.microsoft.com/office/drawing/2014/main" id="{1D0F2AEE-F72C-4895-F25C-E61CF124A72C}"/>
               </a:ext>
             </a:extLst>
           </p:cNvPr>
@@ -6072,94 +10660,253 @@
           <a:lstStyle/>
           <a:p>
             <a:fld id="{D79359E6-D05C-9546-AA79-5323DC3F04EC}" type="slidenum">
-              <a:rPr lang="en-US" smtClean="0"/>
+              <a:rPr lang="en-US" dirty="0" smtClean="0"/>
               <a:t>7</a:t>
             </a:fld>
             <a:endParaRPr lang="en-US"/>
           </a:p>
         </p:txBody>
       </p:sp>
-      <p:pic>
-        <p:nvPicPr>
-          <p:cNvPr id="5" name="Picture 4" descr="A blue squares with black dots&#10;&#10;Description automatically generated">
-            <a:extLst>
-              <a:ext uri="{FF2B5EF4-FFF2-40B4-BE49-F238E27FC236}">
-                <a16:creationId xmlns:a16="http://schemas.microsoft.com/office/drawing/2014/main" id="{A8FE9C0A-E7E3-56B6-05BC-B02EF90103D0}"/>
-              </a:ext>
-            </a:extLst>
-          </p:cNvPr>
-          <p:cNvPicPr>
-            <a:picLocks noChangeAspect="1"/>
-          </p:cNvPicPr>
+      <p:graphicFrame>
+        <p:nvGraphicFramePr>
+          <p:cNvPr id="13" name="Diagram 12">
+            <a:extLst>
+              <a:ext uri="{FF2B5EF4-FFF2-40B4-BE49-F238E27FC236}">
+                <a16:creationId xmlns:a16="http://schemas.microsoft.com/office/drawing/2014/main" id="{0B1E3AAE-23BF-6A1D-BA4C-156D9A3521B3}"/>
+              </a:ext>
+            </a:extLst>
+          </p:cNvPr>
+          <p:cNvGraphicFramePr/>
+          <p:nvPr>
+            <p:extLst>
+              <p:ext uri="{D42A27DB-BD31-4B8C-83A1-F6EECF244321}">
+                <p14:modId xmlns:p14="http://schemas.microsoft.com/office/powerpoint/2010/main" val="785782756"/>
+              </p:ext>
+            </p:extLst>
+          </p:nvPr>
+        </p:nvGraphicFramePr>
+        <p:xfrm>
+          <a:off x="2730500" y="182034"/>
+          <a:ext cx="6730999" cy="6419849"/>
+        </p:xfrm>
+        <a:graphic>
+          <a:graphicData uri="http://schemas.openxmlformats.org/drawingml/2006/diagram">
+            <dgm:relIds xmlns:dgm="http://schemas.openxmlformats.org/drawingml/2006/diagram" xmlns:r="http://schemas.openxmlformats.org/officeDocument/2006/relationships" r:dm="rId2" r:lo="rId3" r:qs="rId4" r:cs="rId5"/>
+          </a:graphicData>
+        </a:graphic>
+      </p:graphicFrame>
+      <p:sp>
+        <p:nvSpPr>
+          <p:cNvPr id="1680" name="Arrow: Down 1679">
+            <a:extLst>
+              <a:ext uri="{FF2B5EF4-FFF2-40B4-BE49-F238E27FC236}">
+                <a16:creationId xmlns:a16="http://schemas.microsoft.com/office/drawing/2014/main" id="{FC0FA48F-470A-7DBC-70C3-8BC917ED384B}"/>
+              </a:ext>
+            </a:extLst>
+          </p:cNvPr>
+          <p:cNvSpPr/>
           <p:nvPr/>
-        </p:nvPicPr>
-        <p:blipFill>
-          <a:blip r:embed="rId2"/>
-          <a:stretch>
-            <a:fillRect/>
-          </a:stretch>
-        </p:blipFill>
+        </p:nvSpPr>
         <p:spPr>
           <a:xfrm>
-            <a:off x="1659591" y="2394417"/>
-            <a:ext cx="8872819" cy="2819962"/>
+            <a:off x="8445499" y="1619250"/>
+            <a:ext cx="677333" cy="497416"/>
           </a:xfrm>
-          <a:prstGeom prst="rect">
+          <a:prstGeom prst="downArrow">
             <a:avLst/>
           </a:prstGeom>
+          <a:solidFill>
+            <a:srgbClr val="FFC000"/>
+          </a:solidFill>
+          <a:ln>
+            <a:noFill/>
+          </a:ln>
         </p:spPr>
-      </p:pic>
-      <p:sp>
-        <p:nvSpPr>
-          <p:cNvPr id="7" name="TextBox 6">
-            <a:extLst>
-              <a:ext uri="{FF2B5EF4-FFF2-40B4-BE49-F238E27FC236}">
-                <a16:creationId xmlns:a16="http://schemas.microsoft.com/office/drawing/2014/main" id="{242CBC3B-51AB-0DB1-3720-504C6BC7C0F7}"/>
-              </a:ext>
-            </a:extLst>
-          </p:cNvPr>
-          <p:cNvSpPr txBox="1"/>
+        <p:style>
+          <a:lnRef idx="2">
+            <a:schemeClr val="accent1">
+              <a:shade val="15000"/>
+            </a:schemeClr>
+          </a:lnRef>
+          <a:fillRef idx="1">
+            <a:schemeClr val="accent1"/>
+          </a:fillRef>
+          <a:effectRef idx="0">
+            <a:schemeClr val="accent1"/>
+          </a:effectRef>
+          <a:fontRef idx="minor">
+            <a:schemeClr val="lt1"/>
+          </a:fontRef>
+        </p:style>
+        <p:txBody>
+          <a:bodyPr rtlCol="0" anchor="ctr"/>
+          <a:lstStyle/>
+          <a:p>
+            <a:pPr algn="ctr"/>
+            <a:endParaRPr lang="en-US"/>
+          </a:p>
+        </p:txBody>
+      </p:sp>
+      <p:sp>
+        <p:nvSpPr>
+          <p:cNvPr id="1681" name="Arrow: Down 1680">
+            <a:extLst>
+              <a:ext uri="{FF2B5EF4-FFF2-40B4-BE49-F238E27FC236}">
+                <a16:creationId xmlns:a16="http://schemas.microsoft.com/office/drawing/2014/main" id="{969549C5-C380-7BFE-1714-7F0D41CC13F5}"/>
+              </a:ext>
+            </a:extLst>
+          </p:cNvPr>
+          <p:cNvSpPr/>
           <p:nvPr/>
         </p:nvSpPr>
         <p:spPr>
           <a:xfrm>
-            <a:off x="1922324" y="5591594"/>
-            <a:ext cx="6770443" cy="369332"/>
+            <a:off x="8445498" y="2825749"/>
+            <a:ext cx="677333" cy="497416"/>
           </a:xfrm>
-          <a:prstGeom prst="rect">
+          <a:prstGeom prst="downArrow">
             <a:avLst/>
           </a:prstGeom>
-          <a:noFill/>
+          <a:solidFill>
+            <a:srgbClr val="FFC000"/>
+          </a:solidFill>
+          <a:ln>
+            <a:noFill/>
+          </a:ln>
         </p:spPr>
-        <p:txBody>
-          <a:bodyPr wrap="none" lIns="91440" tIns="45720" rIns="91440" bIns="45720" rtlCol="0" anchor="t">
-            <a:spAutoFit/>
-          </a:bodyPr>
+        <p:style>
+          <a:lnRef idx="2">
+            <a:schemeClr val="accent1">
+              <a:shade val="15000"/>
+            </a:schemeClr>
+          </a:lnRef>
+          <a:fillRef idx="1">
+            <a:schemeClr val="accent1"/>
+          </a:fillRef>
+          <a:effectRef idx="0">
+            <a:schemeClr val="accent1"/>
+          </a:effectRef>
+          <a:fontRef idx="minor">
+            <a:schemeClr val="lt1"/>
+          </a:fontRef>
+        </p:style>
+        <p:txBody>
+          <a:bodyPr rtlCol="0" anchor="ctr"/>
           <a:lstStyle/>
           <a:p>
-            <a:r>
-              <a:rPr lang="en-US" b="1" i="1" dirty="0"/>
-              <a:t>Figure 1</a:t>
-            </a:r>
-            <a:r>
-              <a:rPr lang="en-US" dirty="0"/>
-              <a:t>. </a:t>
-            </a:r>
-            <a:r>
-              <a:rPr lang="en-US" dirty="0">
-                <a:ea typeface="+mn-lt"/>
-                <a:cs typeface="+mn-lt"/>
-              </a:rPr>
-              <a:t>'Administrative' feature; before and after removing outliers</a:t>
-            </a:r>
-            <a:endParaRPr lang="en-US" dirty="0"/>
+            <a:pPr algn="ctr"/>
+            <a:endParaRPr lang="en-US"/>
+          </a:p>
+        </p:txBody>
+      </p:sp>
+      <p:sp>
+        <p:nvSpPr>
+          <p:cNvPr id="1682" name="Arrow: Down 1681">
+            <a:extLst>
+              <a:ext uri="{FF2B5EF4-FFF2-40B4-BE49-F238E27FC236}">
+                <a16:creationId xmlns:a16="http://schemas.microsoft.com/office/drawing/2014/main" id="{53B0558F-0C2F-07BC-4411-013CD34FF9AE}"/>
+              </a:ext>
+            </a:extLst>
+          </p:cNvPr>
+          <p:cNvSpPr/>
+          <p:nvPr/>
+        </p:nvSpPr>
+        <p:spPr>
+          <a:xfrm>
+            <a:off x="8445499" y="4021666"/>
+            <a:ext cx="677333" cy="497416"/>
+          </a:xfrm>
+          <a:prstGeom prst="downArrow">
+            <a:avLst/>
+          </a:prstGeom>
+          <a:solidFill>
+            <a:srgbClr val="FFC000"/>
+          </a:solidFill>
+          <a:ln>
+            <a:noFill/>
+          </a:ln>
+        </p:spPr>
+        <p:style>
+          <a:lnRef idx="2">
+            <a:schemeClr val="accent1">
+              <a:shade val="15000"/>
+            </a:schemeClr>
+          </a:lnRef>
+          <a:fillRef idx="1">
+            <a:schemeClr val="accent1"/>
+          </a:fillRef>
+          <a:effectRef idx="0">
+            <a:schemeClr val="accent1"/>
+          </a:effectRef>
+          <a:fontRef idx="minor">
+            <a:schemeClr val="lt1"/>
+          </a:fontRef>
+        </p:style>
+        <p:txBody>
+          <a:bodyPr rtlCol="0" anchor="ctr"/>
+          <a:lstStyle/>
+          <a:p>
+            <a:pPr algn="ctr"/>
+            <a:endParaRPr lang="en-US"/>
+          </a:p>
+        </p:txBody>
+      </p:sp>
+      <p:sp>
+        <p:nvSpPr>
+          <p:cNvPr id="1683" name="Arrow: Down 1682">
+            <a:extLst>
+              <a:ext uri="{FF2B5EF4-FFF2-40B4-BE49-F238E27FC236}">
+                <a16:creationId xmlns:a16="http://schemas.microsoft.com/office/drawing/2014/main" id="{026BECE7-9A63-AB99-412F-4E4844C9749F}"/>
+              </a:ext>
+            </a:extLst>
+          </p:cNvPr>
+          <p:cNvSpPr/>
+          <p:nvPr/>
+        </p:nvSpPr>
+        <p:spPr>
+          <a:xfrm>
+            <a:off x="8445498" y="5217582"/>
+            <a:ext cx="677333" cy="497416"/>
+          </a:xfrm>
+          <a:prstGeom prst="downArrow">
+            <a:avLst/>
+          </a:prstGeom>
+          <a:solidFill>
+            <a:srgbClr val="FFC000"/>
+          </a:solidFill>
+          <a:ln>
+            <a:noFill/>
+          </a:ln>
+        </p:spPr>
+        <p:style>
+          <a:lnRef idx="2">
+            <a:schemeClr val="accent1">
+              <a:shade val="15000"/>
+            </a:schemeClr>
+          </a:lnRef>
+          <a:fillRef idx="1">
+            <a:schemeClr val="accent1"/>
+          </a:fillRef>
+          <a:effectRef idx="0">
+            <a:schemeClr val="accent1"/>
+          </a:effectRef>
+          <a:fontRef idx="minor">
+            <a:schemeClr val="lt1"/>
+          </a:fontRef>
+        </p:style>
+        <p:txBody>
+          <a:bodyPr rtlCol="0" anchor="ctr"/>
+          <a:lstStyle/>
+          <a:p>
+            <a:pPr algn="ctr"/>
+            <a:endParaRPr lang="en-US"/>
           </a:p>
         </p:txBody>
       </p:sp>
     </p:spTree>
     <p:extLst>
       <p:ext uri="{BB962C8B-B14F-4D97-AF65-F5344CB8AC3E}">
-        <p14:creationId xmlns:p14="http://schemas.microsoft.com/office/powerpoint/2010/main" val="709883054"/>
+        <p14:creationId xmlns:p14="http://schemas.microsoft.com/office/powerpoint/2010/main" val="2975418285"/>
       </p:ext>
     </p:extLst>
   </p:cSld>
@@ -6186,12 +10933,107 @@
           <a:chExt cx="0" cy="0"/>
         </a:xfrm>
       </p:grpSpPr>
+      <p:sp>
+        <p:nvSpPr>
+          <p:cNvPr id="2" name="Title 1">
+            <a:extLst>
+              <a:ext uri="{FF2B5EF4-FFF2-40B4-BE49-F238E27FC236}">
+                <a16:creationId xmlns:a16="http://schemas.microsoft.com/office/drawing/2014/main" id="{038CBDEB-27AC-CC24-D0AE-23F68E3A8F11}"/>
+              </a:ext>
+            </a:extLst>
+          </p:cNvPr>
+          <p:cNvSpPr>
+            <a:spLocks noGrp="1"/>
+          </p:cNvSpPr>
+          <p:nvPr>
+            <p:ph type="title"/>
+          </p:nvPr>
+        </p:nvSpPr>
+        <p:spPr/>
+        <p:txBody>
+          <a:bodyPr/>
+          <a:lstStyle/>
+          <a:p>
+            <a:r>
+              <a:rPr lang="en-US">
+                <a:ea typeface="+mj-lt"/>
+                <a:cs typeface="+mj-lt"/>
+              </a:rPr>
+              <a:t>Prepare the Data...</a:t>
+            </a:r>
+            <a:endParaRPr lang="en-US"/>
+          </a:p>
+        </p:txBody>
+      </p:sp>
+      <p:sp>
+        <p:nvSpPr>
+          <p:cNvPr id="3" name="Content Placeholder 2">
+            <a:extLst>
+              <a:ext uri="{FF2B5EF4-FFF2-40B4-BE49-F238E27FC236}">
+                <a16:creationId xmlns:a16="http://schemas.microsoft.com/office/drawing/2014/main" id="{6E5771D1-87A5-1BAE-7499-1B1C81E42674}"/>
+              </a:ext>
+            </a:extLst>
+          </p:cNvPr>
+          <p:cNvSpPr>
+            <a:spLocks noGrp="1"/>
+          </p:cNvSpPr>
+          <p:nvPr>
+            <p:ph idx="1"/>
+          </p:nvPr>
+        </p:nvSpPr>
+        <p:spPr/>
+        <p:txBody>
+          <a:bodyPr vert="horz" lIns="91440" tIns="45720" rIns="91440" bIns="45720" rtlCol="0" anchor="t">
+            <a:normAutofit/>
+          </a:bodyPr>
+          <a:lstStyle/>
+          <a:p>
+            <a:r>
+              <a:rPr lang="en-US">
+                <a:ea typeface="+mn-lt"/>
+                <a:cs typeface="+mn-lt"/>
+              </a:rPr>
+              <a:t>Outliers; Detect &amp; remove using IQR method </a:t>
+            </a:r>
+            <a:endParaRPr lang="en-US"/>
+          </a:p>
+        </p:txBody>
+      </p:sp>
+      <p:sp>
+        <p:nvSpPr>
+          <p:cNvPr id="4" name="Slide Number Placeholder 3">
+            <a:extLst>
+              <a:ext uri="{FF2B5EF4-FFF2-40B4-BE49-F238E27FC236}">
+                <a16:creationId xmlns:a16="http://schemas.microsoft.com/office/drawing/2014/main" id="{630318CD-D265-3AB9-AAA1-C3296D374C2C}"/>
+              </a:ext>
+            </a:extLst>
+          </p:cNvPr>
+          <p:cNvSpPr>
+            <a:spLocks noGrp="1"/>
+          </p:cNvSpPr>
+          <p:nvPr>
+            <p:ph type="sldNum" sz="quarter" idx="12"/>
+          </p:nvPr>
+        </p:nvSpPr>
+        <p:spPr/>
+        <p:txBody>
+          <a:bodyPr/>
+          <a:lstStyle/>
+          <a:p>
+            <a:fld id="{D79359E6-D05C-9546-AA79-5323DC3F04EC}" type="slidenum">
+              <a:rPr lang="en-US" smtClean="0"/>
+              <a:t>8</a:t>
+            </a:fld>
+            <a:endParaRPr lang="en-US"/>
+          </a:p>
+        </p:txBody>
+      </p:sp>
       <p:pic>
         <p:nvPicPr>
-          <p:cNvPr id="9" name="Picture 8">
-            <a:extLst>
-              <a:ext uri="{FF2B5EF4-FFF2-40B4-BE49-F238E27FC236}">
-                <a16:creationId xmlns:a16="http://schemas.microsoft.com/office/drawing/2014/main" id="{6448C6E1-547D-8CA5-E5AF-1CF2D4ABFDD3}"/>
+          <p:cNvPr id="5" name="Picture 4" descr="A blue squares with black dots&#10;&#10;Description automatically generated">
+            <a:extLst>
+              <a:ext uri="{FF2B5EF4-FFF2-40B4-BE49-F238E27FC236}">
+                <a16:creationId xmlns:a16="http://schemas.microsoft.com/office/drawing/2014/main" id="{A8FE9C0A-E7E3-56B6-05BC-B02EF90103D0}"/>
               </a:ext>
             </a:extLst>
           </p:cNvPr>
@@ -6208,8 +11050,8 @@
         </p:blipFill>
         <p:spPr>
           <a:xfrm>
-            <a:off x="1626533" y="2358278"/>
-            <a:ext cx="8905316" cy="2914651"/>
+            <a:off x="1659591" y="2394417"/>
+            <a:ext cx="8872819" cy="2819962"/>
           </a:xfrm>
           <a:prstGeom prst="rect">
             <a:avLst/>
@@ -6218,83 +11060,10 @@
       </p:pic>
       <p:sp>
         <p:nvSpPr>
-          <p:cNvPr id="3" name="Content Placeholder 2">
-            <a:extLst>
-              <a:ext uri="{FF2B5EF4-FFF2-40B4-BE49-F238E27FC236}">
-                <a16:creationId xmlns:a16="http://schemas.microsoft.com/office/drawing/2014/main" id="{6E5771D1-87A5-1BAE-7499-1B1C81E42674}"/>
-              </a:ext>
-            </a:extLst>
-          </p:cNvPr>
-          <p:cNvSpPr>
-            <a:spLocks noGrp="1"/>
-          </p:cNvSpPr>
-          <p:nvPr>
-            <p:ph idx="1"/>
-          </p:nvPr>
-        </p:nvSpPr>
-        <p:spPr/>
-        <p:txBody>
-          <a:bodyPr vert="horz" lIns="91440" tIns="45720" rIns="91440" bIns="45720" rtlCol="0" anchor="t">
-            <a:normAutofit/>
-          </a:bodyPr>
-          <a:lstStyle/>
-          <a:p>
-            <a:r>
-              <a:rPr lang="en-US" dirty="0">
-                <a:ea typeface="+mn-lt"/>
-                <a:cs typeface="+mn-lt"/>
-              </a:rPr>
-              <a:t>Skewness? Applied log transformation to features</a:t>
-            </a:r>
-            <a:endParaRPr lang="en-US" dirty="0"/>
-          </a:p>
-          <a:p>
-            <a:pPr lvl="1">
-              <a:buFont typeface="Courier New" panose="020B0604020202020204" pitchFamily="34" charset="0"/>
-              <a:buChar char="o"/>
-            </a:pPr>
-            <a:endParaRPr lang="en-US" dirty="0"/>
-          </a:p>
-          <a:p>
-            <a:endParaRPr lang="en-US" dirty="0"/>
-          </a:p>
-        </p:txBody>
-      </p:sp>
-      <p:sp>
-        <p:nvSpPr>
-          <p:cNvPr id="4" name="Slide Number Placeholder 3">
-            <a:extLst>
-              <a:ext uri="{FF2B5EF4-FFF2-40B4-BE49-F238E27FC236}">
-                <a16:creationId xmlns:a16="http://schemas.microsoft.com/office/drawing/2014/main" id="{630318CD-D265-3AB9-AAA1-C3296D374C2C}"/>
-              </a:ext>
-            </a:extLst>
-          </p:cNvPr>
-          <p:cNvSpPr>
-            <a:spLocks noGrp="1"/>
-          </p:cNvSpPr>
-          <p:nvPr>
-            <p:ph type="sldNum" sz="quarter" idx="12"/>
-          </p:nvPr>
-        </p:nvSpPr>
-        <p:spPr/>
-        <p:txBody>
-          <a:bodyPr/>
-          <a:lstStyle/>
-          <a:p>
-            <a:fld id="{D79359E6-D05C-9546-AA79-5323DC3F04EC}" type="slidenum">
-              <a:rPr lang="en-US" smtClean="0"/>
-              <a:t>8</a:t>
-            </a:fld>
-            <a:endParaRPr lang="en-US"/>
-          </a:p>
-        </p:txBody>
-      </p:sp>
-      <p:sp>
-        <p:nvSpPr>
-          <p:cNvPr id="11" name="TextBox 10">
-            <a:extLst>
-              <a:ext uri="{FF2B5EF4-FFF2-40B4-BE49-F238E27FC236}">
-                <a16:creationId xmlns:a16="http://schemas.microsoft.com/office/drawing/2014/main" id="{4E784947-9181-5C5F-AD1D-5F658CF843F4}"/>
+          <p:cNvPr id="7" name="TextBox 6">
+            <a:extLst>
+              <a:ext uri="{FF2B5EF4-FFF2-40B4-BE49-F238E27FC236}">
+                <a16:creationId xmlns:a16="http://schemas.microsoft.com/office/drawing/2014/main" id="{242CBC3B-51AB-0DB1-3720-504C6BC7C0F7}"/>
               </a:ext>
             </a:extLst>
           </p:cNvPr>
@@ -6304,7 +11073,7 @@
         <p:spPr>
           <a:xfrm>
             <a:off x="1922324" y="5591594"/>
-            <a:ext cx="7133043" cy="369332"/>
+            <a:ext cx="6770443" cy="369332"/>
           </a:xfrm>
           <a:prstGeom prst="rect">
             <a:avLst/>
@@ -6318,28 +11087,28 @@
           <a:lstStyle/>
           <a:p>
             <a:r>
-              <a:rPr lang="en-US" b="1" i="1" dirty="0"/>
-              <a:t>Figure 2</a:t>
-            </a:r>
-            <a:r>
-              <a:rPr lang="en-US" dirty="0"/>
+              <a:rPr lang="en-US" b="1" i="1"/>
+              <a:t>Figure 1</a:t>
+            </a:r>
+            <a:r>
+              <a:rPr lang="en-US"/>
               <a:t>. </a:t>
             </a:r>
             <a:r>
-              <a:rPr lang="en-US" dirty="0">
+              <a:rPr lang="en-US">
                 <a:ea typeface="+mn-lt"/>
                 <a:cs typeface="+mn-lt"/>
               </a:rPr>
-              <a:t>'Product Related' feature; before and after log transformation</a:t>
-            </a:r>
-            <a:endParaRPr lang="en-US" dirty="0"/>
+              <a:t>'Administrative' feature; before and after removing outliers</a:t>
+            </a:r>
+            <a:endParaRPr lang="en-US"/>
           </a:p>
         </p:txBody>
       </p:sp>
     </p:spTree>
     <p:extLst>
       <p:ext uri="{BB962C8B-B14F-4D97-AF65-F5344CB8AC3E}">
-        <p14:creationId xmlns:p14="http://schemas.microsoft.com/office/powerpoint/2010/main" val="3845393638"/>
+        <p14:creationId xmlns:p14="http://schemas.microsoft.com/office/powerpoint/2010/main" val="709883054"/>
       </p:ext>
     </p:extLst>
   </p:cSld>
@@ -6382,7 +11151,12 @@
             <p:ph idx="1"/>
           </p:nvPr>
         </p:nvSpPr>
-        <p:spPr/>
+        <p:spPr>
+          <a:xfrm>
+            <a:off x="838200" y="1169459"/>
+            <a:ext cx="10505017" cy="4996921"/>
+          </a:xfrm>
+        </p:spPr>
         <p:txBody>
           <a:bodyPr vert="horz" lIns="91440" tIns="45720" rIns="91440" bIns="45720" rtlCol="0" anchor="t">
             <a:normAutofit/>
@@ -6390,61 +11164,32 @@
           <a:lstStyle/>
           <a:p>
             <a:r>
-              <a:rPr lang="en-US" dirty="0">
+              <a:rPr lang="en-US">
                 <a:ea typeface="+mn-lt"/>
                 <a:cs typeface="+mn-lt"/>
               </a:rPr>
-              <a:t>Class Imbalance? Corrected using SMOTE</a:t>
-            </a:r>
-            <a:endParaRPr lang="en-US" dirty="0"/>
+              <a:t>For Skewness; Applied log transformation to features</a:t>
+            </a:r>
+            <a:endParaRPr lang="en-US"/>
           </a:p>
           <a:p>
             <a:pPr lvl="1">
               <a:buFont typeface="Courier New" panose="020B0604020202020204" pitchFamily="34" charset="0"/>
               <a:buChar char="o"/>
             </a:pPr>
-            <a:endParaRPr lang="en-US" dirty="0"/>
-          </a:p>
-          <a:p>
-            <a:endParaRPr lang="en-US" dirty="0"/>
-          </a:p>
-        </p:txBody>
-      </p:sp>
-      <p:sp>
-        <p:nvSpPr>
-          <p:cNvPr id="4" name="Slide Number Placeholder 3">
-            <a:extLst>
-              <a:ext uri="{FF2B5EF4-FFF2-40B4-BE49-F238E27FC236}">
-                <a16:creationId xmlns:a16="http://schemas.microsoft.com/office/drawing/2014/main" id="{630318CD-D265-3AB9-AAA1-C3296D374C2C}"/>
-              </a:ext>
-            </a:extLst>
-          </p:cNvPr>
-          <p:cNvSpPr>
-            <a:spLocks noGrp="1"/>
-          </p:cNvSpPr>
-          <p:nvPr>
-            <p:ph type="sldNum" sz="quarter" idx="12"/>
-          </p:nvPr>
-        </p:nvSpPr>
-        <p:spPr/>
-        <p:txBody>
-          <a:bodyPr/>
-          <a:lstStyle/>
-          <a:p>
-            <a:fld id="{D79359E6-D05C-9546-AA79-5323DC3F04EC}" type="slidenum">
-              <a:rPr lang="en-US" smtClean="0"/>
-              <a:t>9</a:t>
-            </a:fld>
+            <a:endParaRPr lang="en-US"/>
+          </a:p>
+          <a:p>
             <a:endParaRPr lang="en-US"/>
           </a:p>
         </p:txBody>
       </p:sp>
       <p:pic>
         <p:nvPicPr>
-          <p:cNvPr id="2" name="Picture 1" descr="A blue and orange bar graph&#10;&#10;Description automatically generated">
-            <a:extLst>
-              <a:ext uri="{FF2B5EF4-FFF2-40B4-BE49-F238E27FC236}">
-                <a16:creationId xmlns:a16="http://schemas.microsoft.com/office/drawing/2014/main" id="{60012C8C-674A-6D35-50AF-C6120B8E0FA2}"/>
+          <p:cNvPr id="9" name="Picture 8">
+            <a:extLst>
+              <a:ext uri="{FF2B5EF4-FFF2-40B4-BE49-F238E27FC236}">
+                <a16:creationId xmlns:a16="http://schemas.microsoft.com/office/drawing/2014/main" id="{6448C6E1-547D-8CA5-E5AF-1CF2D4ABFDD3}"/>
               </a:ext>
             </a:extLst>
           </p:cNvPr>
@@ -6461,50 +11206,49 @@
         </p:blipFill>
         <p:spPr>
           <a:xfrm>
-            <a:off x="6190409" y="2635343"/>
-            <a:ext cx="5077946" cy="2819961"/>
+            <a:off x="1626533" y="2358278"/>
+            <a:ext cx="8905316" cy="2914651"/>
           </a:xfrm>
           <a:prstGeom prst="rect">
             <a:avLst/>
           </a:prstGeom>
         </p:spPr>
       </p:pic>
-      <p:pic>
-        <p:nvPicPr>
-          <p:cNvPr id="5" name="Picture 4" descr="A bar graph with blue and orange squares&#10;&#10;Description automatically generated">
-            <a:extLst>
-              <a:ext uri="{FF2B5EF4-FFF2-40B4-BE49-F238E27FC236}">
-                <a16:creationId xmlns:a16="http://schemas.microsoft.com/office/drawing/2014/main" id="{04A6EE4A-2093-58B1-3A01-8FF42875B816}"/>
-              </a:ext>
-            </a:extLst>
-          </p:cNvPr>
-          <p:cNvPicPr>
-            <a:picLocks noChangeAspect="1"/>
-          </p:cNvPicPr>
-          <p:nvPr/>
-        </p:nvPicPr>
-        <p:blipFill>
-          <a:blip r:embed="rId3"/>
-          <a:stretch>
-            <a:fillRect/>
-          </a:stretch>
-        </p:blipFill>
-        <p:spPr>
-          <a:xfrm>
-            <a:off x="952780" y="2638145"/>
-            <a:ext cx="5120528" cy="2791945"/>
-          </a:xfrm>
-          <a:prstGeom prst="rect">
-            <a:avLst/>
-          </a:prstGeom>
-        </p:spPr>
-      </p:pic>
-      <p:sp>
-        <p:nvSpPr>
-          <p:cNvPr id="7" name="TextBox 6">
-            <a:extLst>
-              <a:ext uri="{FF2B5EF4-FFF2-40B4-BE49-F238E27FC236}">
-                <a16:creationId xmlns:a16="http://schemas.microsoft.com/office/drawing/2014/main" id="{BACB0DE5-AE9B-C566-5214-65AB25D345B2}"/>
+      <p:sp>
+        <p:nvSpPr>
+          <p:cNvPr id="4" name="Slide Number Placeholder 3">
+            <a:extLst>
+              <a:ext uri="{FF2B5EF4-FFF2-40B4-BE49-F238E27FC236}">
+                <a16:creationId xmlns:a16="http://schemas.microsoft.com/office/drawing/2014/main" id="{630318CD-D265-3AB9-AAA1-C3296D374C2C}"/>
+              </a:ext>
+            </a:extLst>
+          </p:cNvPr>
+          <p:cNvSpPr>
+            <a:spLocks noGrp="1"/>
+          </p:cNvSpPr>
+          <p:nvPr>
+            <p:ph type="sldNum" sz="quarter" idx="12"/>
+          </p:nvPr>
+        </p:nvSpPr>
+        <p:spPr/>
+        <p:txBody>
+          <a:bodyPr/>
+          <a:lstStyle/>
+          <a:p>
+            <a:fld id="{D79359E6-D05C-9546-AA79-5323DC3F04EC}" type="slidenum">
+              <a:rPr lang="en-US" smtClean="0"/>
+              <a:t>9</a:t>
+            </a:fld>
+            <a:endParaRPr lang="en-US"/>
+          </a:p>
+        </p:txBody>
+      </p:sp>
+      <p:sp>
+        <p:nvSpPr>
+          <p:cNvPr id="11" name="TextBox 10">
+            <a:extLst>
+              <a:ext uri="{FF2B5EF4-FFF2-40B4-BE49-F238E27FC236}">
+                <a16:creationId xmlns:a16="http://schemas.microsoft.com/office/drawing/2014/main" id="{4E784947-9181-5C5F-AD1D-5F658CF843F4}"/>
               </a:ext>
             </a:extLst>
           </p:cNvPr>
@@ -6514,7 +11258,7 @@
         <p:spPr>
           <a:xfrm>
             <a:off x="1922324" y="5591594"/>
-            <a:ext cx="6167266" cy="369332"/>
+            <a:ext cx="7133043" cy="369332"/>
           </a:xfrm>
           <a:prstGeom prst="rect">
             <a:avLst/>
@@ -6528,28 +11272,28 @@
           <a:lstStyle/>
           <a:p>
             <a:r>
-              <a:rPr lang="en-US" b="1" i="1" dirty="0"/>
-              <a:t>Figure 3</a:t>
-            </a:r>
-            <a:r>
-              <a:rPr lang="en-US" dirty="0"/>
+              <a:rPr lang="en-US" b="1" i="1"/>
+              <a:t>Figure 2</a:t>
+            </a:r>
+            <a:r>
+              <a:rPr lang="en-US"/>
               <a:t>. </a:t>
             </a:r>
             <a:r>
-              <a:rPr lang="en-US" dirty="0">
+              <a:rPr lang="en-US">
                 <a:ea typeface="+mn-lt"/>
                 <a:cs typeface="+mn-lt"/>
               </a:rPr>
-              <a:t>'Revenue' feature; before and after applying SMOTE</a:t>
-            </a:r>
-            <a:endParaRPr lang="en-US" dirty="0"/>
+              <a:t>'Product Related' feature; before and after log transformation</a:t>
+            </a:r>
+            <a:endParaRPr lang="en-US"/>
           </a:p>
         </p:txBody>
       </p:sp>
     </p:spTree>
     <p:extLst>
       <p:ext uri="{BB962C8B-B14F-4D97-AF65-F5344CB8AC3E}">
-        <p14:creationId xmlns:p14="http://schemas.microsoft.com/office/powerpoint/2010/main" val="3426153097"/>
+        <p14:creationId xmlns:p14="http://schemas.microsoft.com/office/powerpoint/2010/main" val="3845393638"/>
       </p:ext>
     </p:extLst>
   </p:cSld>
